--- a/assets/lectures/cshl/2019/mini/RNASeq_MiniLecture_02_01_Alignment.pptx
+++ b/assets/lectures/cshl/2019/mini/RNASeq_MiniLecture_02_01_Alignment.pptx
@@ -2,28 +2,27 @@
 <file path=ppt/presentation.xml><?xml version="1.0" encoding="utf-8"?>
 <p:presentation xmlns:a="http://schemas.openxmlformats.org/drawingml/2006/main" xmlns:r="http://schemas.openxmlformats.org/officeDocument/2006/relationships" xmlns:p="http://schemas.openxmlformats.org/presentationml/2006/main" saveSubsetFonts="1" autoCompressPictures="0">
   <p:sldMasterIdLst>
-    <p:sldMasterId id="2147483660" r:id="rId1"/>
-    <p:sldMasterId id="2147483674" r:id="rId2"/>
+    <p:sldMasterId id="2147483674" r:id="rId1"/>
   </p:sldMasterIdLst>
   <p:notesMasterIdLst>
-    <p:notesMasterId r:id="rId18"/>
+    <p:notesMasterId r:id="rId17"/>
   </p:notesMasterIdLst>
   <p:sldIdLst>
-    <p:sldId id="515" r:id="rId3"/>
-    <p:sldId id="404" r:id="rId4"/>
-    <p:sldId id="516" r:id="rId5"/>
-    <p:sldId id="517" r:id="rId6"/>
-    <p:sldId id="518" r:id="rId7"/>
-    <p:sldId id="519" r:id="rId8"/>
-    <p:sldId id="520" r:id="rId9"/>
-    <p:sldId id="521" r:id="rId10"/>
-    <p:sldId id="522" r:id="rId11"/>
-    <p:sldId id="528" r:id="rId12"/>
-    <p:sldId id="529" r:id="rId13"/>
-    <p:sldId id="530" r:id="rId14"/>
-    <p:sldId id="531" r:id="rId15"/>
-    <p:sldId id="526" r:id="rId16"/>
-    <p:sldId id="527" r:id="rId17"/>
+    <p:sldId id="515" r:id="rId2"/>
+    <p:sldId id="404" r:id="rId3"/>
+    <p:sldId id="516" r:id="rId4"/>
+    <p:sldId id="517" r:id="rId5"/>
+    <p:sldId id="518" r:id="rId6"/>
+    <p:sldId id="519" r:id="rId7"/>
+    <p:sldId id="520" r:id="rId8"/>
+    <p:sldId id="521" r:id="rId9"/>
+    <p:sldId id="522" r:id="rId10"/>
+    <p:sldId id="528" r:id="rId11"/>
+    <p:sldId id="529" r:id="rId12"/>
+    <p:sldId id="530" r:id="rId13"/>
+    <p:sldId id="531" r:id="rId14"/>
+    <p:sldId id="526" r:id="rId15"/>
+    <p:sldId id="527" r:id="rId16"/>
   </p:sldIdLst>
   <p:sldSz cx="12192000" cy="6858000"/>
   <p:notesSz cx="6858000" cy="9144000"/>
@@ -212,7 +211,7 @@
           <a:p>
             <a:fld id="{827BD9F9-8452-A342-BB1B-28ECF19E2CC5}" type="datetimeFigureOut">
               <a:rPr lang="en-US" smtClean="0"/>
-              <a:t>11/5/19</a:t>
+              <a:t>11/9/19</a:t>
             </a:fld>
             <a:endParaRPr lang="en-US"/>
           </a:p>
@@ -1860,70 +1859,10 @@
           </a:p>
         </p:txBody>
       </p:sp>
-      <p:pic>
-        <p:nvPicPr>
-          <p:cNvPr id="8" name="Picture 7" descr="bioinformatics.ca-logo-white-text.png">
-            <a:extLst>
-              <a:ext uri="{FF2B5EF4-FFF2-40B4-BE49-F238E27FC236}">
-                <a16:creationId xmlns:a16="http://schemas.microsoft.com/office/drawing/2014/main" id="{9874B523-0CD5-BC4D-B685-3BCCBF624BF4}"/>
-              </a:ext>
-            </a:extLst>
-          </p:cNvPr>
-          <p:cNvPicPr>
-            <a:picLocks noChangeAspect="1"/>
-          </p:cNvPicPr>
-          <p:nvPr userDrawn="1"/>
-        </p:nvPicPr>
-        <p:blipFill>
-          <a:blip r:embed="rId2">
-            <a:extLst>
-              <a:ext uri="{28A0092B-C50C-407E-A947-70E740481C1C}">
-                <a14:useLocalDpi xmlns:a14="http://schemas.microsoft.com/office/drawing/2010/main" val="0"/>
-              </a:ext>
-            </a:extLst>
-          </a:blip>
-          <a:srcRect/>
-          <a:stretch>
-            <a:fillRect/>
-          </a:stretch>
-        </p:blipFill>
-        <p:spPr bwMode="auto">
-          <a:xfrm>
-            <a:off x="76200" y="1656599"/>
-            <a:ext cx="1729740" cy="727826"/>
-          </a:xfrm>
-          <a:prstGeom prst="rect">
-            <a:avLst/>
-          </a:prstGeom>
-          <a:noFill/>
-          <a:ln>
-            <a:noFill/>
-          </a:ln>
-          <a:extLst>
-            <a:ext uri="{909E8E84-426E-40dd-AFC4-6F175D3DCCD1}">
-              <a14:hiddenFill xmlns:a14="http://schemas.microsoft.com/office/drawing/2010/main" xmlns="">
-                <a:solidFill>
-                  <a:srgbClr val="FFFFFF"/>
-                </a:solidFill>
-              </a14:hiddenFill>
-            </a:ext>
-            <a:ext uri="{91240B29-F687-4f45-9708-019B960494DF}">
-              <a14:hiddenLine xmlns:a14="http://schemas.microsoft.com/office/drawing/2010/main" xmlns="" w="9525">
-                <a:solidFill>
-                  <a:srgbClr val="000000"/>
-                </a:solidFill>
-                <a:miter lim="800000"/>
-                <a:headEnd/>
-                <a:tailEnd/>
-              </a14:hiddenLine>
-            </a:ext>
-          </a:extLst>
-        </p:spPr>
-      </p:pic>
     </p:spTree>
     <p:extLst>
       <p:ext uri="{BB962C8B-B14F-4D97-AF65-F5344CB8AC3E}">
-        <p14:creationId xmlns:p14="http://schemas.microsoft.com/office/powerpoint/2010/main" val="1896301431"/>
+        <p14:creationId xmlns:p14="http://schemas.microsoft.com/office/powerpoint/2010/main" val="1602643876"/>
       </p:ext>
     </p:extLst>
   </p:cSld>
@@ -2067,7 +2006,7 @@
     </p:spTree>
     <p:extLst>
       <p:ext uri="{BB962C8B-B14F-4D97-AF65-F5344CB8AC3E}">
-        <p14:creationId xmlns:p14="http://schemas.microsoft.com/office/powerpoint/2010/main" val="453827572"/>
+        <p14:creationId xmlns:p14="http://schemas.microsoft.com/office/powerpoint/2010/main" val="2576268045"/>
       </p:ext>
     </p:extLst>
   </p:cSld>
@@ -2221,7 +2160,7 @@
     </p:spTree>
     <p:extLst>
       <p:ext uri="{BB962C8B-B14F-4D97-AF65-F5344CB8AC3E}">
-        <p14:creationId xmlns:p14="http://schemas.microsoft.com/office/powerpoint/2010/main" val="805641276"/>
+        <p14:creationId xmlns:p14="http://schemas.microsoft.com/office/powerpoint/2010/main" val="361935653"/>
       </p:ext>
     </p:extLst>
   </p:cSld>
@@ -2232,6 +2171,606 @@
 </file>
 
 <file path=ppt/slideLayouts/slideLayout12.xml><?xml version="1.0" encoding="utf-8"?>
+<p:sldLayout xmlns:a="http://schemas.openxmlformats.org/drawingml/2006/main" xmlns:r="http://schemas.openxmlformats.org/officeDocument/2006/relationships" xmlns:p="http://schemas.openxmlformats.org/presentationml/2006/main" userDrawn="1">
+  <p:cSld name="Content">
+    <p:spTree>
+      <p:nvGrpSpPr>
+        <p:cNvPr id="1" name=""/>
+        <p:cNvGrpSpPr/>
+        <p:nvPr/>
+      </p:nvGrpSpPr>
+      <p:grpSpPr>
+        <a:xfrm>
+          <a:off x="0" y="0"/>
+          <a:ext cx="0" cy="0"/>
+          <a:chOff x="0" y="0"/>
+          <a:chExt cx="0" cy="0"/>
+        </a:xfrm>
+      </p:grpSpPr>
+      <p:sp>
+        <p:nvSpPr>
+          <p:cNvPr id="4" name="Rectangle 3"/>
+          <p:cNvSpPr/>
+          <p:nvPr userDrawn="1"/>
+        </p:nvSpPr>
+        <p:spPr>
+          <a:xfrm>
+            <a:off x="0" y="6400800"/>
+            <a:ext cx="12192000" cy="457200"/>
+          </a:xfrm>
+          <a:prstGeom prst="rect">
+            <a:avLst/>
+          </a:prstGeom>
+          <a:solidFill>
+            <a:srgbClr val="CA0000"/>
+          </a:solidFill>
+          <a:ln>
+            <a:noFill/>
+          </a:ln>
+        </p:spPr>
+        <p:style>
+          <a:lnRef idx="2">
+            <a:schemeClr val="accent1">
+              <a:shade val="50000"/>
+            </a:schemeClr>
+          </a:lnRef>
+          <a:fillRef idx="1">
+            <a:schemeClr val="accent1"/>
+          </a:fillRef>
+          <a:effectRef idx="0">
+            <a:schemeClr val="accent1"/>
+          </a:effectRef>
+          <a:fontRef idx="minor">
+            <a:schemeClr val="lt1"/>
+          </a:fontRef>
+        </p:style>
+        <p:txBody>
+          <a:bodyPr anchor="ctr"/>
+          <a:lstStyle/>
+          <a:p>
+            <a:pPr algn="ctr">
+              <a:defRPr/>
+            </a:pPr>
+            <a:endParaRPr lang="en-US" sz="1800">
+              <a:solidFill>
+                <a:srgbClr val="FFFFFF"/>
+              </a:solidFill>
+              <a:latin typeface="Segoe UI" charset="0"/>
+              <a:ea typeface="ＭＳ Ｐゴシック" charset="0"/>
+              <a:cs typeface="ＭＳ Ｐゴシック" charset="0"/>
+            </a:endParaRPr>
+          </a:p>
+        </p:txBody>
+      </p:sp>
+      <p:sp>
+        <p:nvSpPr>
+          <p:cNvPr id="5" name="TextBox 4"/>
+          <p:cNvSpPr txBox="1"/>
+          <p:nvPr userDrawn="1"/>
+        </p:nvSpPr>
+        <p:spPr>
+          <a:xfrm>
+            <a:off x="101600" y="6429375"/>
+            <a:ext cx="8940800" cy="400050"/>
+          </a:xfrm>
+          <a:prstGeom prst="rect">
+            <a:avLst/>
+          </a:prstGeom>
+          <a:noFill/>
+        </p:spPr>
+        <p:txBody>
+          <a:bodyPr>
+            <a:spAutoFit/>
+          </a:bodyPr>
+          <a:lstStyle>
+            <a:lvl1pPr eaLnBrk="0" hangingPunct="0">
+              <a:defRPr sz="2400">
+                <a:solidFill>
+                  <a:schemeClr val="tx1"/>
+                </a:solidFill>
+                <a:latin typeface="Arial" charset="0"/>
+                <a:ea typeface="ＭＳ Ｐゴシック" charset="0"/>
+                <a:cs typeface="ＭＳ Ｐゴシック" charset="0"/>
+              </a:defRPr>
+            </a:lvl1pPr>
+            <a:lvl2pPr marL="37931725" indent="-37474525" eaLnBrk="0" hangingPunct="0">
+              <a:defRPr sz="2400">
+                <a:solidFill>
+                  <a:schemeClr val="tx1"/>
+                </a:solidFill>
+                <a:latin typeface="Arial" charset="0"/>
+                <a:ea typeface="ＭＳ Ｐゴシック" charset="0"/>
+              </a:defRPr>
+            </a:lvl2pPr>
+            <a:lvl3pPr eaLnBrk="0" hangingPunct="0">
+              <a:defRPr sz="2400">
+                <a:solidFill>
+                  <a:schemeClr val="tx1"/>
+                </a:solidFill>
+                <a:latin typeface="Arial" charset="0"/>
+                <a:ea typeface="ＭＳ Ｐゴシック" charset="0"/>
+              </a:defRPr>
+            </a:lvl3pPr>
+            <a:lvl4pPr eaLnBrk="0" hangingPunct="0">
+              <a:defRPr sz="2400">
+                <a:solidFill>
+                  <a:schemeClr val="tx1"/>
+                </a:solidFill>
+                <a:latin typeface="Arial" charset="0"/>
+                <a:ea typeface="ＭＳ Ｐゴシック" charset="0"/>
+              </a:defRPr>
+            </a:lvl4pPr>
+            <a:lvl5pPr eaLnBrk="0" hangingPunct="0">
+              <a:defRPr sz="2400">
+                <a:solidFill>
+                  <a:schemeClr val="tx1"/>
+                </a:solidFill>
+                <a:latin typeface="Arial" charset="0"/>
+                <a:ea typeface="ＭＳ Ｐゴシック" charset="0"/>
+              </a:defRPr>
+            </a:lvl5pPr>
+            <a:lvl6pPr marL="457200" eaLnBrk="0" fontAlgn="base" hangingPunct="0">
+              <a:spcBef>
+                <a:spcPct val="0"/>
+              </a:spcBef>
+              <a:spcAft>
+                <a:spcPct val="0"/>
+              </a:spcAft>
+              <a:defRPr sz="2400">
+                <a:solidFill>
+                  <a:schemeClr val="tx1"/>
+                </a:solidFill>
+                <a:latin typeface="Arial" charset="0"/>
+                <a:ea typeface="ＭＳ Ｐゴシック" charset="0"/>
+              </a:defRPr>
+            </a:lvl6pPr>
+            <a:lvl7pPr marL="914400" eaLnBrk="0" fontAlgn="base" hangingPunct="0">
+              <a:spcBef>
+                <a:spcPct val="0"/>
+              </a:spcBef>
+              <a:spcAft>
+                <a:spcPct val="0"/>
+              </a:spcAft>
+              <a:defRPr sz="2400">
+                <a:solidFill>
+                  <a:schemeClr val="tx1"/>
+                </a:solidFill>
+                <a:latin typeface="Arial" charset="0"/>
+                <a:ea typeface="ＭＳ Ｐゴシック" charset="0"/>
+              </a:defRPr>
+            </a:lvl7pPr>
+            <a:lvl8pPr marL="1371600" eaLnBrk="0" fontAlgn="base" hangingPunct="0">
+              <a:spcBef>
+                <a:spcPct val="0"/>
+              </a:spcBef>
+              <a:spcAft>
+                <a:spcPct val="0"/>
+              </a:spcAft>
+              <a:defRPr sz="2400">
+                <a:solidFill>
+                  <a:schemeClr val="tx1"/>
+                </a:solidFill>
+                <a:latin typeface="Arial" charset="0"/>
+                <a:ea typeface="ＭＳ Ｐゴシック" charset="0"/>
+              </a:defRPr>
+            </a:lvl8pPr>
+            <a:lvl9pPr marL="1828800" eaLnBrk="0" fontAlgn="base" hangingPunct="0">
+              <a:spcBef>
+                <a:spcPct val="0"/>
+              </a:spcBef>
+              <a:spcAft>
+                <a:spcPct val="0"/>
+              </a:spcAft>
+              <a:defRPr sz="2400">
+                <a:solidFill>
+                  <a:schemeClr val="tx1"/>
+                </a:solidFill>
+                <a:latin typeface="Arial" charset="0"/>
+                <a:ea typeface="ＭＳ Ｐゴシック" charset="0"/>
+              </a:defRPr>
+            </a:lvl9pPr>
+          </a:lstStyle>
+          <a:p>
+            <a:pPr eaLnBrk="1" hangingPunct="1">
+              <a:defRPr/>
+            </a:pPr>
+            <a:r>
+              <a:rPr lang="en-US" sz="2000" b="1">
+                <a:solidFill>
+                  <a:schemeClr val="bg1"/>
+                </a:solidFill>
+                <a:latin typeface="Calibri" charset="0"/>
+                <a:cs typeface="Calibri" charset="0"/>
+              </a:rPr>
+              <a:t>RNA sequencing and analysis</a:t>
+            </a:r>
+          </a:p>
+        </p:txBody>
+      </p:sp>
+      <p:sp>
+        <p:nvSpPr>
+          <p:cNvPr id="6" name="TextBox 5"/>
+          <p:cNvSpPr txBox="1"/>
+          <p:nvPr userDrawn="1"/>
+        </p:nvSpPr>
+        <p:spPr>
+          <a:xfrm>
+            <a:off x="8229600" y="6477000"/>
+            <a:ext cx="3860800" cy="338138"/>
+          </a:xfrm>
+          <a:prstGeom prst="rect">
+            <a:avLst/>
+          </a:prstGeom>
+          <a:noFill/>
+        </p:spPr>
+        <p:txBody>
+          <a:bodyPr>
+            <a:spAutoFit/>
+          </a:bodyPr>
+          <a:lstStyle>
+            <a:lvl1pPr eaLnBrk="0" hangingPunct="0">
+              <a:defRPr sz="2400">
+                <a:solidFill>
+                  <a:schemeClr val="tx1"/>
+                </a:solidFill>
+                <a:latin typeface="Arial" charset="0"/>
+                <a:ea typeface="ＭＳ Ｐゴシック" charset="0"/>
+                <a:cs typeface="ＭＳ Ｐゴシック" charset="0"/>
+              </a:defRPr>
+            </a:lvl1pPr>
+            <a:lvl2pPr marL="37931725" indent="-37474525" eaLnBrk="0" hangingPunct="0">
+              <a:defRPr sz="2400">
+                <a:solidFill>
+                  <a:schemeClr val="tx1"/>
+                </a:solidFill>
+                <a:latin typeface="Arial" charset="0"/>
+                <a:ea typeface="ＭＳ Ｐゴシック" charset="0"/>
+              </a:defRPr>
+            </a:lvl2pPr>
+            <a:lvl3pPr eaLnBrk="0" hangingPunct="0">
+              <a:defRPr sz="2400">
+                <a:solidFill>
+                  <a:schemeClr val="tx1"/>
+                </a:solidFill>
+                <a:latin typeface="Arial" charset="0"/>
+                <a:ea typeface="ＭＳ Ｐゴシック" charset="0"/>
+              </a:defRPr>
+            </a:lvl3pPr>
+            <a:lvl4pPr eaLnBrk="0" hangingPunct="0">
+              <a:defRPr sz="2400">
+                <a:solidFill>
+                  <a:schemeClr val="tx1"/>
+                </a:solidFill>
+                <a:latin typeface="Arial" charset="0"/>
+                <a:ea typeface="ＭＳ Ｐゴシック" charset="0"/>
+              </a:defRPr>
+            </a:lvl4pPr>
+            <a:lvl5pPr eaLnBrk="0" hangingPunct="0">
+              <a:defRPr sz="2400">
+                <a:solidFill>
+                  <a:schemeClr val="tx1"/>
+                </a:solidFill>
+                <a:latin typeface="Arial" charset="0"/>
+                <a:ea typeface="ＭＳ Ｐゴシック" charset="0"/>
+              </a:defRPr>
+            </a:lvl5pPr>
+            <a:lvl6pPr marL="457200" eaLnBrk="0" fontAlgn="base" hangingPunct="0">
+              <a:spcBef>
+                <a:spcPct val="0"/>
+              </a:spcBef>
+              <a:spcAft>
+                <a:spcPct val="0"/>
+              </a:spcAft>
+              <a:defRPr sz="2400">
+                <a:solidFill>
+                  <a:schemeClr val="tx1"/>
+                </a:solidFill>
+                <a:latin typeface="Arial" charset="0"/>
+                <a:ea typeface="ＭＳ Ｐゴシック" charset="0"/>
+              </a:defRPr>
+            </a:lvl6pPr>
+            <a:lvl7pPr marL="914400" eaLnBrk="0" fontAlgn="base" hangingPunct="0">
+              <a:spcBef>
+                <a:spcPct val="0"/>
+              </a:spcBef>
+              <a:spcAft>
+                <a:spcPct val="0"/>
+              </a:spcAft>
+              <a:defRPr sz="2400">
+                <a:solidFill>
+                  <a:schemeClr val="tx1"/>
+                </a:solidFill>
+                <a:latin typeface="Arial" charset="0"/>
+                <a:ea typeface="ＭＳ Ｐゴシック" charset="0"/>
+              </a:defRPr>
+            </a:lvl7pPr>
+            <a:lvl8pPr marL="1371600" eaLnBrk="0" fontAlgn="base" hangingPunct="0">
+              <a:spcBef>
+                <a:spcPct val="0"/>
+              </a:spcBef>
+              <a:spcAft>
+                <a:spcPct val="0"/>
+              </a:spcAft>
+              <a:defRPr sz="2400">
+                <a:solidFill>
+                  <a:schemeClr val="tx1"/>
+                </a:solidFill>
+                <a:latin typeface="Arial" charset="0"/>
+                <a:ea typeface="ＭＳ Ｐゴシック" charset="0"/>
+              </a:defRPr>
+            </a:lvl8pPr>
+            <a:lvl9pPr marL="1828800" eaLnBrk="0" fontAlgn="base" hangingPunct="0">
+              <a:spcBef>
+                <a:spcPct val="0"/>
+              </a:spcBef>
+              <a:spcAft>
+                <a:spcPct val="0"/>
+              </a:spcAft>
+              <a:defRPr sz="2400">
+                <a:solidFill>
+                  <a:schemeClr val="tx1"/>
+                </a:solidFill>
+                <a:latin typeface="Arial" charset="0"/>
+                <a:ea typeface="ＭＳ Ｐゴシック" charset="0"/>
+              </a:defRPr>
+            </a:lvl9pPr>
+          </a:lstStyle>
+          <a:p>
+            <a:pPr algn="r" eaLnBrk="1" hangingPunct="1">
+              <a:defRPr/>
+            </a:pPr>
+            <a:r>
+              <a:rPr lang="en-US" sz="1600" b="1">
+                <a:cs typeface="Arial" charset="0"/>
+              </a:rPr>
+              <a:t>http://meetings.cshl.edu/</a:t>
+            </a:r>
+            <a:endParaRPr lang="en-US" sz="1600">
+              <a:cs typeface="Arial" charset="0"/>
+            </a:endParaRPr>
+          </a:p>
+        </p:txBody>
+      </p:sp>
+      <p:sp>
+        <p:nvSpPr>
+          <p:cNvPr id="3" name="Content Placeholder 2"/>
+          <p:cNvSpPr>
+            <a:spLocks noGrp="1"/>
+          </p:cNvSpPr>
+          <p:nvPr>
+            <p:ph idx="1"/>
+          </p:nvPr>
+        </p:nvSpPr>
+        <p:spPr>
+          <a:xfrm>
+            <a:off x="203200" y="152400"/>
+            <a:ext cx="11785600" cy="6172200"/>
+          </a:xfrm>
+        </p:spPr>
+        <p:txBody>
+          <a:bodyPr/>
+          <a:lstStyle>
+            <a:lvl1pPr>
+              <a:defRPr sz="2800">
+                <a:latin typeface="Calibri"/>
+                <a:cs typeface="Calibri"/>
+              </a:defRPr>
+            </a:lvl1pPr>
+            <a:lvl2pPr>
+              <a:defRPr sz="2400">
+                <a:latin typeface="Calibri"/>
+                <a:cs typeface="Calibri"/>
+              </a:defRPr>
+            </a:lvl2pPr>
+            <a:lvl3pPr>
+              <a:defRPr sz="2000">
+                <a:latin typeface="Calibri"/>
+                <a:cs typeface="Calibri"/>
+              </a:defRPr>
+            </a:lvl3pPr>
+            <a:lvl4pPr>
+              <a:defRPr sz="1800">
+                <a:latin typeface="Calibri"/>
+                <a:cs typeface="Calibri"/>
+              </a:defRPr>
+            </a:lvl4pPr>
+            <a:lvl5pPr>
+              <a:defRPr sz="1800">
+                <a:latin typeface="Calibri"/>
+                <a:cs typeface="Calibri"/>
+              </a:defRPr>
+            </a:lvl5pPr>
+          </a:lstStyle>
+          <a:p>
+            <a:pPr lvl="0"/>
+            <a:r>
+              <a:rPr lang="en-US" dirty="0"/>
+              <a:t>Click to edit Master text styles</a:t>
+            </a:r>
+          </a:p>
+          <a:p>
+            <a:pPr lvl="1"/>
+            <a:r>
+              <a:rPr lang="en-US" dirty="0"/>
+              <a:t>Second level</a:t>
+            </a:r>
+          </a:p>
+          <a:p>
+            <a:pPr lvl="2"/>
+            <a:r>
+              <a:rPr lang="en-US" dirty="0"/>
+              <a:t>Third level</a:t>
+            </a:r>
+          </a:p>
+          <a:p>
+            <a:pPr lvl="3"/>
+            <a:r>
+              <a:rPr lang="en-US" dirty="0"/>
+              <a:t>Fourth level</a:t>
+            </a:r>
+          </a:p>
+          <a:p>
+            <a:pPr lvl="4"/>
+            <a:r>
+              <a:rPr lang="en-US" dirty="0"/>
+              <a:t>Fifth level</a:t>
+            </a:r>
+          </a:p>
+        </p:txBody>
+      </p:sp>
+    </p:spTree>
+    <p:extLst>
+      <p:ext uri="{BB962C8B-B14F-4D97-AF65-F5344CB8AC3E}">
+        <p14:creationId xmlns:p14="http://schemas.microsoft.com/office/powerpoint/2010/main" val="1438532507"/>
+      </p:ext>
+    </p:extLst>
+  </p:cSld>
+  <p:clrMapOvr>
+    <a:masterClrMapping/>
+  </p:clrMapOvr>
+</p:sldLayout>
+</file>
+
+<file path=ppt/slideLayouts/slideLayout13.xml><?xml version="1.0" encoding="utf-8"?>
+<p:sldLayout xmlns:a="http://schemas.openxmlformats.org/drawingml/2006/main" xmlns:r="http://schemas.openxmlformats.org/officeDocument/2006/relationships" xmlns:p="http://schemas.openxmlformats.org/presentationml/2006/main" userDrawn="1">
+  <p:cSld name="Title">
+    <p:spTree>
+      <p:nvGrpSpPr>
+        <p:cNvPr id="1" name=""/>
+        <p:cNvGrpSpPr/>
+        <p:nvPr/>
+      </p:nvGrpSpPr>
+      <p:grpSpPr>
+        <a:xfrm>
+          <a:off x="0" y="0"/>
+          <a:ext cx="0" cy="0"/>
+          <a:chOff x="0" y="0"/>
+          <a:chExt cx="0" cy="0"/>
+        </a:xfrm>
+      </p:grpSpPr>
+      <p:sp>
+        <p:nvSpPr>
+          <p:cNvPr id="2" name="Rectangle 1"/>
+          <p:cNvSpPr/>
+          <p:nvPr userDrawn="1"/>
+        </p:nvSpPr>
+        <p:spPr>
+          <a:xfrm>
+            <a:off x="0" y="0"/>
+            <a:ext cx="12192000" cy="2514600"/>
+          </a:xfrm>
+          <a:prstGeom prst="rect">
+            <a:avLst/>
+          </a:prstGeom>
+          <a:solidFill>
+            <a:schemeClr val="tx1"/>
+          </a:solidFill>
+          <a:ln>
+            <a:noFill/>
+          </a:ln>
+        </p:spPr>
+        <p:style>
+          <a:lnRef idx="2">
+            <a:schemeClr val="accent1">
+              <a:shade val="50000"/>
+            </a:schemeClr>
+          </a:lnRef>
+          <a:fillRef idx="1">
+            <a:schemeClr val="accent1"/>
+          </a:fillRef>
+          <a:effectRef idx="0">
+            <a:schemeClr val="accent1"/>
+          </a:effectRef>
+          <a:fontRef idx="minor">
+            <a:schemeClr val="lt1"/>
+          </a:fontRef>
+        </p:style>
+        <p:txBody>
+          <a:bodyPr anchor="ctr"/>
+          <a:lstStyle/>
+          <a:p>
+            <a:pPr algn="ctr">
+              <a:defRPr/>
+            </a:pPr>
+            <a:endParaRPr lang="en-US" sz="1350">
+              <a:solidFill>
+                <a:srgbClr val="FFFFFF"/>
+              </a:solidFill>
+              <a:latin typeface="Segoe UI" charset="0"/>
+              <a:ea typeface="ＭＳ Ｐゴシック" charset="0"/>
+              <a:cs typeface="ＭＳ Ｐゴシック" charset="0"/>
+            </a:endParaRPr>
+          </a:p>
+        </p:txBody>
+      </p:sp>
+      <p:pic>
+        <p:nvPicPr>
+          <p:cNvPr id="3" name="Picture 7" descr="cshl_logo_alternate rgb.png"/>
+          <p:cNvPicPr>
+            <a:picLocks noChangeAspect="1"/>
+          </p:cNvPicPr>
+          <p:nvPr userDrawn="1"/>
+        </p:nvPicPr>
+        <p:blipFill>
+          <a:blip r:embed="rId2">
+            <a:extLst>
+              <a:ext uri="{28A0092B-C50C-407E-A947-70E740481C1C}">
+                <a14:useLocalDpi xmlns:a14="http://schemas.microsoft.com/office/drawing/2010/main" val="0"/>
+              </a:ext>
+            </a:extLst>
+          </a:blip>
+          <a:srcRect/>
+          <a:stretch>
+            <a:fillRect/>
+          </a:stretch>
+        </p:blipFill>
+        <p:spPr bwMode="auto">
+          <a:xfrm>
+            <a:off x="400052" y="381000"/>
+            <a:ext cx="4679949" cy="1676400"/>
+          </a:xfrm>
+          <a:prstGeom prst="rect">
+            <a:avLst/>
+          </a:prstGeom>
+          <a:noFill/>
+          <a:ln>
+            <a:noFill/>
+          </a:ln>
+          <a:extLst>
+            <a:ext uri="{909E8E84-426E-40dd-AFC4-6F175D3DCCD1}">
+              <a14:hiddenFill xmlns="" xmlns:a14="http://schemas.microsoft.com/office/drawing/2010/main">
+                <a:solidFill>
+                  <a:srgbClr val="FFFFFF"/>
+                </a:solidFill>
+              </a14:hiddenFill>
+            </a:ext>
+            <a:ext uri="{91240B29-F687-4f45-9708-019B960494DF}">
+              <a14:hiddenLine xmlns="" xmlns:a14="http://schemas.microsoft.com/office/drawing/2010/main" w="9525">
+                <a:solidFill>
+                  <a:srgbClr val="000000"/>
+                </a:solidFill>
+                <a:miter lim="800000"/>
+                <a:headEnd/>
+                <a:tailEnd/>
+              </a14:hiddenLine>
+            </a:ext>
+          </a:extLst>
+        </p:spPr>
+      </p:pic>
+    </p:spTree>
+    <p:extLst>
+      <p:ext uri="{BB962C8B-B14F-4D97-AF65-F5344CB8AC3E}">
+        <p14:creationId xmlns:p14="http://schemas.microsoft.com/office/powerpoint/2010/main" val="2512763731"/>
+      </p:ext>
+    </p:extLst>
+  </p:cSld>
+  <p:clrMapOvr>
+    <a:masterClrMapping/>
+  </p:clrMapOvr>
+</p:sldLayout>
+</file>
+
+<file path=ppt/slideLayouts/slideLayout14.xml><?xml version="1.0" encoding="utf-8"?>
 <p:sldLayout xmlns:a="http://schemas.openxmlformats.org/drawingml/2006/main" xmlns:r="http://schemas.openxmlformats.org/officeDocument/2006/relationships" xmlns:p="http://schemas.openxmlformats.org/presentationml/2006/main" userDrawn="1">
   <p:cSld name="Title and 2 Columns Content">
     <p:spTree>
@@ -2803,7 +3342,7 @@
     </p:spTree>
     <p:extLst>
       <p:ext uri="{BB962C8B-B14F-4D97-AF65-F5344CB8AC3E}">
-        <p14:creationId xmlns:p14="http://schemas.microsoft.com/office/powerpoint/2010/main" val="587037561"/>
+        <p14:creationId xmlns:p14="http://schemas.microsoft.com/office/powerpoint/2010/main" val="49793408"/>
       </p:ext>
     </p:extLst>
   </p:cSld>
@@ -2813,9 +3352,9 @@
 </p:sldLayout>
 </file>
 
-<file path=ppt/slideLayouts/slideLayout13.xml><?xml version="1.0" encoding="utf-8"?>
+<file path=ppt/slideLayouts/slideLayout15.xml><?xml version="1.0" encoding="utf-8"?>
 <p:sldLayout xmlns:a="http://schemas.openxmlformats.org/drawingml/2006/main" xmlns:r="http://schemas.openxmlformats.org/officeDocument/2006/relationships" xmlns:p="http://schemas.openxmlformats.org/presentationml/2006/main" userDrawn="1">
-  <p:cSld name="Content">
+  <p:cSld name="1_Content">
     <p:spTree>
       <p:nvGrpSpPr>
         <p:cNvPr id="1" name=""/>
@@ -3274,233 +3813,7 @@
 </p:sldLayout>
 </file>
 
-<file path=ppt/slideLayouts/slideLayout14.xml><?xml version="1.0" encoding="utf-8"?>
-<p:sldLayout xmlns:a="http://schemas.openxmlformats.org/drawingml/2006/main" xmlns:r="http://schemas.openxmlformats.org/officeDocument/2006/relationships" xmlns:p="http://schemas.openxmlformats.org/presentationml/2006/main" type="title" preserve="1">
-  <p:cSld name="Title Slide">
-    <p:spTree>
-      <p:nvGrpSpPr>
-        <p:cNvPr id="1" name=""/>
-        <p:cNvGrpSpPr/>
-        <p:nvPr/>
-      </p:nvGrpSpPr>
-      <p:grpSpPr>
-        <a:xfrm>
-          <a:off x="0" y="0"/>
-          <a:ext cx="0" cy="0"/>
-          <a:chOff x="0" y="0"/>
-          <a:chExt cx="0" cy="0"/>
-        </a:xfrm>
-      </p:grpSpPr>
-      <p:sp>
-        <p:nvSpPr>
-          <p:cNvPr id="2" name="Title 1">
-            <a:extLst>
-              <a:ext uri="{FF2B5EF4-FFF2-40B4-BE49-F238E27FC236}">
-                <a16:creationId xmlns:a16="http://schemas.microsoft.com/office/drawing/2014/main" id="{86545848-7DFC-6C40-B1F8-16CDFB28A4BC}"/>
-              </a:ext>
-            </a:extLst>
-          </p:cNvPr>
-          <p:cNvSpPr>
-            <a:spLocks noGrp="1"/>
-          </p:cNvSpPr>
-          <p:nvPr>
-            <p:ph type="ctrTitle"/>
-          </p:nvPr>
-        </p:nvSpPr>
-        <p:spPr>
-          <a:xfrm>
-            <a:off x="1524000" y="1122363"/>
-            <a:ext cx="9144000" cy="2387600"/>
-          </a:xfrm>
-        </p:spPr>
-        <p:txBody>
-          <a:bodyPr anchor="b"/>
-          <a:lstStyle>
-            <a:lvl1pPr algn="ctr">
-              <a:defRPr sz="6000"/>
-            </a:lvl1pPr>
-          </a:lstStyle>
-          <a:p>
-            <a:r>
-              <a:rPr lang="en-US"/>
-              <a:t>Click to edit Master title style</a:t>
-            </a:r>
-          </a:p>
-        </p:txBody>
-      </p:sp>
-      <p:sp>
-        <p:nvSpPr>
-          <p:cNvPr id="3" name="Subtitle 2">
-            <a:extLst>
-              <a:ext uri="{FF2B5EF4-FFF2-40B4-BE49-F238E27FC236}">
-                <a16:creationId xmlns:a16="http://schemas.microsoft.com/office/drawing/2014/main" id="{D80C4B80-37CE-B14F-B889-FE8A6C8F2E7D}"/>
-              </a:ext>
-            </a:extLst>
-          </p:cNvPr>
-          <p:cNvSpPr>
-            <a:spLocks noGrp="1"/>
-          </p:cNvSpPr>
-          <p:nvPr>
-            <p:ph type="subTitle" idx="1"/>
-          </p:nvPr>
-        </p:nvSpPr>
-        <p:spPr>
-          <a:xfrm>
-            <a:off x="1524000" y="3602038"/>
-            <a:ext cx="9144000" cy="1655762"/>
-          </a:xfrm>
-        </p:spPr>
-        <p:txBody>
-          <a:bodyPr/>
-          <a:lstStyle>
-            <a:lvl1pPr marL="0" indent="0" algn="ctr">
-              <a:buNone/>
-              <a:defRPr sz="2400"/>
-            </a:lvl1pPr>
-            <a:lvl2pPr marL="457200" indent="0" algn="ctr">
-              <a:buNone/>
-              <a:defRPr sz="2000"/>
-            </a:lvl2pPr>
-            <a:lvl3pPr marL="914400" indent="0" algn="ctr">
-              <a:buNone/>
-              <a:defRPr sz="1800"/>
-            </a:lvl3pPr>
-            <a:lvl4pPr marL="1371600" indent="0" algn="ctr">
-              <a:buNone/>
-              <a:defRPr sz="1600"/>
-            </a:lvl4pPr>
-            <a:lvl5pPr marL="1828800" indent="0" algn="ctr">
-              <a:buNone/>
-              <a:defRPr sz="1600"/>
-            </a:lvl5pPr>
-            <a:lvl6pPr marL="2286000" indent="0" algn="ctr">
-              <a:buNone/>
-              <a:defRPr sz="1600"/>
-            </a:lvl6pPr>
-            <a:lvl7pPr marL="2743200" indent="0" algn="ctr">
-              <a:buNone/>
-              <a:defRPr sz="1600"/>
-            </a:lvl7pPr>
-            <a:lvl8pPr marL="3200400" indent="0" algn="ctr">
-              <a:buNone/>
-              <a:defRPr sz="1600"/>
-            </a:lvl8pPr>
-            <a:lvl9pPr marL="3657600" indent="0" algn="ctr">
-              <a:buNone/>
-              <a:defRPr sz="1600"/>
-            </a:lvl9pPr>
-          </a:lstStyle>
-          <a:p>
-            <a:r>
-              <a:rPr lang="en-US"/>
-              <a:t>Click to edit Master subtitle style</a:t>
-            </a:r>
-          </a:p>
-        </p:txBody>
-      </p:sp>
-      <p:sp>
-        <p:nvSpPr>
-          <p:cNvPr id="6" name="Slide Number Placeholder 5">
-            <a:extLst>
-              <a:ext uri="{FF2B5EF4-FFF2-40B4-BE49-F238E27FC236}">
-                <a16:creationId xmlns:a16="http://schemas.microsoft.com/office/drawing/2014/main" id="{D7256FAD-87EC-594B-B262-2B748B57FD14}"/>
-              </a:ext>
-            </a:extLst>
-          </p:cNvPr>
-          <p:cNvSpPr>
-            <a:spLocks noGrp="1"/>
-          </p:cNvSpPr>
-          <p:nvPr>
-            <p:ph type="sldNum" sz="quarter" idx="12"/>
-          </p:nvPr>
-        </p:nvSpPr>
-        <p:spPr/>
-        <p:txBody>
-          <a:bodyPr/>
-          <a:lstStyle/>
-          <a:p>
-            <a:fld id="{0B973F48-4628-F846-BA33-DDE653D83577}" type="slidenum">
-              <a:rPr lang="en-US" smtClean="0"/>
-              <a:t>‹#›</a:t>
-            </a:fld>
-            <a:endParaRPr lang="en-US"/>
-          </a:p>
-        </p:txBody>
-      </p:sp>
-      <p:sp>
-        <p:nvSpPr>
-          <p:cNvPr id="7" name="Rectangle 6">
-            <a:extLst>
-              <a:ext uri="{FF2B5EF4-FFF2-40B4-BE49-F238E27FC236}">
-                <a16:creationId xmlns:a16="http://schemas.microsoft.com/office/drawing/2014/main" id="{715D8FD2-7081-5447-BFEF-BD64EF32B157}"/>
-              </a:ext>
-            </a:extLst>
-          </p:cNvPr>
-          <p:cNvSpPr/>
-          <p:nvPr userDrawn="1"/>
-        </p:nvSpPr>
-        <p:spPr>
-          <a:xfrm>
-            <a:off x="0" y="0"/>
-            <a:ext cx="12192000" cy="2514600"/>
-          </a:xfrm>
-          <a:prstGeom prst="rect">
-            <a:avLst/>
-          </a:prstGeom>
-          <a:solidFill>
-            <a:schemeClr val="tx1"/>
-          </a:solidFill>
-          <a:ln>
-            <a:noFill/>
-          </a:ln>
-        </p:spPr>
-        <p:style>
-          <a:lnRef idx="2">
-            <a:schemeClr val="accent1">
-              <a:shade val="50000"/>
-            </a:schemeClr>
-          </a:lnRef>
-          <a:fillRef idx="1">
-            <a:schemeClr val="accent1"/>
-          </a:fillRef>
-          <a:effectRef idx="0">
-            <a:schemeClr val="accent1"/>
-          </a:effectRef>
-          <a:fontRef idx="minor">
-            <a:schemeClr val="lt1"/>
-          </a:fontRef>
-        </p:style>
-        <p:txBody>
-          <a:bodyPr anchor="ctr"/>
-          <a:lstStyle/>
-          <a:p>
-            <a:pPr algn="ctr" fontAlgn="auto">
-              <a:spcBef>
-                <a:spcPts val="0"/>
-              </a:spcBef>
-              <a:spcAft>
-                <a:spcPts val="0"/>
-              </a:spcAft>
-              <a:defRPr/>
-            </a:pPr>
-            <a:endParaRPr lang="en-US" sz="1800" dirty="0"/>
-          </a:p>
-        </p:txBody>
-      </p:sp>
-    </p:spTree>
-    <p:extLst>
-      <p:ext uri="{BB962C8B-B14F-4D97-AF65-F5344CB8AC3E}">
-        <p14:creationId xmlns:p14="http://schemas.microsoft.com/office/powerpoint/2010/main" val="1602643876"/>
-      </p:ext>
-    </p:extLst>
-  </p:cSld>
-  <p:clrMapOvr>
-    <a:masterClrMapping/>
-  </p:clrMapOvr>
-</p:sldLayout>
-</file>
-
-<file path=ppt/slideLayouts/slideLayout15.xml><?xml version="1.0" encoding="utf-8"?>
+<file path=ppt/slideLayouts/slideLayout2.xml><?xml version="1.0" encoding="utf-8"?>
 <p:sldLayout xmlns:a="http://schemas.openxmlformats.org/drawingml/2006/main" xmlns:r="http://schemas.openxmlformats.org/officeDocument/2006/relationships" xmlns:p="http://schemas.openxmlformats.org/presentationml/2006/main" type="obj" preserve="1">
   <p:cSld name="Title and Content">
     <p:spTree>
@@ -3644,7 +3957,7 @@
 </p:sldLayout>
 </file>
 
-<file path=ppt/slideLayouts/slideLayout16.xml><?xml version="1.0" encoding="utf-8"?>
+<file path=ppt/slideLayouts/slideLayout3.xml><?xml version="1.0" encoding="utf-8"?>
 <p:sldLayout xmlns:a="http://schemas.openxmlformats.org/drawingml/2006/main" xmlns:r="http://schemas.openxmlformats.org/officeDocument/2006/relationships" xmlns:p="http://schemas.openxmlformats.org/presentationml/2006/main" type="secHead" preserve="1">
   <p:cSld name="Section Header">
     <p:spTree>
@@ -3865,7 +4178,7 @@
 </p:sldLayout>
 </file>
 
-<file path=ppt/slideLayouts/slideLayout17.xml><?xml version="1.0" encoding="utf-8"?>
+<file path=ppt/slideLayouts/slideLayout4.xml><?xml version="1.0" encoding="utf-8"?>
 <p:sldLayout xmlns:a="http://schemas.openxmlformats.org/drawingml/2006/main" xmlns:r="http://schemas.openxmlformats.org/officeDocument/2006/relationships" xmlns:p="http://schemas.openxmlformats.org/presentationml/2006/main" type="twoObj" preserve="1">
   <p:cSld name="Two Content">
     <p:spTree>
@@ -4076,7 +4389,7 @@
 </p:sldLayout>
 </file>
 
-<file path=ppt/slideLayouts/slideLayout18.xml><?xml version="1.0" encoding="utf-8"?>
+<file path=ppt/slideLayouts/slideLayout5.xml><?xml version="1.0" encoding="utf-8"?>
 <p:sldLayout xmlns:a="http://schemas.openxmlformats.org/drawingml/2006/main" xmlns:r="http://schemas.openxmlformats.org/officeDocument/2006/relationships" xmlns:p="http://schemas.openxmlformats.org/presentationml/2006/main" type="twoTxTwoObj" preserve="1">
   <p:cSld name="Comparison">
     <p:spTree>
@@ -4434,7 +4747,7 @@
 </p:sldLayout>
 </file>
 
-<file path=ppt/slideLayouts/slideLayout19.xml><?xml version="1.0" encoding="utf-8"?>
+<file path=ppt/slideLayouts/slideLayout6.xml><?xml version="1.0" encoding="utf-8"?>
 <p:sldLayout xmlns:a="http://schemas.openxmlformats.org/drawingml/2006/main" xmlns:r="http://schemas.openxmlformats.org/officeDocument/2006/relationships" xmlns:p="http://schemas.openxmlformats.org/presentationml/2006/main" type="titleOnly" preserve="1">
   <p:cSld name="Title Only">
     <p:spTree>
@@ -4521,151 +4834,7 @@
 </p:sldLayout>
 </file>
 
-<file path=ppt/slideLayouts/slideLayout2.xml><?xml version="1.0" encoding="utf-8"?>
-<p:sldLayout xmlns:a="http://schemas.openxmlformats.org/drawingml/2006/main" xmlns:r="http://schemas.openxmlformats.org/officeDocument/2006/relationships" xmlns:p="http://schemas.openxmlformats.org/presentationml/2006/main" type="obj" preserve="1">
-  <p:cSld name="Title and Content">
-    <p:spTree>
-      <p:nvGrpSpPr>
-        <p:cNvPr id="1" name=""/>
-        <p:cNvGrpSpPr/>
-        <p:nvPr/>
-      </p:nvGrpSpPr>
-      <p:grpSpPr>
-        <a:xfrm>
-          <a:off x="0" y="0"/>
-          <a:ext cx="0" cy="0"/>
-          <a:chOff x="0" y="0"/>
-          <a:chExt cx="0" cy="0"/>
-        </a:xfrm>
-      </p:grpSpPr>
-      <p:sp>
-        <p:nvSpPr>
-          <p:cNvPr id="2" name="Title 1">
-            <a:extLst>
-              <a:ext uri="{FF2B5EF4-FFF2-40B4-BE49-F238E27FC236}">
-                <a16:creationId xmlns:a16="http://schemas.microsoft.com/office/drawing/2014/main" id="{26204983-FF57-3A4F-A50C-F9933F0EF3B0}"/>
-              </a:ext>
-            </a:extLst>
-          </p:cNvPr>
-          <p:cNvSpPr>
-            <a:spLocks noGrp="1"/>
-          </p:cNvSpPr>
-          <p:nvPr>
-            <p:ph type="title"/>
-          </p:nvPr>
-        </p:nvSpPr>
-        <p:spPr/>
-        <p:txBody>
-          <a:bodyPr/>
-          <a:lstStyle/>
-          <a:p>
-            <a:r>
-              <a:rPr lang="en-US"/>
-              <a:t>Click to edit Master title style</a:t>
-            </a:r>
-          </a:p>
-        </p:txBody>
-      </p:sp>
-      <p:sp>
-        <p:nvSpPr>
-          <p:cNvPr id="3" name="Content Placeholder 2">
-            <a:extLst>
-              <a:ext uri="{FF2B5EF4-FFF2-40B4-BE49-F238E27FC236}">
-                <a16:creationId xmlns:a16="http://schemas.microsoft.com/office/drawing/2014/main" id="{E8B265CB-057E-5147-B720-C8DDCC860D47}"/>
-              </a:ext>
-            </a:extLst>
-          </p:cNvPr>
-          <p:cNvSpPr>
-            <a:spLocks noGrp="1"/>
-          </p:cNvSpPr>
-          <p:nvPr>
-            <p:ph idx="1"/>
-          </p:nvPr>
-        </p:nvSpPr>
-        <p:spPr/>
-        <p:txBody>
-          <a:bodyPr/>
-          <a:lstStyle/>
-          <a:p>
-            <a:pPr lvl="0"/>
-            <a:r>
-              <a:rPr lang="en-US"/>
-              <a:t>Edit Master text styles</a:t>
-            </a:r>
-          </a:p>
-          <a:p>
-            <a:pPr lvl="1"/>
-            <a:r>
-              <a:rPr lang="en-US"/>
-              <a:t>Second level</a:t>
-            </a:r>
-          </a:p>
-          <a:p>
-            <a:pPr lvl="2"/>
-            <a:r>
-              <a:rPr lang="en-US"/>
-              <a:t>Third level</a:t>
-            </a:r>
-          </a:p>
-          <a:p>
-            <a:pPr lvl="3"/>
-            <a:r>
-              <a:rPr lang="en-US"/>
-              <a:t>Fourth level</a:t>
-            </a:r>
-          </a:p>
-          <a:p>
-            <a:pPr lvl="4"/>
-            <a:r>
-              <a:rPr lang="en-US"/>
-              <a:t>Fifth level</a:t>
-            </a:r>
-          </a:p>
-        </p:txBody>
-      </p:sp>
-      <p:sp>
-        <p:nvSpPr>
-          <p:cNvPr id="6" name="Slide Number Placeholder 5">
-            <a:extLst>
-              <a:ext uri="{FF2B5EF4-FFF2-40B4-BE49-F238E27FC236}">
-                <a16:creationId xmlns:a16="http://schemas.microsoft.com/office/drawing/2014/main" id="{BBA7E5F7-C396-4941-BBC4-7BEAF927C071}"/>
-              </a:ext>
-            </a:extLst>
-          </p:cNvPr>
-          <p:cNvSpPr>
-            <a:spLocks noGrp="1"/>
-          </p:cNvSpPr>
-          <p:nvPr>
-            <p:ph type="sldNum" sz="quarter" idx="12"/>
-          </p:nvPr>
-        </p:nvSpPr>
-        <p:spPr/>
-        <p:txBody>
-          <a:bodyPr/>
-          <a:lstStyle/>
-          <a:p>
-            <a:fld id="{0B973F48-4628-F846-BA33-DDE653D83577}" type="slidenum">
-              <a:rPr lang="en-US" smtClean="0"/>
-              <a:t>‹#›</a:t>
-            </a:fld>
-            <a:endParaRPr lang="en-US"/>
-          </a:p>
-        </p:txBody>
-      </p:sp>
-    </p:spTree>
-    <p:extLst>
-      <p:ext uri="{BB962C8B-B14F-4D97-AF65-F5344CB8AC3E}">
-        <p14:creationId xmlns:p14="http://schemas.microsoft.com/office/powerpoint/2010/main" val="1952203419"/>
-      </p:ext>
-    </p:extLst>
-  </p:cSld>
-  <p:clrMapOvr>
-    <a:masterClrMapping/>
-  </p:clrMapOvr>
-</p:sldLayout>
-</file>
-
-<file path=ppt/slideLayouts/slideLayout20.xml><?xml version="1.0" encoding="utf-8"?>
+<file path=ppt/slideLayouts/slideLayout7.xml><?xml version="1.0" encoding="utf-8"?>
 <p:sldLayout xmlns:a="http://schemas.openxmlformats.org/drawingml/2006/main" xmlns:r="http://schemas.openxmlformats.org/officeDocument/2006/relationships" xmlns:p="http://schemas.openxmlformats.org/presentationml/2006/main" type="blank" preserve="1">
   <p:cSld name="Blank">
     <p:spTree>
@@ -4724,7 +4893,7 @@
 </p:sldLayout>
 </file>
 
-<file path=ppt/slideLayouts/slideLayout21.xml><?xml version="1.0" encoding="utf-8"?>
+<file path=ppt/slideLayouts/slideLayout8.xml><?xml version="1.0" encoding="utf-8"?>
 <p:sldLayout xmlns:a="http://schemas.openxmlformats.org/drawingml/2006/main" xmlns:r="http://schemas.openxmlformats.org/officeDocument/2006/relationships" xmlns:p="http://schemas.openxmlformats.org/presentationml/2006/main" type="objTx" preserve="1">
   <p:cSld name="Content with Caption">
     <p:spTree>
@@ -4981,7 +5150,7 @@
 </p:sldLayout>
 </file>
 
-<file path=ppt/slideLayouts/slideLayout22.xml><?xml version="1.0" encoding="utf-8"?>
+<file path=ppt/slideLayouts/slideLayout9.xml><?xml version="1.0" encoding="utf-8"?>
 <p:sldLayout xmlns:a="http://schemas.openxmlformats.org/drawingml/2006/main" xmlns:r="http://schemas.openxmlformats.org/officeDocument/2006/relationships" xmlns:p="http://schemas.openxmlformats.org/presentationml/2006/main" type="picTx" preserve="1">
   <p:cSld name="Picture with Caption">
     <p:spTree>
@@ -5215,2331 +5384,6 @@
 </p:sldLayout>
 </file>
 
-<file path=ppt/slideLayouts/slideLayout23.xml><?xml version="1.0" encoding="utf-8"?>
-<p:sldLayout xmlns:a="http://schemas.openxmlformats.org/drawingml/2006/main" xmlns:r="http://schemas.openxmlformats.org/officeDocument/2006/relationships" xmlns:p="http://schemas.openxmlformats.org/presentationml/2006/main" type="vertTx" preserve="1">
-  <p:cSld name="Title and Vertical Text">
-    <p:spTree>
-      <p:nvGrpSpPr>
-        <p:cNvPr id="1" name=""/>
-        <p:cNvGrpSpPr/>
-        <p:nvPr/>
-      </p:nvGrpSpPr>
-      <p:grpSpPr>
-        <a:xfrm>
-          <a:off x="0" y="0"/>
-          <a:ext cx="0" cy="0"/>
-          <a:chOff x="0" y="0"/>
-          <a:chExt cx="0" cy="0"/>
-        </a:xfrm>
-      </p:grpSpPr>
-      <p:sp>
-        <p:nvSpPr>
-          <p:cNvPr id="2" name="Title 1">
-            <a:extLst>
-              <a:ext uri="{FF2B5EF4-FFF2-40B4-BE49-F238E27FC236}">
-                <a16:creationId xmlns:a16="http://schemas.microsoft.com/office/drawing/2014/main" id="{1132A315-2FF6-0449-93D6-96342D9860B5}"/>
-              </a:ext>
-            </a:extLst>
-          </p:cNvPr>
-          <p:cNvSpPr>
-            <a:spLocks noGrp="1"/>
-          </p:cNvSpPr>
-          <p:nvPr>
-            <p:ph type="title"/>
-          </p:nvPr>
-        </p:nvSpPr>
-        <p:spPr/>
-        <p:txBody>
-          <a:bodyPr/>
-          <a:lstStyle/>
-          <a:p>
-            <a:r>
-              <a:rPr lang="en-US"/>
-              <a:t>Click to edit Master title style</a:t>
-            </a:r>
-          </a:p>
-        </p:txBody>
-      </p:sp>
-      <p:sp>
-        <p:nvSpPr>
-          <p:cNvPr id="3" name="Vertical Text Placeholder 2">
-            <a:extLst>
-              <a:ext uri="{FF2B5EF4-FFF2-40B4-BE49-F238E27FC236}">
-                <a16:creationId xmlns:a16="http://schemas.microsoft.com/office/drawing/2014/main" id="{1A5E6CFA-28AB-B748-AE92-1FF1FB3DE9E6}"/>
-              </a:ext>
-            </a:extLst>
-          </p:cNvPr>
-          <p:cNvSpPr>
-            <a:spLocks noGrp="1"/>
-          </p:cNvSpPr>
-          <p:nvPr>
-            <p:ph type="body" orient="vert" idx="1"/>
-          </p:nvPr>
-        </p:nvSpPr>
-        <p:spPr/>
-        <p:txBody>
-          <a:bodyPr vert="eaVert"/>
-          <a:lstStyle/>
-          <a:p>
-            <a:pPr lvl="0"/>
-            <a:r>
-              <a:rPr lang="en-US"/>
-              <a:t>Edit Master text styles</a:t>
-            </a:r>
-          </a:p>
-          <a:p>
-            <a:pPr lvl="1"/>
-            <a:r>
-              <a:rPr lang="en-US"/>
-              <a:t>Second level</a:t>
-            </a:r>
-          </a:p>
-          <a:p>
-            <a:pPr lvl="2"/>
-            <a:r>
-              <a:rPr lang="en-US"/>
-              <a:t>Third level</a:t>
-            </a:r>
-          </a:p>
-          <a:p>
-            <a:pPr lvl="3"/>
-            <a:r>
-              <a:rPr lang="en-US"/>
-              <a:t>Fourth level</a:t>
-            </a:r>
-          </a:p>
-          <a:p>
-            <a:pPr lvl="4"/>
-            <a:r>
-              <a:rPr lang="en-US"/>
-              <a:t>Fifth level</a:t>
-            </a:r>
-          </a:p>
-        </p:txBody>
-      </p:sp>
-      <p:sp>
-        <p:nvSpPr>
-          <p:cNvPr id="6" name="Slide Number Placeholder 5">
-            <a:extLst>
-              <a:ext uri="{FF2B5EF4-FFF2-40B4-BE49-F238E27FC236}">
-                <a16:creationId xmlns:a16="http://schemas.microsoft.com/office/drawing/2014/main" id="{CE0222C1-21B6-E14F-9F34-4E0C4221C434}"/>
-              </a:ext>
-            </a:extLst>
-          </p:cNvPr>
-          <p:cNvSpPr>
-            <a:spLocks noGrp="1"/>
-          </p:cNvSpPr>
-          <p:nvPr>
-            <p:ph type="sldNum" sz="quarter" idx="12"/>
-          </p:nvPr>
-        </p:nvSpPr>
-        <p:spPr/>
-        <p:txBody>
-          <a:bodyPr/>
-          <a:lstStyle/>
-          <a:p>
-            <a:fld id="{0B973F48-4628-F846-BA33-DDE653D83577}" type="slidenum">
-              <a:rPr lang="en-US" smtClean="0"/>
-              <a:t>‹#›</a:t>
-            </a:fld>
-            <a:endParaRPr lang="en-US"/>
-          </a:p>
-        </p:txBody>
-      </p:sp>
-    </p:spTree>
-    <p:extLst>
-      <p:ext uri="{BB962C8B-B14F-4D97-AF65-F5344CB8AC3E}">
-        <p14:creationId xmlns:p14="http://schemas.microsoft.com/office/powerpoint/2010/main" val="2576268045"/>
-      </p:ext>
-    </p:extLst>
-  </p:cSld>
-  <p:clrMapOvr>
-    <a:masterClrMapping/>
-  </p:clrMapOvr>
-</p:sldLayout>
-</file>
-
-<file path=ppt/slideLayouts/slideLayout24.xml><?xml version="1.0" encoding="utf-8"?>
-<p:sldLayout xmlns:a="http://schemas.openxmlformats.org/drawingml/2006/main" xmlns:r="http://schemas.openxmlformats.org/officeDocument/2006/relationships" xmlns:p="http://schemas.openxmlformats.org/presentationml/2006/main" type="vertTitleAndTx" preserve="1">
-  <p:cSld name="Vertical Title and Text">
-    <p:spTree>
-      <p:nvGrpSpPr>
-        <p:cNvPr id="1" name=""/>
-        <p:cNvGrpSpPr/>
-        <p:nvPr/>
-      </p:nvGrpSpPr>
-      <p:grpSpPr>
-        <a:xfrm>
-          <a:off x="0" y="0"/>
-          <a:ext cx="0" cy="0"/>
-          <a:chOff x="0" y="0"/>
-          <a:chExt cx="0" cy="0"/>
-        </a:xfrm>
-      </p:grpSpPr>
-      <p:sp>
-        <p:nvSpPr>
-          <p:cNvPr id="2" name="Vertical Title 1">
-            <a:extLst>
-              <a:ext uri="{FF2B5EF4-FFF2-40B4-BE49-F238E27FC236}">
-                <a16:creationId xmlns:a16="http://schemas.microsoft.com/office/drawing/2014/main" id="{75329849-B648-BF40-BC0C-E39A8FDA9F0C}"/>
-              </a:ext>
-            </a:extLst>
-          </p:cNvPr>
-          <p:cNvSpPr>
-            <a:spLocks noGrp="1"/>
-          </p:cNvSpPr>
-          <p:nvPr>
-            <p:ph type="title" orient="vert"/>
-          </p:nvPr>
-        </p:nvSpPr>
-        <p:spPr>
-          <a:xfrm>
-            <a:off x="8724900" y="365125"/>
-            <a:ext cx="2628900" cy="5811838"/>
-          </a:xfrm>
-        </p:spPr>
-        <p:txBody>
-          <a:bodyPr vert="eaVert"/>
-          <a:lstStyle/>
-          <a:p>
-            <a:r>
-              <a:rPr lang="en-US"/>
-              <a:t>Click to edit Master title style</a:t>
-            </a:r>
-          </a:p>
-        </p:txBody>
-      </p:sp>
-      <p:sp>
-        <p:nvSpPr>
-          <p:cNvPr id="3" name="Vertical Text Placeholder 2">
-            <a:extLst>
-              <a:ext uri="{FF2B5EF4-FFF2-40B4-BE49-F238E27FC236}">
-                <a16:creationId xmlns:a16="http://schemas.microsoft.com/office/drawing/2014/main" id="{8041A42D-2964-F94E-ABD6-AF0DA39EEF42}"/>
-              </a:ext>
-            </a:extLst>
-          </p:cNvPr>
-          <p:cNvSpPr>
-            <a:spLocks noGrp="1"/>
-          </p:cNvSpPr>
-          <p:nvPr>
-            <p:ph type="body" orient="vert" idx="1"/>
-          </p:nvPr>
-        </p:nvSpPr>
-        <p:spPr>
-          <a:xfrm>
-            <a:off x="838200" y="365125"/>
-            <a:ext cx="7734300" cy="5811838"/>
-          </a:xfrm>
-        </p:spPr>
-        <p:txBody>
-          <a:bodyPr vert="eaVert"/>
-          <a:lstStyle/>
-          <a:p>
-            <a:pPr lvl="0"/>
-            <a:r>
-              <a:rPr lang="en-US"/>
-              <a:t>Edit Master text styles</a:t>
-            </a:r>
-          </a:p>
-          <a:p>
-            <a:pPr lvl="1"/>
-            <a:r>
-              <a:rPr lang="en-US"/>
-              <a:t>Second level</a:t>
-            </a:r>
-          </a:p>
-          <a:p>
-            <a:pPr lvl="2"/>
-            <a:r>
-              <a:rPr lang="en-US"/>
-              <a:t>Third level</a:t>
-            </a:r>
-          </a:p>
-          <a:p>
-            <a:pPr lvl="3"/>
-            <a:r>
-              <a:rPr lang="en-US"/>
-              <a:t>Fourth level</a:t>
-            </a:r>
-          </a:p>
-          <a:p>
-            <a:pPr lvl="4"/>
-            <a:r>
-              <a:rPr lang="en-US"/>
-              <a:t>Fifth level</a:t>
-            </a:r>
-          </a:p>
-        </p:txBody>
-      </p:sp>
-      <p:sp>
-        <p:nvSpPr>
-          <p:cNvPr id="6" name="Slide Number Placeholder 5">
-            <a:extLst>
-              <a:ext uri="{FF2B5EF4-FFF2-40B4-BE49-F238E27FC236}">
-                <a16:creationId xmlns:a16="http://schemas.microsoft.com/office/drawing/2014/main" id="{C4C2FCA7-7A48-5E4F-BC6A-8A3BDBEAC3C1}"/>
-              </a:ext>
-            </a:extLst>
-          </p:cNvPr>
-          <p:cNvSpPr>
-            <a:spLocks noGrp="1"/>
-          </p:cNvSpPr>
-          <p:nvPr>
-            <p:ph type="sldNum" sz="quarter" idx="12"/>
-          </p:nvPr>
-        </p:nvSpPr>
-        <p:spPr/>
-        <p:txBody>
-          <a:bodyPr/>
-          <a:lstStyle/>
-          <a:p>
-            <a:fld id="{0B973F48-4628-F846-BA33-DDE653D83577}" type="slidenum">
-              <a:rPr lang="en-US" smtClean="0"/>
-              <a:t>‹#›</a:t>
-            </a:fld>
-            <a:endParaRPr lang="en-US"/>
-          </a:p>
-        </p:txBody>
-      </p:sp>
-    </p:spTree>
-    <p:extLst>
-      <p:ext uri="{BB962C8B-B14F-4D97-AF65-F5344CB8AC3E}">
-        <p14:creationId xmlns:p14="http://schemas.microsoft.com/office/powerpoint/2010/main" val="361935653"/>
-      </p:ext>
-    </p:extLst>
-  </p:cSld>
-  <p:clrMapOvr>
-    <a:masterClrMapping/>
-  </p:clrMapOvr>
-</p:sldLayout>
-</file>
-
-<file path=ppt/slideLayouts/slideLayout25.xml><?xml version="1.0" encoding="utf-8"?>
-<p:sldLayout xmlns:a="http://schemas.openxmlformats.org/drawingml/2006/main" xmlns:r="http://schemas.openxmlformats.org/officeDocument/2006/relationships" xmlns:p="http://schemas.openxmlformats.org/presentationml/2006/main" userDrawn="1">
-  <p:cSld name="Content">
-    <p:spTree>
-      <p:nvGrpSpPr>
-        <p:cNvPr id="1" name=""/>
-        <p:cNvGrpSpPr/>
-        <p:nvPr/>
-      </p:nvGrpSpPr>
-      <p:grpSpPr>
-        <a:xfrm>
-          <a:off x="0" y="0"/>
-          <a:ext cx="0" cy="0"/>
-          <a:chOff x="0" y="0"/>
-          <a:chExt cx="0" cy="0"/>
-        </a:xfrm>
-      </p:grpSpPr>
-      <p:sp>
-        <p:nvSpPr>
-          <p:cNvPr id="4" name="Rectangle 3"/>
-          <p:cNvSpPr/>
-          <p:nvPr userDrawn="1"/>
-        </p:nvSpPr>
-        <p:spPr>
-          <a:xfrm>
-            <a:off x="0" y="6400800"/>
-            <a:ext cx="12192000" cy="457200"/>
-          </a:xfrm>
-          <a:prstGeom prst="rect">
-            <a:avLst/>
-          </a:prstGeom>
-          <a:solidFill>
-            <a:srgbClr val="CA0000"/>
-          </a:solidFill>
-          <a:ln>
-            <a:noFill/>
-          </a:ln>
-        </p:spPr>
-        <p:style>
-          <a:lnRef idx="2">
-            <a:schemeClr val="accent1">
-              <a:shade val="50000"/>
-            </a:schemeClr>
-          </a:lnRef>
-          <a:fillRef idx="1">
-            <a:schemeClr val="accent1"/>
-          </a:fillRef>
-          <a:effectRef idx="0">
-            <a:schemeClr val="accent1"/>
-          </a:effectRef>
-          <a:fontRef idx="minor">
-            <a:schemeClr val="lt1"/>
-          </a:fontRef>
-        </p:style>
-        <p:txBody>
-          <a:bodyPr anchor="ctr"/>
-          <a:lstStyle/>
-          <a:p>
-            <a:pPr algn="ctr">
-              <a:defRPr/>
-            </a:pPr>
-            <a:endParaRPr lang="en-US" sz="1800">
-              <a:solidFill>
-                <a:srgbClr val="FFFFFF"/>
-              </a:solidFill>
-              <a:latin typeface="Segoe UI" charset="0"/>
-              <a:ea typeface="ＭＳ Ｐゴシック" charset="0"/>
-              <a:cs typeface="ＭＳ Ｐゴシック" charset="0"/>
-            </a:endParaRPr>
-          </a:p>
-        </p:txBody>
-      </p:sp>
-      <p:sp>
-        <p:nvSpPr>
-          <p:cNvPr id="5" name="TextBox 4"/>
-          <p:cNvSpPr txBox="1"/>
-          <p:nvPr userDrawn="1"/>
-        </p:nvSpPr>
-        <p:spPr>
-          <a:xfrm>
-            <a:off x="101600" y="6429375"/>
-            <a:ext cx="8940800" cy="400050"/>
-          </a:xfrm>
-          <a:prstGeom prst="rect">
-            <a:avLst/>
-          </a:prstGeom>
-          <a:noFill/>
-        </p:spPr>
-        <p:txBody>
-          <a:bodyPr>
-            <a:spAutoFit/>
-          </a:bodyPr>
-          <a:lstStyle>
-            <a:lvl1pPr eaLnBrk="0" hangingPunct="0">
-              <a:defRPr sz="2400">
-                <a:solidFill>
-                  <a:schemeClr val="tx1"/>
-                </a:solidFill>
-                <a:latin typeface="Arial" charset="0"/>
-                <a:ea typeface="ＭＳ Ｐゴシック" charset="0"/>
-                <a:cs typeface="ＭＳ Ｐゴシック" charset="0"/>
-              </a:defRPr>
-            </a:lvl1pPr>
-            <a:lvl2pPr marL="37931725" indent="-37474525" eaLnBrk="0" hangingPunct="0">
-              <a:defRPr sz="2400">
-                <a:solidFill>
-                  <a:schemeClr val="tx1"/>
-                </a:solidFill>
-                <a:latin typeface="Arial" charset="0"/>
-                <a:ea typeface="ＭＳ Ｐゴシック" charset="0"/>
-              </a:defRPr>
-            </a:lvl2pPr>
-            <a:lvl3pPr eaLnBrk="0" hangingPunct="0">
-              <a:defRPr sz="2400">
-                <a:solidFill>
-                  <a:schemeClr val="tx1"/>
-                </a:solidFill>
-                <a:latin typeface="Arial" charset="0"/>
-                <a:ea typeface="ＭＳ Ｐゴシック" charset="0"/>
-              </a:defRPr>
-            </a:lvl3pPr>
-            <a:lvl4pPr eaLnBrk="0" hangingPunct="0">
-              <a:defRPr sz="2400">
-                <a:solidFill>
-                  <a:schemeClr val="tx1"/>
-                </a:solidFill>
-                <a:latin typeface="Arial" charset="0"/>
-                <a:ea typeface="ＭＳ Ｐゴシック" charset="0"/>
-              </a:defRPr>
-            </a:lvl4pPr>
-            <a:lvl5pPr eaLnBrk="0" hangingPunct="0">
-              <a:defRPr sz="2400">
-                <a:solidFill>
-                  <a:schemeClr val="tx1"/>
-                </a:solidFill>
-                <a:latin typeface="Arial" charset="0"/>
-                <a:ea typeface="ＭＳ Ｐゴシック" charset="0"/>
-              </a:defRPr>
-            </a:lvl5pPr>
-            <a:lvl6pPr marL="457200" eaLnBrk="0" fontAlgn="base" hangingPunct="0">
-              <a:spcBef>
-                <a:spcPct val="0"/>
-              </a:spcBef>
-              <a:spcAft>
-                <a:spcPct val="0"/>
-              </a:spcAft>
-              <a:defRPr sz="2400">
-                <a:solidFill>
-                  <a:schemeClr val="tx1"/>
-                </a:solidFill>
-                <a:latin typeface="Arial" charset="0"/>
-                <a:ea typeface="ＭＳ Ｐゴシック" charset="0"/>
-              </a:defRPr>
-            </a:lvl6pPr>
-            <a:lvl7pPr marL="914400" eaLnBrk="0" fontAlgn="base" hangingPunct="0">
-              <a:spcBef>
-                <a:spcPct val="0"/>
-              </a:spcBef>
-              <a:spcAft>
-                <a:spcPct val="0"/>
-              </a:spcAft>
-              <a:defRPr sz="2400">
-                <a:solidFill>
-                  <a:schemeClr val="tx1"/>
-                </a:solidFill>
-                <a:latin typeface="Arial" charset="0"/>
-                <a:ea typeface="ＭＳ Ｐゴシック" charset="0"/>
-              </a:defRPr>
-            </a:lvl7pPr>
-            <a:lvl8pPr marL="1371600" eaLnBrk="0" fontAlgn="base" hangingPunct="0">
-              <a:spcBef>
-                <a:spcPct val="0"/>
-              </a:spcBef>
-              <a:spcAft>
-                <a:spcPct val="0"/>
-              </a:spcAft>
-              <a:defRPr sz="2400">
-                <a:solidFill>
-                  <a:schemeClr val="tx1"/>
-                </a:solidFill>
-                <a:latin typeface="Arial" charset="0"/>
-                <a:ea typeface="ＭＳ Ｐゴシック" charset="0"/>
-              </a:defRPr>
-            </a:lvl8pPr>
-            <a:lvl9pPr marL="1828800" eaLnBrk="0" fontAlgn="base" hangingPunct="0">
-              <a:spcBef>
-                <a:spcPct val="0"/>
-              </a:spcBef>
-              <a:spcAft>
-                <a:spcPct val="0"/>
-              </a:spcAft>
-              <a:defRPr sz="2400">
-                <a:solidFill>
-                  <a:schemeClr val="tx1"/>
-                </a:solidFill>
-                <a:latin typeface="Arial" charset="0"/>
-                <a:ea typeface="ＭＳ Ｐゴシック" charset="0"/>
-              </a:defRPr>
-            </a:lvl9pPr>
-          </a:lstStyle>
-          <a:p>
-            <a:pPr eaLnBrk="1" hangingPunct="1">
-              <a:defRPr/>
-            </a:pPr>
-            <a:r>
-              <a:rPr lang="en-US" sz="2000" b="1">
-                <a:solidFill>
-                  <a:schemeClr val="bg1"/>
-                </a:solidFill>
-                <a:latin typeface="Calibri" charset="0"/>
-                <a:cs typeface="Calibri" charset="0"/>
-              </a:rPr>
-              <a:t>RNA sequencing and analysis</a:t>
-            </a:r>
-          </a:p>
-        </p:txBody>
-      </p:sp>
-      <p:sp>
-        <p:nvSpPr>
-          <p:cNvPr id="6" name="TextBox 5"/>
-          <p:cNvSpPr txBox="1"/>
-          <p:nvPr userDrawn="1"/>
-        </p:nvSpPr>
-        <p:spPr>
-          <a:xfrm>
-            <a:off x="8229600" y="6477000"/>
-            <a:ext cx="3860800" cy="338138"/>
-          </a:xfrm>
-          <a:prstGeom prst="rect">
-            <a:avLst/>
-          </a:prstGeom>
-          <a:noFill/>
-        </p:spPr>
-        <p:txBody>
-          <a:bodyPr>
-            <a:spAutoFit/>
-          </a:bodyPr>
-          <a:lstStyle>
-            <a:lvl1pPr eaLnBrk="0" hangingPunct="0">
-              <a:defRPr sz="2400">
-                <a:solidFill>
-                  <a:schemeClr val="tx1"/>
-                </a:solidFill>
-                <a:latin typeface="Arial" charset="0"/>
-                <a:ea typeface="ＭＳ Ｐゴシック" charset="0"/>
-                <a:cs typeface="ＭＳ Ｐゴシック" charset="0"/>
-              </a:defRPr>
-            </a:lvl1pPr>
-            <a:lvl2pPr marL="37931725" indent="-37474525" eaLnBrk="0" hangingPunct="0">
-              <a:defRPr sz="2400">
-                <a:solidFill>
-                  <a:schemeClr val="tx1"/>
-                </a:solidFill>
-                <a:latin typeface="Arial" charset="0"/>
-                <a:ea typeface="ＭＳ Ｐゴシック" charset="0"/>
-              </a:defRPr>
-            </a:lvl2pPr>
-            <a:lvl3pPr eaLnBrk="0" hangingPunct="0">
-              <a:defRPr sz="2400">
-                <a:solidFill>
-                  <a:schemeClr val="tx1"/>
-                </a:solidFill>
-                <a:latin typeface="Arial" charset="0"/>
-                <a:ea typeface="ＭＳ Ｐゴシック" charset="0"/>
-              </a:defRPr>
-            </a:lvl3pPr>
-            <a:lvl4pPr eaLnBrk="0" hangingPunct="0">
-              <a:defRPr sz="2400">
-                <a:solidFill>
-                  <a:schemeClr val="tx1"/>
-                </a:solidFill>
-                <a:latin typeface="Arial" charset="0"/>
-                <a:ea typeface="ＭＳ Ｐゴシック" charset="0"/>
-              </a:defRPr>
-            </a:lvl4pPr>
-            <a:lvl5pPr eaLnBrk="0" hangingPunct="0">
-              <a:defRPr sz="2400">
-                <a:solidFill>
-                  <a:schemeClr val="tx1"/>
-                </a:solidFill>
-                <a:latin typeface="Arial" charset="0"/>
-                <a:ea typeface="ＭＳ Ｐゴシック" charset="0"/>
-              </a:defRPr>
-            </a:lvl5pPr>
-            <a:lvl6pPr marL="457200" eaLnBrk="0" fontAlgn="base" hangingPunct="0">
-              <a:spcBef>
-                <a:spcPct val="0"/>
-              </a:spcBef>
-              <a:spcAft>
-                <a:spcPct val="0"/>
-              </a:spcAft>
-              <a:defRPr sz="2400">
-                <a:solidFill>
-                  <a:schemeClr val="tx1"/>
-                </a:solidFill>
-                <a:latin typeface="Arial" charset="0"/>
-                <a:ea typeface="ＭＳ Ｐゴシック" charset="0"/>
-              </a:defRPr>
-            </a:lvl6pPr>
-            <a:lvl7pPr marL="914400" eaLnBrk="0" fontAlgn="base" hangingPunct="0">
-              <a:spcBef>
-                <a:spcPct val="0"/>
-              </a:spcBef>
-              <a:spcAft>
-                <a:spcPct val="0"/>
-              </a:spcAft>
-              <a:defRPr sz="2400">
-                <a:solidFill>
-                  <a:schemeClr val="tx1"/>
-                </a:solidFill>
-                <a:latin typeface="Arial" charset="0"/>
-                <a:ea typeface="ＭＳ Ｐゴシック" charset="0"/>
-              </a:defRPr>
-            </a:lvl7pPr>
-            <a:lvl8pPr marL="1371600" eaLnBrk="0" fontAlgn="base" hangingPunct="0">
-              <a:spcBef>
-                <a:spcPct val="0"/>
-              </a:spcBef>
-              <a:spcAft>
-                <a:spcPct val="0"/>
-              </a:spcAft>
-              <a:defRPr sz="2400">
-                <a:solidFill>
-                  <a:schemeClr val="tx1"/>
-                </a:solidFill>
-                <a:latin typeface="Arial" charset="0"/>
-                <a:ea typeface="ＭＳ Ｐゴシック" charset="0"/>
-              </a:defRPr>
-            </a:lvl8pPr>
-            <a:lvl9pPr marL="1828800" eaLnBrk="0" fontAlgn="base" hangingPunct="0">
-              <a:spcBef>
-                <a:spcPct val="0"/>
-              </a:spcBef>
-              <a:spcAft>
-                <a:spcPct val="0"/>
-              </a:spcAft>
-              <a:defRPr sz="2400">
-                <a:solidFill>
-                  <a:schemeClr val="tx1"/>
-                </a:solidFill>
-                <a:latin typeface="Arial" charset="0"/>
-                <a:ea typeface="ＭＳ Ｐゴシック" charset="0"/>
-              </a:defRPr>
-            </a:lvl9pPr>
-          </a:lstStyle>
-          <a:p>
-            <a:pPr algn="r" eaLnBrk="1" hangingPunct="1">
-              <a:defRPr/>
-            </a:pPr>
-            <a:r>
-              <a:rPr lang="en-US" sz="1600" b="1">
-                <a:cs typeface="Arial" charset="0"/>
-              </a:rPr>
-              <a:t>http://meetings.cshl.edu/</a:t>
-            </a:r>
-            <a:endParaRPr lang="en-US" sz="1600">
-              <a:cs typeface="Arial" charset="0"/>
-            </a:endParaRPr>
-          </a:p>
-        </p:txBody>
-      </p:sp>
-      <p:sp>
-        <p:nvSpPr>
-          <p:cNvPr id="3" name="Content Placeholder 2"/>
-          <p:cNvSpPr>
-            <a:spLocks noGrp="1"/>
-          </p:cNvSpPr>
-          <p:nvPr>
-            <p:ph idx="1"/>
-          </p:nvPr>
-        </p:nvSpPr>
-        <p:spPr>
-          <a:xfrm>
-            <a:off x="203200" y="152400"/>
-            <a:ext cx="11785600" cy="6172200"/>
-          </a:xfrm>
-        </p:spPr>
-        <p:txBody>
-          <a:bodyPr/>
-          <a:lstStyle>
-            <a:lvl1pPr>
-              <a:defRPr sz="2800">
-                <a:latin typeface="Calibri"/>
-                <a:cs typeface="Calibri"/>
-              </a:defRPr>
-            </a:lvl1pPr>
-            <a:lvl2pPr>
-              <a:defRPr sz="2400">
-                <a:latin typeface="Calibri"/>
-                <a:cs typeface="Calibri"/>
-              </a:defRPr>
-            </a:lvl2pPr>
-            <a:lvl3pPr>
-              <a:defRPr sz="2000">
-                <a:latin typeface="Calibri"/>
-                <a:cs typeface="Calibri"/>
-              </a:defRPr>
-            </a:lvl3pPr>
-            <a:lvl4pPr>
-              <a:defRPr sz="1800">
-                <a:latin typeface="Calibri"/>
-                <a:cs typeface="Calibri"/>
-              </a:defRPr>
-            </a:lvl4pPr>
-            <a:lvl5pPr>
-              <a:defRPr sz="1800">
-                <a:latin typeface="Calibri"/>
-                <a:cs typeface="Calibri"/>
-              </a:defRPr>
-            </a:lvl5pPr>
-          </a:lstStyle>
-          <a:p>
-            <a:pPr lvl="0"/>
-            <a:r>
-              <a:rPr lang="en-US" dirty="0"/>
-              <a:t>Click to edit Master text styles</a:t>
-            </a:r>
-          </a:p>
-          <a:p>
-            <a:pPr lvl="1"/>
-            <a:r>
-              <a:rPr lang="en-US" dirty="0"/>
-              <a:t>Second level</a:t>
-            </a:r>
-          </a:p>
-          <a:p>
-            <a:pPr lvl="2"/>
-            <a:r>
-              <a:rPr lang="en-US" dirty="0"/>
-              <a:t>Third level</a:t>
-            </a:r>
-          </a:p>
-          <a:p>
-            <a:pPr lvl="3"/>
-            <a:r>
-              <a:rPr lang="en-US" dirty="0"/>
-              <a:t>Fourth level</a:t>
-            </a:r>
-          </a:p>
-          <a:p>
-            <a:pPr lvl="4"/>
-            <a:r>
-              <a:rPr lang="en-US" dirty="0"/>
-              <a:t>Fifth level</a:t>
-            </a:r>
-          </a:p>
-        </p:txBody>
-      </p:sp>
-    </p:spTree>
-    <p:extLst>
-      <p:ext uri="{BB962C8B-B14F-4D97-AF65-F5344CB8AC3E}">
-        <p14:creationId xmlns:p14="http://schemas.microsoft.com/office/powerpoint/2010/main" val="1438532507"/>
-      </p:ext>
-    </p:extLst>
-  </p:cSld>
-  <p:clrMapOvr>
-    <a:masterClrMapping/>
-  </p:clrMapOvr>
-</p:sldLayout>
-</file>
-
-<file path=ppt/slideLayouts/slideLayout26.xml><?xml version="1.0" encoding="utf-8"?>
-<p:sldLayout xmlns:a="http://schemas.openxmlformats.org/drawingml/2006/main" xmlns:r="http://schemas.openxmlformats.org/officeDocument/2006/relationships" xmlns:p="http://schemas.openxmlformats.org/presentationml/2006/main" userDrawn="1">
-  <p:cSld name="Title">
-    <p:spTree>
-      <p:nvGrpSpPr>
-        <p:cNvPr id="1" name=""/>
-        <p:cNvGrpSpPr/>
-        <p:nvPr/>
-      </p:nvGrpSpPr>
-      <p:grpSpPr>
-        <a:xfrm>
-          <a:off x="0" y="0"/>
-          <a:ext cx="0" cy="0"/>
-          <a:chOff x="0" y="0"/>
-          <a:chExt cx="0" cy="0"/>
-        </a:xfrm>
-      </p:grpSpPr>
-      <p:sp>
-        <p:nvSpPr>
-          <p:cNvPr id="2" name="Rectangle 1"/>
-          <p:cNvSpPr/>
-          <p:nvPr userDrawn="1"/>
-        </p:nvSpPr>
-        <p:spPr>
-          <a:xfrm>
-            <a:off x="0" y="0"/>
-            <a:ext cx="12192000" cy="2514600"/>
-          </a:xfrm>
-          <a:prstGeom prst="rect">
-            <a:avLst/>
-          </a:prstGeom>
-          <a:solidFill>
-            <a:schemeClr val="tx1"/>
-          </a:solidFill>
-          <a:ln>
-            <a:noFill/>
-          </a:ln>
-        </p:spPr>
-        <p:style>
-          <a:lnRef idx="2">
-            <a:schemeClr val="accent1">
-              <a:shade val="50000"/>
-            </a:schemeClr>
-          </a:lnRef>
-          <a:fillRef idx="1">
-            <a:schemeClr val="accent1"/>
-          </a:fillRef>
-          <a:effectRef idx="0">
-            <a:schemeClr val="accent1"/>
-          </a:effectRef>
-          <a:fontRef idx="minor">
-            <a:schemeClr val="lt1"/>
-          </a:fontRef>
-        </p:style>
-        <p:txBody>
-          <a:bodyPr anchor="ctr"/>
-          <a:lstStyle/>
-          <a:p>
-            <a:pPr algn="ctr">
-              <a:defRPr/>
-            </a:pPr>
-            <a:endParaRPr lang="en-US" sz="1350">
-              <a:solidFill>
-                <a:srgbClr val="FFFFFF"/>
-              </a:solidFill>
-              <a:latin typeface="Segoe UI" charset="0"/>
-              <a:ea typeface="ＭＳ Ｐゴシック" charset="0"/>
-              <a:cs typeface="ＭＳ Ｐゴシック" charset="0"/>
-            </a:endParaRPr>
-          </a:p>
-        </p:txBody>
-      </p:sp>
-      <p:pic>
-        <p:nvPicPr>
-          <p:cNvPr id="3" name="Picture 7" descr="cshl_logo_alternate rgb.png"/>
-          <p:cNvPicPr>
-            <a:picLocks noChangeAspect="1"/>
-          </p:cNvPicPr>
-          <p:nvPr userDrawn="1"/>
-        </p:nvPicPr>
-        <p:blipFill>
-          <a:blip r:embed="rId2">
-            <a:extLst>
-              <a:ext uri="{28A0092B-C50C-407E-A947-70E740481C1C}">
-                <a14:useLocalDpi xmlns:a14="http://schemas.microsoft.com/office/drawing/2010/main" val="0"/>
-              </a:ext>
-            </a:extLst>
-          </a:blip>
-          <a:srcRect/>
-          <a:stretch>
-            <a:fillRect/>
-          </a:stretch>
-        </p:blipFill>
-        <p:spPr bwMode="auto">
-          <a:xfrm>
-            <a:off x="400052" y="381000"/>
-            <a:ext cx="4679949" cy="1676400"/>
-          </a:xfrm>
-          <a:prstGeom prst="rect">
-            <a:avLst/>
-          </a:prstGeom>
-          <a:noFill/>
-          <a:ln>
-            <a:noFill/>
-          </a:ln>
-          <a:extLst>
-            <a:ext uri="{909E8E84-426E-40dd-AFC4-6F175D3DCCD1}">
-              <a14:hiddenFill xmlns:a14="http://schemas.microsoft.com/office/drawing/2010/main" xmlns="">
-                <a:solidFill>
-                  <a:srgbClr val="FFFFFF"/>
-                </a:solidFill>
-              </a14:hiddenFill>
-            </a:ext>
-            <a:ext uri="{91240B29-F687-4f45-9708-019B960494DF}">
-              <a14:hiddenLine xmlns:a14="http://schemas.microsoft.com/office/drawing/2010/main" xmlns="" w="9525">
-                <a:solidFill>
-                  <a:srgbClr val="000000"/>
-                </a:solidFill>
-                <a:miter lim="800000"/>
-                <a:headEnd/>
-                <a:tailEnd/>
-              </a14:hiddenLine>
-            </a:ext>
-          </a:extLst>
-        </p:spPr>
-      </p:pic>
-    </p:spTree>
-    <p:extLst>
-      <p:ext uri="{BB962C8B-B14F-4D97-AF65-F5344CB8AC3E}">
-        <p14:creationId xmlns:p14="http://schemas.microsoft.com/office/powerpoint/2010/main" val="2512763731"/>
-      </p:ext>
-    </p:extLst>
-  </p:cSld>
-  <p:clrMapOvr>
-    <a:masterClrMapping/>
-  </p:clrMapOvr>
-</p:sldLayout>
-</file>
-
-<file path=ppt/slideLayouts/slideLayout3.xml><?xml version="1.0" encoding="utf-8"?>
-<p:sldLayout xmlns:a="http://schemas.openxmlformats.org/drawingml/2006/main" xmlns:r="http://schemas.openxmlformats.org/officeDocument/2006/relationships" xmlns:p="http://schemas.openxmlformats.org/presentationml/2006/main" type="secHead" preserve="1">
-  <p:cSld name="Section Header">
-    <p:spTree>
-      <p:nvGrpSpPr>
-        <p:cNvPr id="1" name=""/>
-        <p:cNvGrpSpPr/>
-        <p:nvPr/>
-      </p:nvGrpSpPr>
-      <p:grpSpPr>
-        <a:xfrm>
-          <a:off x="0" y="0"/>
-          <a:ext cx="0" cy="0"/>
-          <a:chOff x="0" y="0"/>
-          <a:chExt cx="0" cy="0"/>
-        </a:xfrm>
-      </p:grpSpPr>
-      <p:sp>
-        <p:nvSpPr>
-          <p:cNvPr id="2" name="Title 1">
-            <a:extLst>
-              <a:ext uri="{FF2B5EF4-FFF2-40B4-BE49-F238E27FC236}">
-                <a16:creationId xmlns:a16="http://schemas.microsoft.com/office/drawing/2014/main" id="{A7D0A621-739C-C746-8F29-9D6CFEEA4FAE}"/>
-              </a:ext>
-            </a:extLst>
-          </p:cNvPr>
-          <p:cNvSpPr>
-            <a:spLocks noGrp="1"/>
-          </p:cNvSpPr>
-          <p:nvPr>
-            <p:ph type="title"/>
-          </p:nvPr>
-        </p:nvSpPr>
-        <p:spPr>
-          <a:xfrm>
-            <a:off x="831850" y="1709738"/>
-            <a:ext cx="10515600" cy="2852737"/>
-          </a:xfrm>
-        </p:spPr>
-        <p:txBody>
-          <a:bodyPr anchor="b"/>
-          <a:lstStyle>
-            <a:lvl1pPr>
-              <a:defRPr sz="6000"/>
-            </a:lvl1pPr>
-          </a:lstStyle>
-          <a:p>
-            <a:r>
-              <a:rPr lang="en-US"/>
-              <a:t>Click to edit Master title style</a:t>
-            </a:r>
-          </a:p>
-        </p:txBody>
-      </p:sp>
-      <p:sp>
-        <p:nvSpPr>
-          <p:cNvPr id="3" name="Text Placeholder 2">
-            <a:extLst>
-              <a:ext uri="{FF2B5EF4-FFF2-40B4-BE49-F238E27FC236}">
-                <a16:creationId xmlns:a16="http://schemas.microsoft.com/office/drawing/2014/main" id="{34704B73-4058-7C40-98C2-4104D91876C2}"/>
-              </a:ext>
-            </a:extLst>
-          </p:cNvPr>
-          <p:cNvSpPr>
-            <a:spLocks noGrp="1"/>
-          </p:cNvSpPr>
-          <p:nvPr>
-            <p:ph type="body" idx="1"/>
-          </p:nvPr>
-        </p:nvSpPr>
-        <p:spPr>
-          <a:xfrm>
-            <a:off x="831850" y="4589463"/>
-            <a:ext cx="10515600" cy="1500187"/>
-          </a:xfrm>
-        </p:spPr>
-        <p:txBody>
-          <a:bodyPr/>
-          <a:lstStyle>
-            <a:lvl1pPr marL="0" indent="0">
-              <a:buNone/>
-              <a:defRPr sz="2400">
-                <a:solidFill>
-                  <a:schemeClr val="tx1">
-                    <a:tint val="75000"/>
-                  </a:schemeClr>
-                </a:solidFill>
-              </a:defRPr>
-            </a:lvl1pPr>
-            <a:lvl2pPr marL="457200" indent="0">
-              <a:buNone/>
-              <a:defRPr sz="2000">
-                <a:solidFill>
-                  <a:schemeClr val="tx1">
-                    <a:tint val="75000"/>
-                  </a:schemeClr>
-                </a:solidFill>
-              </a:defRPr>
-            </a:lvl2pPr>
-            <a:lvl3pPr marL="914400" indent="0">
-              <a:buNone/>
-              <a:defRPr sz="1800">
-                <a:solidFill>
-                  <a:schemeClr val="tx1">
-                    <a:tint val="75000"/>
-                  </a:schemeClr>
-                </a:solidFill>
-              </a:defRPr>
-            </a:lvl3pPr>
-            <a:lvl4pPr marL="1371600" indent="0">
-              <a:buNone/>
-              <a:defRPr sz="1600">
-                <a:solidFill>
-                  <a:schemeClr val="tx1">
-                    <a:tint val="75000"/>
-                  </a:schemeClr>
-                </a:solidFill>
-              </a:defRPr>
-            </a:lvl4pPr>
-            <a:lvl5pPr marL="1828800" indent="0">
-              <a:buNone/>
-              <a:defRPr sz="1600">
-                <a:solidFill>
-                  <a:schemeClr val="tx1">
-                    <a:tint val="75000"/>
-                  </a:schemeClr>
-                </a:solidFill>
-              </a:defRPr>
-            </a:lvl5pPr>
-            <a:lvl6pPr marL="2286000" indent="0">
-              <a:buNone/>
-              <a:defRPr sz="1600">
-                <a:solidFill>
-                  <a:schemeClr val="tx1">
-                    <a:tint val="75000"/>
-                  </a:schemeClr>
-                </a:solidFill>
-              </a:defRPr>
-            </a:lvl6pPr>
-            <a:lvl7pPr marL="2743200" indent="0">
-              <a:buNone/>
-              <a:defRPr sz="1600">
-                <a:solidFill>
-                  <a:schemeClr val="tx1">
-                    <a:tint val="75000"/>
-                  </a:schemeClr>
-                </a:solidFill>
-              </a:defRPr>
-            </a:lvl7pPr>
-            <a:lvl8pPr marL="3200400" indent="0">
-              <a:buNone/>
-              <a:defRPr sz="1600">
-                <a:solidFill>
-                  <a:schemeClr val="tx1">
-                    <a:tint val="75000"/>
-                  </a:schemeClr>
-                </a:solidFill>
-              </a:defRPr>
-            </a:lvl8pPr>
-            <a:lvl9pPr marL="3657600" indent="0">
-              <a:buNone/>
-              <a:defRPr sz="1600">
-                <a:solidFill>
-                  <a:schemeClr val="tx1">
-                    <a:tint val="75000"/>
-                  </a:schemeClr>
-                </a:solidFill>
-              </a:defRPr>
-            </a:lvl9pPr>
-          </a:lstStyle>
-          <a:p>
-            <a:pPr lvl="0"/>
-            <a:r>
-              <a:rPr lang="en-US"/>
-              <a:t>Edit Master text styles</a:t>
-            </a:r>
-          </a:p>
-        </p:txBody>
-      </p:sp>
-      <p:sp>
-        <p:nvSpPr>
-          <p:cNvPr id="6" name="Slide Number Placeholder 5">
-            <a:extLst>
-              <a:ext uri="{FF2B5EF4-FFF2-40B4-BE49-F238E27FC236}">
-                <a16:creationId xmlns:a16="http://schemas.microsoft.com/office/drawing/2014/main" id="{E5EEE93E-C8A1-354A-AF1E-19A5283E305A}"/>
-              </a:ext>
-            </a:extLst>
-          </p:cNvPr>
-          <p:cNvSpPr>
-            <a:spLocks noGrp="1"/>
-          </p:cNvSpPr>
-          <p:nvPr>
-            <p:ph type="sldNum" sz="quarter" idx="12"/>
-          </p:nvPr>
-        </p:nvSpPr>
-        <p:spPr/>
-        <p:txBody>
-          <a:bodyPr/>
-          <a:lstStyle/>
-          <a:p>
-            <a:fld id="{0B973F48-4628-F846-BA33-DDE653D83577}" type="slidenum">
-              <a:rPr lang="en-US" smtClean="0"/>
-              <a:t>‹#›</a:t>
-            </a:fld>
-            <a:endParaRPr lang="en-US"/>
-          </a:p>
-        </p:txBody>
-      </p:sp>
-    </p:spTree>
-    <p:extLst>
-      <p:ext uri="{BB962C8B-B14F-4D97-AF65-F5344CB8AC3E}">
-        <p14:creationId xmlns:p14="http://schemas.microsoft.com/office/powerpoint/2010/main" val="534873305"/>
-      </p:ext>
-    </p:extLst>
-  </p:cSld>
-  <p:clrMapOvr>
-    <a:masterClrMapping/>
-  </p:clrMapOvr>
-</p:sldLayout>
-</file>
-
-<file path=ppt/slideLayouts/slideLayout4.xml><?xml version="1.0" encoding="utf-8"?>
-<p:sldLayout xmlns:a="http://schemas.openxmlformats.org/drawingml/2006/main" xmlns:r="http://schemas.openxmlformats.org/officeDocument/2006/relationships" xmlns:p="http://schemas.openxmlformats.org/presentationml/2006/main" type="twoObj" preserve="1">
-  <p:cSld name="Two Content">
-    <p:spTree>
-      <p:nvGrpSpPr>
-        <p:cNvPr id="1" name=""/>
-        <p:cNvGrpSpPr/>
-        <p:nvPr/>
-      </p:nvGrpSpPr>
-      <p:grpSpPr>
-        <a:xfrm>
-          <a:off x="0" y="0"/>
-          <a:ext cx="0" cy="0"/>
-          <a:chOff x="0" y="0"/>
-          <a:chExt cx="0" cy="0"/>
-        </a:xfrm>
-      </p:grpSpPr>
-      <p:sp>
-        <p:nvSpPr>
-          <p:cNvPr id="2" name="Title 1">
-            <a:extLst>
-              <a:ext uri="{FF2B5EF4-FFF2-40B4-BE49-F238E27FC236}">
-                <a16:creationId xmlns:a16="http://schemas.microsoft.com/office/drawing/2014/main" id="{70ACA464-1AAB-3D41-837C-83C938183D29}"/>
-              </a:ext>
-            </a:extLst>
-          </p:cNvPr>
-          <p:cNvSpPr>
-            <a:spLocks noGrp="1"/>
-          </p:cNvSpPr>
-          <p:nvPr>
-            <p:ph type="title"/>
-          </p:nvPr>
-        </p:nvSpPr>
-        <p:spPr/>
-        <p:txBody>
-          <a:bodyPr/>
-          <a:lstStyle/>
-          <a:p>
-            <a:r>
-              <a:rPr lang="en-US"/>
-              <a:t>Click to edit Master title style</a:t>
-            </a:r>
-          </a:p>
-        </p:txBody>
-      </p:sp>
-      <p:sp>
-        <p:nvSpPr>
-          <p:cNvPr id="3" name="Content Placeholder 2">
-            <a:extLst>
-              <a:ext uri="{FF2B5EF4-FFF2-40B4-BE49-F238E27FC236}">
-                <a16:creationId xmlns:a16="http://schemas.microsoft.com/office/drawing/2014/main" id="{F3F2349E-5B0C-DE44-8CE1-77C14FC7025E}"/>
-              </a:ext>
-            </a:extLst>
-          </p:cNvPr>
-          <p:cNvSpPr>
-            <a:spLocks noGrp="1"/>
-          </p:cNvSpPr>
-          <p:nvPr>
-            <p:ph sz="half" idx="1"/>
-          </p:nvPr>
-        </p:nvSpPr>
-        <p:spPr>
-          <a:xfrm>
-            <a:off x="838200" y="1825625"/>
-            <a:ext cx="5181600" cy="4351338"/>
-          </a:xfrm>
-        </p:spPr>
-        <p:txBody>
-          <a:bodyPr/>
-          <a:lstStyle/>
-          <a:p>
-            <a:pPr lvl="0"/>
-            <a:r>
-              <a:rPr lang="en-US"/>
-              <a:t>Edit Master text styles</a:t>
-            </a:r>
-          </a:p>
-          <a:p>
-            <a:pPr lvl="1"/>
-            <a:r>
-              <a:rPr lang="en-US"/>
-              <a:t>Second level</a:t>
-            </a:r>
-          </a:p>
-          <a:p>
-            <a:pPr lvl="2"/>
-            <a:r>
-              <a:rPr lang="en-US"/>
-              <a:t>Third level</a:t>
-            </a:r>
-          </a:p>
-          <a:p>
-            <a:pPr lvl="3"/>
-            <a:r>
-              <a:rPr lang="en-US"/>
-              <a:t>Fourth level</a:t>
-            </a:r>
-          </a:p>
-          <a:p>
-            <a:pPr lvl="4"/>
-            <a:r>
-              <a:rPr lang="en-US"/>
-              <a:t>Fifth level</a:t>
-            </a:r>
-          </a:p>
-        </p:txBody>
-      </p:sp>
-      <p:sp>
-        <p:nvSpPr>
-          <p:cNvPr id="4" name="Content Placeholder 3">
-            <a:extLst>
-              <a:ext uri="{FF2B5EF4-FFF2-40B4-BE49-F238E27FC236}">
-                <a16:creationId xmlns:a16="http://schemas.microsoft.com/office/drawing/2014/main" id="{4C2FBEBA-F2A8-E642-B0D7-3148F7AC1B57}"/>
-              </a:ext>
-            </a:extLst>
-          </p:cNvPr>
-          <p:cNvSpPr>
-            <a:spLocks noGrp="1"/>
-          </p:cNvSpPr>
-          <p:nvPr>
-            <p:ph sz="half" idx="2"/>
-          </p:nvPr>
-        </p:nvSpPr>
-        <p:spPr>
-          <a:xfrm>
-            <a:off x="6172200" y="1825625"/>
-            <a:ext cx="5181600" cy="4351338"/>
-          </a:xfrm>
-        </p:spPr>
-        <p:txBody>
-          <a:bodyPr/>
-          <a:lstStyle/>
-          <a:p>
-            <a:pPr lvl="0"/>
-            <a:r>
-              <a:rPr lang="en-US"/>
-              <a:t>Edit Master text styles</a:t>
-            </a:r>
-          </a:p>
-          <a:p>
-            <a:pPr lvl="1"/>
-            <a:r>
-              <a:rPr lang="en-US"/>
-              <a:t>Second level</a:t>
-            </a:r>
-          </a:p>
-          <a:p>
-            <a:pPr lvl="2"/>
-            <a:r>
-              <a:rPr lang="en-US"/>
-              <a:t>Third level</a:t>
-            </a:r>
-          </a:p>
-          <a:p>
-            <a:pPr lvl="3"/>
-            <a:r>
-              <a:rPr lang="en-US"/>
-              <a:t>Fourth level</a:t>
-            </a:r>
-          </a:p>
-          <a:p>
-            <a:pPr lvl="4"/>
-            <a:r>
-              <a:rPr lang="en-US"/>
-              <a:t>Fifth level</a:t>
-            </a:r>
-          </a:p>
-        </p:txBody>
-      </p:sp>
-      <p:sp>
-        <p:nvSpPr>
-          <p:cNvPr id="7" name="Slide Number Placeholder 6">
-            <a:extLst>
-              <a:ext uri="{FF2B5EF4-FFF2-40B4-BE49-F238E27FC236}">
-                <a16:creationId xmlns:a16="http://schemas.microsoft.com/office/drawing/2014/main" id="{FB759064-C295-474C-91BC-B8179C14C201}"/>
-              </a:ext>
-            </a:extLst>
-          </p:cNvPr>
-          <p:cNvSpPr>
-            <a:spLocks noGrp="1"/>
-          </p:cNvSpPr>
-          <p:nvPr>
-            <p:ph type="sldNum" sz="quarter" idx="12"/>
-          </p:nvPr>
-        </p:nvSpPr>
-        <p:spPr/>
-        <p:txBody>
-          <a:bodyPr/>
-          <a:lstStyle/>
-          <a:p>
-            <a:fld id="{0B973F48-4628-F846-BA33-DDE653D83577}" type="slidenum">
-              <a:rPr lang="en-US" smtClean="0"/>
-              <a:t>‹#›</a:t>
-            </a:fld>
-            <a:endParaRPr lang="en-US"/>
-          </a:p>
-        </p:txBody>
-      </p:sp>
-    </p:spTree>
-    <p:extLst>
-      <p:ext uri="{BB962C8B-B14F-4D97-AF65-F5344CB8AC3E}">
-        <p14:creationId xmlns:p14="http://schemas.microsoft.com/office/powerpoint/2010/main" val="454791571"/>
-      </p:ext>
-    </p:extLst>
-  </p:cSld>
-  <p:clrMapOvr>
-    <a:masterClrMapping/>
-  </p:clrMapOvr>
-</p:sldLayout>
-</file>
-
-<file path=ppt/slideLayouts/slideLayout5.xml><?xml version="1.0" encoding="utf-8"?>
-<p:sldLayout xmlns:a="http://schemas.openxmlformats.org/drawingml/2006/main" xmlns:r="http://schemas.openxmlformats.org/officeDocument/2006/relationships" xmlns:p="http://schemas.openxmlformats.org/presentationml/2006/main" type="twoTxTwoObj" preserve="1">
-  <p:cSld name="Comparison">
-    <p:spTree>
-      <p:nvGrpSpPr>
-        <p:cNvPr id="1" name=""/>
-        <p:cNvGrpSpPr/>
-        <p:nvPr/>
-      </p:nvGrpSpPr>
-      <p:grpSpPr>
-        <a:xfrm>
-          <a:off x="0" y="0"/>
-          <a:ext cx="0" cy="0"/>
-          <a:chOff x="0" y="0"/>
-          <a:chExt cx="0" cy="0"/>
-        </a:xfrm>
-      </p:grpSpPr>
-      <p:sp>
-        <p:nvSpPr>
-          <p:cNvPr id="2" name="Title 1">
-            <a:extLst>
-              <a:ext uri="{FF2B5EF4-FFF2-40B4-BE49-F238E27FC236}">
-                <a16:creationId xmlns:a16="http://schemas.microsoft.com/office/drawing/2014/main" id="{97393B7B-D3EB-1942-9C5D-C2DBE70DCDDA}"/>
-              </a:ext>
-            </a:extLst>
-          </p:cNvPr>
-          <p:cNvSpPr>
-            <a:spLocks noGrp="1"/>
-          </p:cNvSpPr>
-          <p:nvPr>
-            <p:ph type="title"/>
-          </p:nvPr>
-        </p:nvSpPr>
-        <p:spPr>
-          <a:xfrm>
-            <a:off x="839788" y="365125"/>
-            <a:ext cx="10515600" cy="1325563"/>
-          </a:xfrm>
-        </p:spPr>
-        <p:txBody>
-          <a:bodyPr/>
-          <a:lstStyle/>
-          <a:p>
-            <a:r>
-              <a:rPr lang="en-US"/>
-              <a:t>Click to edit Master title style</a:t>
-            </a:r>
-          </a:p>
-        </p:txBody>
-      </p:sp>
-      <p:sp>
-        <p:nvSpPr>
-          <p:cNvPr id="3" name="Text Placeholder 2">
-            <a:extLst>
-              <a:ext uri="{FF2B5EF4-FFF2-40B4-BE49-F238E27FC236}">
-                <a16:creationId xmlns:a16="http://schemas.microsoft.com/office/drawing/2014/main" id="{8D082C37-8144-2B40-B057-52B9B6778F1D}"/>
-              </a:ext>
-            </a:extLst>
-          </p:cNvPr>
-          <p:cNvSpPr>
-            <a:spLocks noGrp="1"/>
-          </p:cNvSpPr>
-          <p:nvPr>
-            <p:ph type="body" idx="1"/>
-          </p:nvPr>
-        </p:nvSpPr>
-        <p:spPr>
-          <a:xfrm>
-            <a:off x="839788" y="1681163"/>
-            <a:ext cx="5157787" cy="823912"/>
-          </a:xfrm>
-        </p:spPr>
-        <p:txBody>
-          <a:bodyPr anchor="b"/>
-          <a:lstStyle>
-            <a:lvl1pPr marL="0" indent="0">
-              <a:buNone/>
-              <a:defRPr sz="2400" b="1"/>
-            </a:lvl1pPr>
-            <a:lvl2pPr marL="457200" indent="0">
-              <a:buNone/>
-              <a:defRPr sz="2000" b="1"/>
-            </a:lvl2pPr>
-            <a:lvl3pPr marL="914400" indent="0">
-              <a:buNone/>
-              <a:defRPr sz="1800" b="1"/>
-            </a:lvl3pPr>
-            <a:lvl4pPr marL="1371600" indent="0">
-              <a:buNone/>
-              <a:defRPr sz="1600" b="1"/>
-            </a:lvl4pPr>
-            <a:lvl5pPr marL="1828800" indent="0">
-              <a:buNone/>
-              <a:defRPr sz="1600" b="1"/>
-            </a:lvl5pPr>
-            <a:lvl6pPr marL="2286000" indent="0">
-              <a:buNone/>
-              <a:defRPr sz="1600" b="1"/>
-            </a:lvl6pPr>
-            <a:lvl7pPr marL="2743200" indent="0">
-              <a:buNone/>
-              <a:defRPr sz="1600" b="1"/>
-            </a:lvl7pPr>
-            <a:lvl8pPr marL="3200400" indent="0">
-              <a:buNone/>
-              <a:defRPr sz="1600" b="1"/>
-            </a:lvl8pPr>
-            <a:lvl9pPr marL="3657600" indent="0">
-              <a:buNone/>
-              <a:defRPr sz="1600" b="1"/>
-            </a:lvl9pPr>
-          </a:lstStyle>
-          <a:p>
-            <a:pPr lvl="0"/>
-            <a:r>
-              <a:rPr lang="en-US"/>
-              <a:t>Edit Master text styles</a:t>
-            </a:r>
-          </a:p>
-        </p:txBody>
-      </p:sp>
-      <p:sp>
-        <p:nvSpPr>
-          <p:cNvPr id="4" name="Content Placeholder 3">
-            <a:extLst>
-              <a:ext uri="{FF2B5EF4-FFF2-40B4-BE49-F238E27FC236}">
-                <a16:creationId xmlns:a16="http://schemas.microsoft.com/office/drawing/2014/main" id="{F1AB8C75-2C38-424A-9A7A-65CB327C213B}"/>
-              </a:ext>
-            </a:extLst>
-          </p:cNvPr>
-          <p:cNvSpPr>
-            <a:spLocks noGrp="1"/>
-          </p:cNvSpPr>
-          <p:nvPr>
-            <p:ph sz="half" idx="2"/>
-          </p:nvPr>
-        </p:nvSpPr>
-        <p:spPr>
-          <a:xfrm>
-            <a:off x="839788" y="2505075"/>
-            <a:ext cx="5157787" cy="3684588"/>
-          </a:xfrm>
-        </p:spPr>
-        <p:txBody>
-          <a:bodyPr/>
-          <a:lstStyle/>
-          <a:p>
-            <a:pPr lvl="0"/>
-            <a:r>
-              <a:rPr lang="en-US"/>
-              <a:t>Edit Master text styles</a:t>
-            </a:r>
-          </a:p>
-          <a:p>
-            <a:pPr lvl="1"/>
-            <a:r>
-              <a:rPr lang="en-US"/>
-              <a:t>Second level</a:t>
-            </a:r>
-          </a:p>
-          <a:p>
-            <a:pPr lvl="2"/>
-            <a:r>
-              <a:rPr lang="en-US"/>
-              <a:t>Third level</a:t>
-            </a:r>
-          </a:p>
-          <a:p>
-            <a:pPr lvl="3"/>
-            <a:r>
-              <a:rPr lang="en-US"/>
-              <a:t>Fourth level</a:t>
-            </a:r>
-          </a:p>
-          <a:p>
-            <a:pPr lvl="4"/>
-            <a:r>
-              <a:rPr lang="en-US"/>
-              <a:t>Fifth level</a:t>
-            </a:r>
-          </a:p>
-        </p:txBody>
-      </p:sp>
-      <p:sp>
-        <p:nvSpPr>
-          <p:cNvPr id="5" name="Text Placeholder 4">
-            <a:extLst>
-              <a:ext uri="{FF2B5EF4-FFF2-40B4-BE49-F238E27FC236}">
-                <a16:creationId xmlns:a16="http://schemas.microsoft.com/office/drawing/2014/main" id="{AEC54413-8A58-C54E-9133-45A1F00C5913}"/>
-              </a:ext>
-            </a:extLst>
-          </p:cNvPr>
-          <p:cNvSpPr>
-            <a:spLocks noGrp="1"/>
-          </p:cNvSpPr>
-          <p:nvPr>
-            <p:ph type="body" sz="quarter" idx="3"/>
-          </p:nvPr>
-        </p:nvSpPr>
-        <p:spPr>
-          <a:xfrm>
-            <a:off x="6172200" y="1681163"/>
-            <a:ext cx="5183188" cy="823912"/>
-          </a:xfrm>
-        </p:spPr>
-        <p:txBody>
-          <a:bodyPr anchor="b"/>
-          <a:lstStyle>
-            <a:lvl1pPr marL="0" indent="0">
-              <a:buNone/>
-              <a:defRPr sz="2400" b="1"/>
-            </a:lvl1pPr>
-            <a:lvl2pPr marL="457200" indent="0">
-              <a:buNone/>
-              <a:defRPr sz="2000" b="1"/>
-            </a:lvl2pPr>
-            <a:lvl3pPr marL="914400" indent="0">
-              <a:buNone/>
-              <a:defRPr sz="1800" b="1"/>
-            </a:lvl3pPr>
-            <a:lvl4pPr marL="1371600" indent="0">
-              <a:buNone/>
-              <a:defRPr sz="1600" b="1"/>
-            </a:lvl4pPr>
-            <a:lvl5pPr marL="1828800" indent="0">
-              <a:buNone/>
-              <a:defRPr sz="1600" b="1"/>
-            </a:lvl5pPr>
-            <a:lvl6pPr marL="2286000" indent="0">
-              <a:buNone/>
-              <a:defRPr sz="1600" b="1"/>
-            </a:lvl6pPr>
-            <a:lvl7pPr marL="2743200" indent="0">
-              <a:buNone/>
-              <a:defRPr sz="1600" b="1"/>
-            </a:lvl7pPr>
-            <a:lvl8pPr marL="3200400" indent="0">
-              <a:buNone/>
-              <a:defRPr sz="1600" b="1"/>
-            </a:lvl8pPr>
-            <a:lvl9pPr marL="3657600" indent="0">
-              <a:buNone/>
-              <a:defRPr sz="1600" b="1"/>
-            </a:lvl9pPr>
-          </a:lstStyle>
-          <a:p>
-            <a:pPr lvl="0"/>
-            <a:r>
-              <a:rPr lang="en-US"/>
-              <a:t>Edit Master text styles</a:t>
-            </a:r>
-          </a:p>
-        </p:txBody>
-      </p:sp>
-      <p:sp>
-        <p:nvSpPr>
-          <p:cNvPr id="6" name="Content Placeholder 5">
-            <a:extLst>
-              <a:ext uri="{FF2B5EF4-FFF2-40B4-BE49-F238E27FC236}">
-                <a16:creationId xmlns:a16="http://schemas.microsoft.com/office/drawing/2014/main" id="{4B0112E1-1E2D-724A-8EAC-CF4C8204D79E}"/>
-              </a:ext>
-            </a:extLst>
-          </p:cNvPr>
-          <p:cNvSpPr>
-            <a:spLocks noGrp="1"/>
-          </p:cNvSpPr>
-          <p:nvPr>
-            <p:ph sz="quarter" idx="4"/>
-          </p:nvPr>
-        </p:nvSpPr>
-        <p:spPr>
-          <a:xfrm>
-            <a:off x="6172200" y="2505075"/>
-            <a:ext cx="5183188" cy="3684588"/>
-          </a:xfrm>
-        </p:spPr>
-        <p:txBody>
-          <a:bodyPr/>
-          <a:lstStyle/>
-          <a:p>
-            <a:pPr lvl="0"/>
-            <a:r>
-              <a:rPr lang="en-US"/>
-              <a:t>Edit Master text styles</a:t>
-            </a:r>
-          </a:p>
-          <a:p>
-            <a:pPr lvl="1"/>
-            <a:r>
-              <a:rPr lang="en-US"/>
-              <a:t>Second level</a:t>
-            </a:r>
-          </a:p>
-          <a:p>
-            <a:pPr lvl="2"/>
-            <a:r>
-              <a:rPr lang="en-US"/>
-              <a:t>Third level</a:t>
-            </a:r>
-          </a:p>
-          <a:p>
-            <a:pPr lvl="3"/>
-            <a:r>
-              <a:rPr lang="en-US"/>
-              <a:t>Fourth level</a:t>
-            </a:r>
-          </a:p>
-          <a:p>
-            <a:pPr lvl="4"/>
-            <a:r>
-              <a:rPr lang="en-US"/>
-              <a:t>Fifth level</a:t>
-            </a:r>
-          </a:p>
-        </p:txBody>
-      </p:sp>
-      <p:sp>
-        <p:nvSpPr>
-          <p:cNvPr id="9" name="Slide Number Placeholder 8">
-            <a:extLst>
-              <a:ext uri="{FF2B5EF4-FFF2-40B4-BE49-F238E27FC236}">
-                <a16:creationId xmlns:a16="http://schemas.microsoft.com/office/drawing/2014/main" id="{B72AE139-D882-D94E-B377-D84A207665BF}"/>
-              </a:ext>
-            </a:extLst>
-          </p:cNvPr>
-          <p:cNvSpPr>
-            <a:spLocks noGrp="1"/>
-          </p:cNvSpPr>
-          <p:nvPr>
-            <p:ph type="sldNum" sz="quarter" idx="12"/>
-          </p:nvPr>
-        </p:nvSpPr>
-        <p:spPr/>
-        <p:txBody>
-          <a:bodyPr/>
-          <a:lstStyle/>
-          <a:p>
-            <a:fld id="{0B973F48-4628-F846-BA33-DDE653D83577}" type="slidenum">
-              <a:rPr lang="en-US" smtClean="0"/>
-              <a:t>‹#›</a:t>
-            </a:fld>
-            <a:endParaRPr lang="en-US"/>
-          </a:p>
-        </p:txBody>
-      </p:sp>
-    </p:spTree>
-    <p:extLst>
-      <p:ext uri="{BB962C8B-B14F-4D97-AF65-F5344CB8AC3E}">
-        <p14:creationId xmlns:p14="http://schemas.microsoft.com/office/powerpoint/2010/main" val="2064020921"/>
-      </p:ext>
-    </p:extLst>
-  </p:cSld>
-  <p:clrMapOvr>
-    <a:masterClrMapping/>
-  </p:clrMapOvr>
-</p:sldLayout>
-</file>
-
-<file path=ppt/slideLayouts/slideLayout6.xml><?xml version="1.0" encoding="utf-8"?>
-<p:sldLayout xmlns:a="http://schemas.openxmlformats.org/drawingml/2006/main" xmlns:r="http://schemas.openxmlformats.org/officeDocument/2006/relationships" xmlns:p="http://schemas.openxmlformats.org/presentationml/2006/main" type="titleOnly" preserve="1">
-  <p:cSld name="Title Only">
-    <p:spTree>
-      <p:nvGrpSpPr>
-        <p:cNvPr id="1" name=""/>
-        <p:cNvGrpSpPr/>
-        <p:nvPr/>
-      </p:nvGrpSpPr>
-      <p:grpSpPr>
-        <a:xfrm>
-          <a:off x="0" y="0"/>
-          <a:ext cx="0" cy="0"/>
-          <a:chOff x="0" y="0"/>
-          <a:chExt cx="0" cy="0"/>
-        </a:xfrm>
-      </p:grpSpPr>
-      <p:sp>
-        <p:nvSpPr>
-          <p:cNvPr id="2" name="Title 1">
-            <a:extLst>
-              <a:ext uri="{FF2B5EF4-FFF2-40B4-BE49-F238E27FC236}">
-                <a16:creationId xmlns:a16="http://schemas.microsoft.com/office/drawing/2014/main" id="{8AC87EC2-76AA-FC42-982F-77406246A4AA}"/>
-              </a:ext>
-            </a:extLst>
-          </p:cNvPr>
-          <p:cNvSpPr>
-            <a:spLocks noGrp="1"/>
-          </p:cNvSpPr>
-          <p:nvPr>
-            <p:ph type="title"/>
-          </p:nvPr>
-        </p:nvSpPr>
-        <p:spPr/>
-        <p:txBody>
-          <a:bodyPr/>
-          <a:lstStyle/>
-          <a:p>
-            <a:r>
-              <a:rPr lang="en-US"/>
-              <a:t>Click to edit Master title style</a:t>
-            </a:r>
-          </a:p>
-        </p:txBody>
-      </p:sp>
-      <p:sp>
-        <p:nvSpPr>
-          <p:cNvPr id="5" name="Slide Number Placeholder 4">
-            <a:extLst>
-              <a:ext uri="{FF2B5EF4-FFF2-40B4-BE49-F238E27FC236}">
-                <a16:creationId xmlns:a16="http://schemas.microsoft.com/office/drawing/2014/main" id="{81EC7837-FC7B-6043-8182-02D7718729CA}"/>
-              </a:ext>
-            </a:extLst>
-          </p:cNvPr>
-          <p:cNvSpPr>
-            <a:spLocks noGrp="1"/>
-          </p:cNvSpPr>
-          <p:nvPr>
-            <p:ph type="sldNum" sz="quarter" idx="12"/>
-          </p:nvPr>
-        </p:nvSpPr>
-        <p:spPr/>
-        <p:txBody>
-          <a:bodyPr/>
-          <a:lstStyle/>
-          <a:p>
-            <a:fld id="{0B973F48-4628-F846-BA33-DDE653D83577}" type="slidenum">
-              <a:rPr lang="en-US" smtClean="0"/>
-              <a:t>‹#›</a:t>
-            </a:fld>
-            <a:endParaRPr lang="en-US"/>
-          </a:p>
-        </p:txBody>
-      </p:sp>
-    </p:spTree>
-    <p:extLst>
-      <p:ext uri="{BB962C8B-B14F-4D97-AF65-F5344CB8AC3E}">
-        <p14:creationId xmlns:p14="http://schemas.microsoft.com/office/powerpoint/2010/main" val="3814957134"/>
-      </p:ext>
-    </p:extLst>
-  </p:cSld>
-  <p:clrMapOvr>
-    <a:masterClrMapping/>
-  </p:clrMapOvr>
-</p:sldLayout>
-</file>
-
-<file path=ppt/slideLayouts/slideLayout7.xml><?xml version="1.0" encoding="utf-8"?>
-<p:sldLayout xmlns:a="http://schemas.openxmlformats.org/drawingml/2006/main" xmlns:r="http://schemas.openxmlformats.org/officeDocument/2006/relationships" xmlns:p="http://schemas.openxmlformats.org/presentationml/2006/main" type="blank" preserve="1">
-  <p:cSld name="Blank">
-    <p:spTree>
-      <p:nvGrpSpPr>
-        <p:cNvPr id="1" name=""/>
-        <p:cNvGrpSpPr/>
-        <p:nvPr/>
-      </p:nvGrpSpPr>
-      <p:grpSpPr>
-        <a:xfrm>
-          <a:off x="0" y="0"/>
-          <a:ext cx="0" cy="0"/>
-          <a:chOff x="0" y="0"/>
-          <a:chExt cx="0" cy="0"/>
-        </a:xfrm>
-      </p:grpSpPr>
-      <p:sp>
-        <p:nvSpPr>
-          <p:cNvPr id="4" name="Slide Number Placeholder 3">
-            <a:extLst>
-              <a:ext uri="{FF2B5EF4-FFF2-40B4-BE49-F238E27FC236}">
-                <a16:creationId xmlns:a16="http://schemas.microsoft.com/office/drawing/2014/main" id="{D575A9DD-FA0A-D64B-B42E-72A4B0E3557A}"/>
-              </a:ext>
-            </a:extLst>
-          </p:cNvPr>
-          <p:cNvSpPr>
-            <a:spLocks noGrp="1"/>
-          </p:cNvSpPr>
-          <p:nvPr>
-            <p:ph type="sldNum" sz="quarter" idx="12"/>
-          </p:nvPr>
-        </p:nvSpPr>
-        <p:spPr/>
-        <p:txBody>
-          <a:bodyPr/>
-          <a:lstStyle/>
-          <a:p>
-            <a:fld id="{0B973F48-4628-F846-BA33-DDE653D83577}" type="slidenum">
-              <a:rPr lang="en-US" smtClean="0"/>
-              <a:t>‹#›</a:t>
-            </a:fld>
-            <a:endParaRPr lang="en-US"/>
-          </a:p>
-        </p:txBody>
-      </p:sp>
-    </p:spTree>
-    <p:extLst>
-      <p:ext uri="{BB962C8B-B14F-4D97-AF65-F5344CB8AC3E}">
-        <p14:creationId xmlns:p14="http://schemas.microsoft.com/office/powerpoint/2010/main" val="1127675878"/>
-      </p:ext>
-    </p:extLst>
-  </p:cSld>
-  <p:clrMapOvr>
-    <a:masterClrMapping/>
-  </p:clrMapOvr>
-</p:sldLayout>
-</file>
-
-<file path=ppt/slideLayouts/slideLayout8.xml><?xml version="1.0" encoding="utf-8"?>
-<p:sldLayout xmlns:a="http://schemas.openxmlformats.org/drawingml/2006/main" xmlns:r="http://schemas.openxmlformats.org/officeDocument/2006/relationships" xmlns:p="http://schemas.openxmlformats.org/presentationml/2006/main" type="objTx" preserve="1">
-  <p:cSld name="Content with Caption">
-    <p:spTree>
-      <p:nvGrpSpPr>
-        <p:cNvPr id="1" name=""/>
-        <p:cNvGrpSpPr/>
-        <p:nvPr/>
-      </p:nvGrpSpPr>
-      <p:grpSpPr>
-        <a:xfrm>
-          <a:off x="0" y="0"/>
-          <a:ext cx="0" cy="0"/>
-          <a:chOff x="0" y="0"/>
-          <a:chExt cx="0" cy="0"/>
-        </a:xfrm>
-      </p:grpSpPr>
-      <p:sp>
-        <p:nvSpPr>
-          <p:cNvPr id="2" name="Title 1">
-            <a:extLst>
-              <a:ext uri="{FF2B5EF4-FFF2-40B4-BE49-F238E27FC236}">
-                <a16:creationId xmlns:a16="http://schemas.microsoft.com/office/drawing/2014/main" id="{F19ECD1F-576B-CE49-B87E-5BC99EC04635}"/>
-              </a:ext>
-            </a:extLst>
-          </p:cNvPr>
-          <p:cNvSpPr>
-            <a:spLocks noGrp="1"/>
-          </p:cNvSpPr>
-          <p:nvPr>
-            <p:ph type="title"/>
-          </p:nvPr>
-        </p:nvSpPr>
-        <p:spPr>
-          <a:xfrm>
-            <a:off x="839788" y="457200"/>
-            <a:ext cx="3932237" cy="1600200"/>
-          </a:xfrm>
-        </p:spPr>
-        <p:txBody>
-          <a:bodyPr anchor="b"/>
-          <a:lstStyle>
-            <a:lvl1pPr>
-              <a:defRPr sz="3200"/>
-            </a:lvl1pPr>
-          </a:lstStyle>
-          <a:p>
-            <a:r>
-              <a:rPr lang="en-US"/>
-              <a:t>Click to edit Master title style</a:t>
-            </a:r>
-          </a:p>
-        </p:txBody>
-      </p:sp>
-      <p:sp>
-        <p:nvSpPr>
-          <p:cNvPr id="3" name="Content Placeholder 2">
-            <a:extLst>
-              <a:ext uri="{FF2B5EF4-FFF2-40B4-BE49-F238E27FC236}">
-                <a16:creationId xmlns:a16="http://schemas.microsoft.com/office/drawing/2014/main" id="{642276B3-FB76-F847-A4BA-C9B293389B44}"/>
-              </a:ext>
-            </a:extLst>
-          </p:cNvPr>
-          <p:cNvSpPr>
-            <a:spLocks noGrp="1"/>
-          </p:cNvSpPr>
-          <p:nvPr>
-            <p:ph idx="1"/>
-          </p:nvPr>
-        </p:nvSpPr>
-        <p:spPr>
-          <a:xfrm>
-            <a:off x="5183188" y="987425"/>
-            <a:ext cx="6172200" cy="4873625"/>
-          </a:xfrm>
-        </p:spPr>
-        <p:txBody>
-          <a:bodyPr/>
-          <a:lstStyle>
-            <a:lvl1pPr>
-              <a:defRPr sz="3200"/>
-            </a:lvl1pPr>
-            <a:lvl2pPr>
-              <a:defRPr sz="2800"/>
-            </a:lvl2pPr>
-            <a:lvl3pPr>
-              <a:defRPr sz="2400"/>
-            </a:lvl3pPr>
-            <a:lvl4pPr>
-              <a:defRPr sz="2000"/>
-            </a:lvl4pPr>
-            <a:lvl5pPr>
-              <a:defRPr sz="2000"/>
-            </a:lvl5pPr>
-            <a:lvl6pPr>
-              <a:defRPr sz="2000"/>
-            </a:lvl6pPr>
-            <a:lvl7pPr>
-              <a:defRPr sz="2000"/>
-            </a:lvl7pPr>
-            <a:lvl8pPr>
-              <a:defRPr sz="2000"/>
-            </a:lvl8pPr>
-            <a:lvl9pPr>
-              <a:defRPr sz="2000"/>
-            </a:lvl9pPr>
-          </a:lstStyle>
-          <a:p>
-            <a:pPr lvl="0"/>
-            <a:r>
-              <a:rPr lang="en-US"/>
-              <a:t>Edit Master text styles</a:t>
-            </a:r>
-          </a:p>
-          <a:p>
-            <a:pPr lvl="1"/>
-            <a:r>
-              <a:rPr lang="en-US"/>
-              <a:t>Second level</a:t>
-            </a:r>
-          </a:p>
-          <a:p>
-            <a:pPr lvl="2"/>
-            <a:r>
-              <a:rPr lang="en-US"/>
-              <a:t>Third level</a:t>
-            </a:r>
-          </a:p>
-          <a:p>
-            <a:pPr lvl="3"/>
-            <a:r>
-              <a:rPr lang="en-US"/>
-              <a:t>Fourth level</a:t>
-            </a:r>
-          </a:p>
-          <a:p>
-            <a:pPr lvl="4"/>
-            <a:r>
-              <a:rPr lang="en-US"/>
-              <a:t>Fifth level</a:t>
-            </a:r>
-          </a:p>
-        </p:txBody>
-      </p:sp>
-      <p:sp>
-        <p:nvSpPr>
-          <p:cNvPr id="4" name="Text Placeholder 3">
-            <a:extLst>
-              <a:ext uri="{FF2B5EF4-FFF2-40B4-BE49-F238E27FC236}">
-                <a16:creationId xmlns:a16="http://schemas.microsoft.com/office/drawing/2014/main" id="{F63103DB-251E-7F47-A645-0FDAFF6E6E0B}"/>
-              </a:ext>
-            </a:extLst>
-          </p:cNvPr>
-          <p:cNvSpPr>
-            <a:spLocks noGrp="1"/>
-          </p:cNvSpPr>
-          <p:nvPr>
-            <p:ph type="body" sz="half" idx="2"/>
-          </p:nvPr>
-        </p:nvSpPr>
-        <p:spPr>
-          <a:xfrm>
-            <a:off x="839788" y="2057400"/>
-            <a:ext cx="3932237" cy="3811588"/>
-          </a:xfrm>
-        </p:spPr>
-        <p:txBody>
-          <a:bodyPr/>
-          <a:lstStyle>
-            <a:lvl1pPr marL="0" indent="0">
-              <a:buNone/>
-              <a:defRPr sz="1600"/>
-            </a:lvl1pPr>
-            <a:lvl2pPr marL="457200" indent="0">
-              <a:buNone/>
-              <a:defRPr sz="1400"/>
-            </a:lvl2pPr>
-            <a:lvl3pPr marL="914400" indent="0">
-              <a:buNone/>
-              <a:defRPr sz="1200"/>
-            </a:lvl3pPr>
-            <a:lvl4pPr marL="1371600" indent="0">
-              <a:buNone/>
-              <a:defRPr sz="1000"/>
-            </a:lvl4pPr>
-            <a:lvl5pPr marL="1828800" indent="0">
-              <a:buNone/>
-              <a:defRPr sz="1000"/>
-            </a:lvl5pPr>
-            <a:lvl6pPr marL="2286000" indent="0">
-              <a:buNone/>
-              <a:defRPr sz="1000"/>
-            </a:lvl6pPr>
-            <a:lvl7pPr marL="2743200" indent="0">
-              <a:buNone/>
-              <a:defRPr sz="1000"/>
-            </a:lvl7pPr>
-            <a:lvl8pPr marL="3200400" indent="0">
-              <a:buNone/>
-              <a:defRPr sz="1000"/>
-            </a:lvl8pPr>
-            <a:lvl9pPr marL="3657600" indent="0">
-              <a:buNone/>
-              <a:defRPr sz="1000"/>
-            </a:lvl9pPr>
-          </a:lstStyle>
-          <a:p>
-            <a:pPr lvl="0"/>
-            <a:r>
-              <a:rPr lang="en-US"/>
-              <a:t>Edit Master text styles</a:t>
-            </a:r>
-          </a:p>
-        </p:txBody>
-      </p:sp>
-      <p:sp>
-        <p:nvSpPr>
-          <p:cNvPr id="7" name="Slide Number Placeholder 6">
-            <a:extLst>
-              <a:ext uri="{FF2B5EF4-FFF2-40B4-BE49-F238E27FC236}">
-                <a16:creationId xmlns:a16="http://schemas.microsoft.com/office/drawing/2014/main" id="{3BCAFAD0-D61F-3F4F-8E0D-9A64CA7C4640}"/>
-              </a:ext>
-            </a:extLst>
-          </p:cNvPr>
-          <p:cNvSpPr>
-            <a:spLocks noGrp="1"/>
-          </p:cNvSpPr>
-          <p:nvPr>
-            <p:ph type="sldNum" sz="quarter" idx="12"/>
-          </p:nvPr>
-        </p:nvSpPr>
-        <p:spPr/>
-        <p:txBody>
-          <a:bodyPr/>
-          <a:lstStyle/>
-          <a:p>
-            <a:fld id="{0B973F48-4628-F846-BA33-DDE653D83577}" type="slidenum">
-              <a:rPr lang="en-US" smtClean="0"/>
-              <a:t>‹#›</a:t>
-            </a:fld>
-            <a:endParaRPr lang="en-US"/>
-          </a:p>
-        </p:txBody>
-      </p:sp>
-    </p:spTree>
-    <p:extLst>
-      <p:ext uri="{BB962C8B-B14F-4D97-AF65-F5344CB8AC3E}">
-        <p14:creationId xmlns:p14="http://schemas.microsoft.com/office/powerpoint/2010/main" val="2173381002"/>
-      </p:ext>
-    </p:extLst>
-  </p:cSld>
-  <p:clrMapOvr>
-    <a:masterClrMapping/>
-  </p:clrMapOvr>
-</p:sldLayout>
-</file>
-
-<file path=ppt/slideLayouts/slideLayout9.xml><?xml version="1.0" encoding="utf-8"?>
-<p:sldLayout xmlns:a="http://schemas.openxmlformats.org/drawingml/2006/main" xmlns:r="http://schemas.openxmlformats.org/officeDocument/2006/relationships" xmlns:p="http://schemas.openxmlformats.org/presentationml/2006/main" type="picTx" preserve="1">
-  <p:cSld name="Picture with Caption">
-    <p:spTree>
-      <p:nvGrpSpPr>
-        <p:cNvPr id="1" name=""/>
-        <p:cNvGrpSpPr/>
-        <p:nvPr/>
-      </p:nvGrpSpPr>
-      <p:grpSpPr>
-        <a:xfrm>
-          <a:off x="0" y="0"/>
-          <a:ext cx="0" cy="0"/>
-          <a:chOff x="0" y="0"/>
-          <a:chExt cx="0" cy="0"/>
-        </a:xfrm>
-      </p:grpSpPr>
-      <p:sp>
-        <p:nvSpPr>
-          <p:cNvPr id="2" name="Title 1">
-            <a:extLst>
-              <a:ext uri="{FF2B5EF4-FFF2-40B4-BE49-F238E27FC236}">
-                <a16:creationId xmlns:a16="http://schemas.microsoft.com/office/drawing/2014/main" id="{F7FBD490-1952-7643-90D4-C4F4ABC93F16}"/>
-              </a:ext>
-            </a:extLst>
-          </p:cNvPr>
-          <p:cNvSpPr>
-            <a:spLocks noGrp="1"/>
-          </p:cNvSpPr>
-          <p:nvPr>
-            <p:ph type="title"/>
-          </p:nvPr>
-        </p:nvSpPr>
-        <p:spPr>
-          <a:xfrm>
-            <a:off x="839788" y="457200"/>
-            <a:ext cx="3932237" cy="1600200"/>
-          </a:xfrm>
-        </p:spPr>
-        <p:txBody>
-          <a:bodyPr anchor="b"/>
-          <a:lstStyle>
-            <a:lvl1pPr>
-              <a:defRPr sz="3200"/>
-            </a:lvl1pPr>
-          </a:lstStyle>
-          <a:p>
-            <a:r>
-              <a:rPr lang="en-US"/>
-              <a:t>Click to edit Master title style</a:t>
-            </a:r>
-          </a:p>
-        </p:txBody>
-      </p:sp>
-      <p:sp>
-        <p:nvSpPr>
-          <p:cNvPr id="3" name="Picture Placeholder 2">
-            <a:extLst>
-              <a:ext uri="{FF2B5EF4-FFF2-40B4-BE49-F238E27FC236}">
-                <a16:creationId xmlns:a16="http://schemas.microsoft.com/office/drawing/2014/main" id="{FF02CD42-FD12-614D-A8C6-FBB652E2B9C4}"/>
-              </a:ext>
-            </a:extLst>
-          </p:cNvPr>
-          <p:cNvSpPr>
-            <a:spLocks noGrp="1"/>
-          </p:cNvSpPr>
-          <p:nvPr>
-            <p:ph type="pic" idx="1"/>
-          </p:nvPr>
-        </p:nvSpPr>
-        <p:spPr>
-          <a:xfrm>
-            <a:off x="5183188" y="987425"/>
-            <a:ext cx="6172200" cy="4873625"/>
-          </a:xfrm>
-        </p:spPr>
-        <p:txBody>
-          <a:bodyPr/>
-          <a:lstStyle>
-            <a:lvl1pPr marL="0" indent="0">
-              <a:buNone/>
-              <a:defRPr sz="3200"/>
-            </a:lvl1pPr>
-            <a:lvl2pPr marL="457200" indent="0">
-              <a:buNone/>
-              <a:defRPr sz="2800"/>
-            </a:lvl2pPr>
-            <a:lvl3pPr marL="914400" indent="0">
-              <a:buNone/>
-              <a:defRPr sz="2400"/>
-            </a:lvl3pPr>
-            <a:lvl4pPr marL="1371600" indent="0">
-              <a:buNone/>
-              <a:defRPr sz="2000"/>
-            </a:lvl4pPr>
-            <a:lvl5pPr marL="1828800" indent="0">
-              <a:buNone/>
-              <a:defRPr sz="2000"/>
-            </a:lvl5pPr>
-            <a:lvl6pPr marL="2286000" indent="0">
-              <a:buNone/>
-              <a:defRPr sz="2000"/>
-            </a:lvl6pPr>
-            <a:lvl7pPr marL="2743200" indent="0">
-              <a:buNone/>
-              <a:defRPr sz="2000"/>
-            </a:lvl7pPr>
-            <a:lvl8pPr marL="3200400" indent="0">
-              <a:buNone/>
-              <a:defRPr sz="2000"/>
-            </a:lvl8pPr>
-            <a:lvl9pPr marL="3657600" indent="0">
-              <a:buNone/>
-              <a:defRPr sz="2000"/>
-            </a:lvl9pPr>
-          </a:lstStyle>
-          <a:p>
-            <a:endParaRPr lang="en-US"/>
-          </a:p>
-        </p:txBody>
-      </p:sp>
-      <p:sp>
-        <p:nvSpPr>
-          <p:cNvPr id="4" name="Text Placeholder 3">
-            <a:extLst>
-              <a:ext uri="{FF2B5EF4-FFF2-40B4-BE49-F238E27FC236}">
-                <a16:creationId xmlns:a16="http://schemas.microsoft.com/office/drawing/2014/main" id="{A26E1892-E1D1-5447-8C1E-BFD3993A1D59}"/>
-              </a:ext>
-            </a:extLst>
-          </p:cNvPr>
-          <p:cNvSpPr>
-            <a:spLocks noGrp="1"/>
-          </p:cNvSpPr>
-          <p:nvPr>
-            <p:ph type="body" sz="half" idx="2"/>
-          </p:nvPr>
-        </p:nvSpPr>
-        <p:spPr>
-          <a:xfrm>
-            <a:off x="839788" y="2057400"/>
-            <a:ext cx="3932237" cy="3811588"/>
-          </a:xfrm>
-        </p:spPr>
-        <p:txBody>
-          <a:bodyPr/>
-          <a:lstStyle>
-            <a:lvl1pPr marL="0" indent="0">
-              <a:buNone/>
-              <a:defRPr sz="1600"/>
-            </a:lvl1pPr>
-            <a:lvl2pPr marL="457200" indent="0">
-              <a:buNone/>
-              <a:defRPr sz="1400"/>
-            </a:lvl2pPr>
-            <a:lvl3pPr marL="914400" indent="0">
-              <a:buNone/>
-              <a:defRPr sz="1200"/>
-            </a:lvl3pPr>
-            <a:lvl4pPr marL="1371600" indent="0">
-              <a:buNone/>
-              <a:defRPr sz="1000"/>
-            </a:lvl4pPr>
-            <a:lvl5pPr marL="1828800" indent="0">
-              <a:buNone/>
-              <a:defRPr sz="1000"/>
-            </a:lvl5pPr>
-            <a:lvl6pPr marL="2286000" indent="0">
-              <a:buNone/>
-              <a:defRPr sz="1000"/>
-            </a:lvl6pPr>
-            <a:lvl7pPr marL="2743200" indent="0">
-              <a:buNone/>
-              <a:defRPr sz="1000"/>
-            </a:lvl7pPr>
-            <a:lvl8pPr marL="3200400" indent="0">
-              <a:buNone/>
-              <a:defRPr sz="1000"/>
-            </a:lvl8pPr>
-            <a:lvl9pPr marL="3657600" indent="0">
-              <a:buNone/>
-              <a:defRPr sz="1000"/>
-            </a:lvl9pPr>
-          </a:lstStyle>
-          <a:p>
-            <a:pPr lvl="0"/>
-            <a:r>
-              <a:rPr lang="en-US"/>
-              <a:t>Edit Master text styles</a:t>
-            </a:r>
-          </a:p>
-        </p:txBody>
-      </p:sp>
-      <p:sp>
-        <p:nvSpPr>
-          <p:cNvPr id="7" name="Slide Number Placeholder 6">
-            <a:extLst>
-              <a:ext uri="{FF2B5EF4-FFF2-40B4-BE49-F238E27FC236}">
-                <a16:creationId xmlns:a16="http://schemas.microsoft.com/office/drawing/2014/main" id="{7E12F28C-AB7A-EF4C-84CD-F4B5CE4282E4}"/>
-              </a:ext>
-            </a:extLst>
-          </p:cNvPr>
-          <p:cNvSpPr>
-            <a:spLocks noGrp="1"/>
-          </p:cNvSpPr>
-          <p:nvPr>
-            <p:ph type="sldNum" sz="quarter" idx="12"/>
-          </p:nvPr>
-        </p:nvSpPr>
-        <p:spPr/>
-        <p:txBody>
-          <a:bodyPr/>
-          <a:lstStyle/>
-          <a:p>
-            <a:fld id="{0B973F48-4628-F846-BA33-DDE653D83577}" type="slidenum">
-              <a:rPr lang="en-US" smtClean="0"/>
-              <a:t>‹#›</a:t>
-            </a:fld>
-            <a:endParaRPr lang="en-US"/>
-          </a:p>
-        </p:txBody>
-      </p:sp>
-    </p:spTree>
-    <p:extLst>
-      <p:ext uri="{BB962C8B-B14F-4D97-AF65-F5344CB8AC3E}">
-        <p14:creationId xmlns:p14="http://schemas.microsoft.com/office/powerpoint/2010/main" val="3724992320"/>
-      </p:ext>
-    </p:extLst>
-  </p:cSld>
-  <p:clrMapOvr>
-    <a:masterClrMapping/>
-  </p:clrMapOvr>
-</p:sldLayout>
-</file>
-
 <file path=ppt/slideMasters/slideMaster1.xml><?xml version="1.0" encoding="utf-8"?>
 <p:sldMaster xmlns:a="http://schemas.openxmlformats.org/drawingml/2006/main" xmlns:r="http://schemas.openxmlformats.org/officeDocument/2006/relationships" xmlns:p="http://schemas.openxmlformats.org/presentationml/2006/main">
   <p:cSld>
@@ -8083,1010 +5927,6 @@
                 <a:latin typeface="Calibri" charset="0"/>
                 <a:cs typeface="Calibri" charset="0"/>
               </a:rPr>
-              <a:t>Module 8</a:t>
-            </a:r>
-          </a:p>
-        </p:txBody>
-      </p:sp>
-      <p:sp>
-        <p:nvSpPr>
-          <p:cNvPr id="12" name="TextBox 11">
-            <a:extLst>
-              <a:ext uri="{FF2B5EF4-FFF2-40B4-BE49-F238E27FC236}">
-                <a16:creationId xmlns:a16="http://schemas.microsoft.com/office/drawing/2014/main" id="{8EB12434-FD9E-4242-B813-5136B9D05A8A}"/>
-              </a:ext>
-            </a:extLst>
-          </p:cNvPr>
-          <p:cNvSpPr txBox="1"/>
-          <p:nvPr userDrawn="1"/>
-        </p:nvSpPr>
-        <p:spPr>
-          <a:xfrm>
-            <a:off x="9639300" y="6400800"/>
-            <a:ext cx="2362200" cy="457200"/>
-          </a:xfrm>
-          <a:prstGeom prst="rect">
-            <a:avLst/>
-          </a:prstGeom>
-          <a:noFill/>
-        </p:spPr>
-        <p:txBody>
-          <a:bodyPr>
-            <a:spAutoFit/>
-          </a:bodyPr>
-          <a:lstStyle>
-            <a:lvl1pPr eaLnBrk="0" hangingPunct="0">
-              <a:defRPr sz="2400">
-                <a:solidFill>
-                  <a:schemeClr val="tx1"/>
-                </a:solidFill>
-                <a:latin typeface="Arial" charset="0"/>
-                <a:ea typeface="ＭＳ Ｐゴシック" charset="0"/>
-                <a:cs typeface="ＭＳ Ｐゴシック" charset="0"/>
-              </a:defRPr>
-            </a:lvl1pPr>
-            <a:lvl2pPr marL="37931725" indent="-37474525" eaLnBrk="0" hangingPunct="0">
-              <a:defRPr sz="2400">
-                <a:solidFill>
-                  <a:schemeClr val="tx1"/>
-                </a:solidFill>
-                <a:latin typeface="Arial" charset="0"/>
-                <a:ea typeface="ＭＳ Ｐゴシック" charset="0"/>
-              </a:defRPr>
-            </a:lvl2pPr>
-            <a:lvl3pPr eaLnBrk="0" hangingPunct="0">
-              <a:defRPr sz="2400">
-                <a:solidFill>
-                  <a:schemeClr val="tx1"/>
-                </a:solidFill>
-                <a:latin typeface="Arial" charset="0"/>
-                <a:ea typeface="ＭＳ Ｐゴシック" charset="0"/>
-              </a:defRPr>
-            </a:lvl3pPr>
-            <a:lvl4pPr eaLnBrk="0" hangingPunct="0">
-              <a:defRPr sz="2400">
-                <a:solidFill>
-                  <a:schemeClr val="tx1"/>
-                </a:solidFill>
-                <a:latin typeface="Arial" charset="0"/>
-                <a:ea typeface="ＭＳ Ｐゴシック" charset="0"/>
-              </a:defRPr>
-            </a:lvl4pPr>
-            <a:lvl5pPr eaLnBrk="0" hangingPunct="0">
-              <a:defRPr sz="2400">
-                <a:solidFill>
-                  <a:schemeClr val="tx1"/>
-                </a:solidFill>
-                <a:latin typeface="Arial" charset="0"/>
-                <a:ea typeface="ＭＳ Ｐゴシック" charset="0"/>
-              </a:defRPr>
-            </a:lvl5pPr>
-            <a:lvl6pPr marL="457200" eaLnBrk="0" fontAlgn="base" hangingPunct="0">
-              <a:spcBef>
-                <a:spcPct val="0"/>
-              </a:spcBef>
-              <a:spcAft>
-                <a:spcPct val="0"/>
-              </a:spcAft>
-              <a:defRPr sz="2400">
-                <a:solidFill>
-                  <a:schemeClr val="tx1"/>
-                </a:solidFill>
-                <a:latin typeface="Arial" charset="0"/>
-                <a:ea typeface="ＭＳ Ｐゴシック" charset="0"/>
-              </a:defRPr>
-            </a:lvl6pPr>
-            <a:lvl7pPr marL="914400" eaLnBrk="0" fontAlgn="base" hangingPunct="0">
-              <a:spcBef>
-                <a:spcPct val="0"/>
-              </a:spcBef>
-              <a:spcAft>
-                <a:spcPct val="0"/>
-              </a:spcAft>
-              <a:defRPr sz="2400">
-                <a:solidFill>
-                  <a:schemeClr val="tx1"/>
-                </a:solidFill>
-                <a:latin typeface="Arial" charset="0"/>
-                <a:ea typeface="ＭＳ Ｐゴシック" charset="0"/>
-              </a:defRPr>
-            </a:lvl7pPr>
-            <a:lvl8pPr marL="1371600" eaLnBrk="0" fontAlgn="base" hangingPunct="0">
-              <a:spcBef>
-                <a:spcPct val="0"/>
-              </a:spcBef>
-              <a:spcAft>
-                <a:spcPct val="0"/>
-              </a:spcAft>
-              <a:defRPr sz="2400">
-                <a:solidFill>
-                  <a:schemeClr val="tx1"/>
-                </a:solidFill>
-                <a:latin typeface="Arial" charset="0"/>
-                <a:ea typeface="ＭＳ Ｐゴシック" charset="0"/>
-              </a:defRPr>
-            </a:lvl8pPr>
-            <a:lvl9pPr marL="1828800" eaLnBrk="0" fontAlgn="base" hangingPunct="0">
-              <a:spcBef>
-                <a:spcPct val="0"/>
-              </a:spcBef>
-              <a:spcAft>
-                <a:spcPct val="0"/>
-              </a:spcAft>
-              <a:defRPr sz="2400">
-                <a:solidFill>
-                  <a:schemeClr val="tx1"/>
-                </a:solidFill>
-                <a:latin typeface="Arial" charset="0"/>
-                <a:ea typeface="ＭＳ Ｐゴシック" charset="0"/>
-              </a:defRPr>
-            </a:lvl9pPr>
-          </a:lstStyle>
-          <a:p>
-            <a:pPr algn="r" eaLnBrk="1" hangingPunct="1">
-              <a:defRPr/>
-            </a:pPr>
-            <a:r>
-              <a:rPr lang="en-US" b="1" dirty="0" err="1">
-                <a:cs typeface="Arial" charset="0"/>
-              </a:rPr>
-              <a:t>rnabio.org</a:t>
-            </a:r>
-            <a:endParaRPr lang="en-US" dirty="0">
-              <a:cs typeface="Arial" charset="0"/>
-            </a:endParaRPr>
-          </a:p>
-        </p:txBody>
-      </p:sp>
-    </p:spTree>
-    <p:extLst>
-      <p:ext uri="{BB962C8B-B14F-4D97-AF65-F5344CB8AC3E}">
-        <p14:creationId xmlns:p14="http://schemas.microsoft.com/office/powerpoint/2010/main" val="1137247984"/>
-      </p:ext>
-    </p:extLst>
-  </p:cSld>
-  <p:clrMap bg1="lt1" tx1="dk1" bg2="lt2" tx2="dk2" accent1="accent1" accent2="accent2" accent3="accent3" accent4="accent4" accent5="accent5" accent6="accent6" hlink="hlink" folHlink="folHlink"/>
-  <p:sldLayoutIdLst>
-    <p:sldLayoutId id="2147483661" r:id="rId1"/>
-    <p:sldLayoutId id="2147483662" r:id="rId2"/>
-    <p:sldLayoutId id="2147483663" r:id="rId3"/>
-    <p:sldLayoutId id="2147483664" r:id="rId4"/>
-    <p:sldLayoutId id="2147483665" r:id="rId5"/>
-    <p:sldLayoutId id="2147483666" r:id="rId6"/>
-    <p:sldLayoutId id="2147483667" r:id="rId7"/>
-    <p:sldLayoutId id="2147483668" r:id="rId8"/>
-    <p:sldLayoutId id="2147483669" r:id="rId9"/>
-    <p:sldLayoutId id="2147483670" r:id="rId10"/>
-    <p:sldLayoutId id="2147483671" r:id="rId11"/>
-    <p:sldLayoutId id="2147483672" r:id="rId12"/>
-    <p:sldLayoutId id="2147483673" r:id="rId13"/>
-  </p:sldLayoutIdLst>
-  <p:txStyles>
-    <p:titleStyle>
-      <a:lvl1pPr algn="l" defTabSz="914400" rtl="0" eaLnBrk="1" latinLnBrk="0" hangingPunct="1">
-        <a:lnSpc>
-          <a:spcPct val="90000"/>
-        </a:lnSpc>
-        <a:spcBef>
-          <a:spcPct val="0"/>
-        </a:spcBef>
-        <a:buNone/>
-        <a:defRPr sz="4400" kern="1200">
-          <a:solidFill>
-            <a:schemeClr val="tx1"/>
-          </a:solidFill>
-          <a:latin typeface="+mj-lt"/>
-          <a:ea typeface="+mj-ea"/>
-          <a:cs typeface="+mj-cs"/>
-        </a:defRPr>
-      </a:lvl1pPr>
-    </p:titleStyle>
-    <p:bodyStyle>
-      <a:lvl1pPr marL="228600" indent="-228600" algn="l" defTabSz="914400" rtl="0" eaLnBrk="1" latinLnBrk="0" hangingPunct="1">
-        <a:lnSpc>
-          <a:spcPct val="90000"/>
-        </a:lnSpc>
-        <a:spcBef>
-          <a:spcPts val="1000"/>
-        </a:spcBef>
-        <a:buFont typeface="Arial" panose="020B0604020202020204" pitchFamily="34" charset="0"/>
-        <a:buChar char="•"/>
-        <a:defRPr sz="2800" kern="1200">
-          <a:solidFill>
-            <a:schemeClr val="tx1"/>
-          </a:solidFill>
-          <a:latin typeface="+mn-lt"/>
-          <a:ea typeface="+mn-ea"/>
-          <a:cs typeface="+mn-cs"/>
-        </a:defRPr>
-      </a:lvl1pPr>
-      <a:lvl2pPr marL="685800" indent="-228600" algn="l" defTabSz="914400" rtl="0" eaLnBrk="1" latinLnBrk="0" hangingPunct="1">
-        <a:lnSpc>
-          <a:spcPct val="90000"/>
-        </a:lnSpc>
-        <a:spcBef>
-          <a:spcPts val="500"/>
-        </a:spcBef>
-        <a:buFont typeface="Arial" panose="020B0604020202020204" pitchFamily="34" charset="0"/>
-        <a:buChar char="•"/>
-        <a:defRPr sz="2400" kern="1200">
-          <a:solidFill>
-            <a:schemeClr val="tx1"/>
-          </a:solidFill>
-          <a:latin typeface="+mn-lt"/>
-          <a:ea typeface="+mn-ea"/>
-          <a:cs typeface="+mn-cs"/>
-        </a:defRPr>
-      </a:lvl2pPr>
-      <a:lvl3pPr marL="1143000" indent="-228600" algn="l" defTabSz="914400" rtl="0" eaLnBrk="1" latinLnBrk="0" hangingPunct="1">
-        <a:lnSpc>
-          <a:spcPct val="90000"/>
-        </a:lnSpc>
-        <a:spcBef>
-          <a:spcPts val="500"/>
-        </a:spcBef>
-        <a:buFont typeface="Arial" panose="020B0604020202020204" pitchFamily="34" charset="0"/>
-        <a:buChar char="•"/>
-        <a:defRPr sz="2000" kern="1200">
-          <a:solidFill>
-            <a:schemeClr val="tx1"/>
-          </a:solidFill>
-          <a:latin typeface="+mn-lt"/>
-          <a:ea typeface="+mn-ea"/>
-          <a:cs typeface="+mn-cs"/>
-        </a:defRPr>
-      </a:lvl3pPr>
-      <a:lvl4pPr marL="1600200" indent="-228600" algn="l" defTabSz="914400" rtl="0" eaLnBrk="1" latinLnBrk="0" hangingPunct="1">
-        <a:lnSpc>
-          <a:spcPct val="90000"/>
-        </a:lnSpc>
-        <a:spcBef>
-          <a:spcPts val="500"/>
-        </a:spcBef>
-        <a:buFont typeface="Arial" panose="020B0604020202020204" pitchFamily="34" charset="0"/>
-        <a:buChar char="•"/>
-        <a:defRPr sz="1800" kern="1200">
-          <a:solidFill>
-            <a:schemeClr val="tx1"/>
-          </a:solidFill>
-          <a:latin typeface="+mn-lt"/>
-          <a:ea typeface="+mn-ea"/>
-          <a:cs typeface="+mn-cs"/>
-        </a:defRPr>
-      </a:lvl4pPr>
-      <a:lvl5pPr marL="2057400" indent="-228600" algn="l" defTabSz="914400" rtl="0" eaLnBrk="1" latinLnBrk="0" hangingPunct="1">
-        <a:lnSpc>
-          <a:spcPct val="90000"/>
-        </a:lnSpc>
-        <a:spcBef>
-          <a:spcPts val="500"/>
-        </a:spcBef>
-        <a:buFont typeface="Arial" panose="020B0604020202020204" pitchFamily="34" charset="0"/>
-        <a:buChar char="•"/>
-        <a:defRPr sz="1800" kern="1200">
-          <a:solidFill>
-            <a:schemeClr val="tx1"/>
-          </a:solidFill>
-          <a:latin typeface="+mn-lt"/>
-          <a:ea typeface="+mn-ea"/>
-          <a:cs typeface="+mn-cs"/>
-        </a:defRPr>
-      </a:lvl5pPr>
-      <a:lvl6pPr marL="2514600" indent="-228600" algn="l" defTabSz="914400" rtl="0" eaLnBrk="1" latinLnBrk="0" hangingPunct="1">
-        <a:lnSpc>
-          <a:spcPct val="90000"/>
-        </a:lnSpc>
-        <a:spcBef>
-          <a:spcPts val="500"/>
-        </a:spcBef>
-        <a:buFont typeface="Arial" panose="020B0604020202020204" pitchFamily="34" charset="0"/>
-        <a:buChar char="•"/>
-        <a:defRPr sz="1800" kern="1200">
-          <a:solidFill>
-            <a:schemeClr val="tx1"/>
-          </a:solidFill>
-          <a:latin typeface="+mn-lt"/>
-          <a:ea typeface="+mn-ea"/>
-          <a:cs typeface="+mn-cs"/>
-        </a:defRPr>
-      </a:lvl6pPr>
-      <a:lvl7pPr marL="2971800" indent="-228600" algn="l" defTabSz="914400" rtl="0" eaLnBrk="1" latinLnBrk="0" hangingPunct="1">
-        <a:lnSpc>
-          <a:spcPct val="90000"/>
-        </a:lnSpc>
-        <a:spcBef>
-          <a:spcPts val="500"/>
-        </a:spcBef>
-        <a:buFont typeface="Arial" panose="020B0604020202020204" pitchFamily="34" charset="0"/>
-        <a:buChar char="•"/>
-        <a:defRPr sz="1800" kern="1200">
-          <a:solidFill>
-            <a:schemeClr val="tx1"/>
-          </a:solidFill>
-          <a:latin typeface="+mn-lt"/>
-          <a:ea typeface="+mn-ea"/>
-          <a:cs typeface="+mn-cs"/>
-        </a:defRPr>
-      </a:lvl7pPr>
-      <a:lvl8pPr marL="3429000" indent="-228600" algn="l" defTabSz="914400" rtl="0" eaLnBrk="1" latinLnBrk="0" hangingPunct="1">
-        <a:lnSpc>
-          <a:spcPct val="90000"/>
-        </a:lnSpc>
-        <a:spcBef>
-          <a:spcPts val="500"/>
-        </a:spcBef>
-        <a:buFont typeface="Arial" panose="020B0604020202020204" pitchFamily="34" charset="0"/>
-        <a:buChar char="•"/>
-        <a:defRPr sz="1800" kern="1200">
-          <a:solidFill>
-            <a:schemeClr val="tx1"/>
-          </a:solidFill>
-          <a:latin typeface="+mn-lt"/>
-          <a:ea typeface="+mn-ea"/>
-          <a:cs typeface="+mn-cs"/>
-        </a:defRPr>
-      </a:lvl8pPr>
-      <a:lvl9pPr marL="3886200" indent="-228600" algn="l" defTabSz="914400" rtl="0" eaLnBrk="1" latinLnBrk="0" hangingPunct="1">
-        <a:lnSpc>
-          <a:spcPct val="90000"/>
-        </a:lnSpc>
-        <a:spcBef>
-          <a:spcPts val="500"/>
-        </a:spcBef>
-        <a:buFont typeface="Arial" panose="020B0604020202020204" pitchFamily="34" charset="0"/>
-        <a:buChar char="•"/>
-        <a:defRPr sz="1800" kern="1200">
-          <a:solidFill>
-            <a:schemeClr val="tx1"/>
-          </a:solidFill>
-          <a:latin typeface="+mn-lt"/>
-          <a:ea typeface="+mn-ea"/>
-          <a:cs typeface="+mn-cs"/>
-        </a:defRPr>
-      </a:lvl9pPr>
-    </p:bodyStyle>
-    <p:otherStyle>
-      <a:defPPr>
-        <a:defRPr lang="en-US"/>
-      </a:defPPr>
-      <a:lvl1pPr marL="0" algn="l" defTabSz="914400" rtl="0" eaLnBrk="1" latinLnBrk="0" hangingPunct="1">
-        <a:defRPr sz="1800" kern="1200">
-          <a:solidFill>
-            <a:schemeClr val="tx1"/>
-          </a:solidFill>
-          <a:latin typeface="+mn-lt"/>
-          <a:ea typeface="+mn-ea"/>
-          <a:cs typeface="+mn-cs"/>
-        </a:defRPr>
-      </a:lvl1pPr>
-      <a:lvl2pPr marL="457200" algn="l" defTabSz="914400" rtl="0" eaLnBrk="1" latinLnBrk="0" hangingPunct="1">
-        <a:defRPr sz="1800" kern="1200">
-          <a:solidFill>
-            <a:schemeClr val="tx1"/>
-          </a:solidFill>
-          <a:latin typeface="+mn-lt"/>
-          <a:ea typeface="+mn-ea"/>
-          <a:cs typeface="+mn-cs"/>
-        </a:defRPr>
-      </a:lvl2pPr>
-      <a:lvl3pPr marL="914400" algn="l" defTabSz="914400" rtl="0" eaLnBrk="1" latinLnBrk="0" hangingPunct="1">
-        <a:defRPr sz="1800" kern="1200">
-          <a:solidFill>
-            <a:schemeClr val="tx1"/>
-          </a:solidFill>
-          <a:latin typeface="+mn-lt"/>
-          <a:ea typeface="+mn-ea"/>
-          <a:cs typeface="+mn-cs"/>
-        </a:defRPr>
-      </a:lvl3pPr>
-      <a:lvl4pPr marL="1371600" algn="l" defTabSz="914400" rtl="0" eaLnBrk="1" latinLnBrk="0" hangingPunct="1">
-        <a:defRPr sz="1800" kern="1200">
-          <a:solidFill>
-            <a:schemeClr val="tx1"/>
-          </a:solidFill>
-          <a:latin typeface="+mn-lt"/>
-          <a:ea typeface="+mn-ea"/>
-          <a:cs typeface="+mn-cs"/>
-        </a:defRPr>
-      </a:lvl4pPr>
-      <a:lvl5pPr marL="1828800" algn="l" defTabSz="914400" rtl="0" eaLnBrk="1" latinLnBrk="0" hangingPunct="1">
-        <a:defRPr sz="1800" kern="1200">
-          <a:solidFill>
-            <a:schemeClr val="tx1"/>
-          </a:solidFill>
-          <a:latin typeface="+mn-lt"/>
-          <a:ea typeface="+mn-ea"/>
-          <a:cs typeface="+mn-cs"/>
-        </a:defRPr>
-      </a:lvl5pPr>
-      <a:lvl6pPr marL="2286000" algn="l" defTabSz="914400" rtl="0" eaLnBrk="1" latinLnBrk="0" hangingPunct="1">
-        <a:defRPr sz="1800" kern="1200">
-          <a:solidFill>
-            <a:schemeClr val="tx1"/>
-          </a:solidFill>
-          <a:latin typeface="+mn-lt"/>
-          <a:ea typeface="+mn-ea"/>
-          <a:cs typeface="+mn-cs"/>
-        </a:defRPr>
-      </a:lvl6pPr>
-      <a:lvl7pPr marL="2743200" algn="l" defTabSz="914400" rtl="0" eaLnBrk="1" latinLnBrk="0" hangingPunct="1">
-        <a:defRPr sz="1800" kern="1200">
-          <a:solidFill>
-            <a:schemeClr val="tx1"/>
-          </a:solidFill>
-          <a:latin typeface="+mn-lt"/>
-          <a:ea typeface="+mn-ea"/>
-          <a:cs typeface="+mn-cs"/>
-        </a:defRPr>
-      </a:lvl7pPr>
-      <a:lvl8pPr marL="3200400" algn="l" defTabSz="914400" rtl="0" eaLnBrk="1" latinLnBrk="0" hangingPunct="1">
-        <a:defRPr sz="1800" kern="1200">
-          <a:solidFill>
-            <a:schemeClr val="tx1"/>
-          </a:solidFill>
-          <a:latin typeface="+mn-lt"/>
-          <a:ea typeface="+mn-ea"/>
-          <a:cs typeface="+mn-cs"/>
-        </a:defRPr>
-      </a:lvl8pPr>
-      <a:lvl9pPr marL="3657600" algn="l" defTabSz="914400" rtl="0" eaLnBrk="1" latinLnBrk="0" hangingPunct="1">
-        <a:defRPr sz="1800" kern="1200">
-          <a:solidFill>
-            <a:schemeClr val="tx1"/>
-          </a:solidFill>
-          <a:latin typeface="+mn-lt"/>
-          <a:ea typeface="+mn-ea"/>
-          <a:cs typeface="+mn-cs"/>
-        </a:defRPr>
-      </a:lvl9pPr>
-    </p:otherStyle>
-  </p:txStyles>
-</p:sldMaster>
-</file>
-
-<file path=ppt/slideMasters/slideMaster2.xml><?xml version="1.0" encoding="utf-8"?>
-<p:sldMaster xmlns:a="http://schemas.openxmlformats.org/drawingml/2006/main" xmlns:r="http://schemas.openxmlformats.org/officeDocument/2006/relationships" xmlns:p="http://schemas.openxmlformats.org/presentationml/2006/main">
-  <p:cSld>
-    <p:bg>
-      <p:bgRef idx="1001">
-        <a:schemeClr val="bg1"/>
-      </p:bgRef>
-    </p:bg>
-    <p:spTree>
-      <p:nvGrpSpPr>
-        <p:cNvPr id="1" name=""/>
-        <p:cNvGrpSpPr/>
-        <p:nvPr/>
-      </p:nvGrpSpPr>
-      <p:grpSpPr>
-        <a:xfrm>
-          <a:off x="0" y="0"/>
-          <a:ext cx="0" cy="0"/>
-          <a:chOff x="0" y="0"/>
-          <a:chExt cx="0" cy="0"/>
-        </a:xfrm>
-      </p:grpSpPr>
-      <p:sp>
-        <p:nvSpPr>
-          <p:cNvPr id="2" name="Title Placeholder 1">
-            <a:extLst>
-              <a:ext uri="{FF2B5EF4-FFF2-40B4-BE49-F238E27FC236}">
-                <a16:creationId xmlns:a16="http://schemas.microsoft.com/office/drawing/2014/main" id="{F89B2312-714B-3946-B9BF-1C7B2035B2F5}"/>
-              </a:ext>
-            </a:extLst>
-          </p:cNvPr>
-          <p:cNvSpPr>
-            <a:spLocks noGrp="1"/>
-          </p:cNvSpPr>
-          <p:nvPr>
-            <p:ph type="title"/>
-          </p:nvPr>
-        </p:nvSpPr>
-        <p:spPr>
-          <a:xfrm>
-            <a:off x="838200" y="365125"/>
-            <a:ext cx="10515600" cy="1325563"/>
-          </a:xfrm>
-          <a:prstGeom prst="rect">
-            <a:avLst/>
-          </a:prstGeom>
-        </p:spPr>
-        <p:txBody>
-          <a:bodyPr vert="horz" lIns="91440" tIns="45720" rIns="91440" bIns="45720" rtlCol="0" anchor="ctr">
-            <a:normAutofit/>
-          </a:bodyPr>
-          <a:lstStyle/>
-          <a:p>
-            <a:r>
-              <a:rPr lang="en-US"/>
-              <a:t>Click to edit Master title style</a:t>
-            </a:r>
-          </a:p>
-        </p:txBody>
-      </p:sp>
-      <p:sp>
-        <p:nvSpPr>
-          <p:cNvPr id="3" name="Text Placeholder 2">
-            <a:extLst>
-              <a:ext uri="{FF2B5EF4-FFF2-40B4-BE49-F238E27FC236}">
-                <a16:creationId xmlns:a16="http://schemas.microsoft.com/office/drawing/2014/main" id="{217A4718-D341-5E48-B2F9-56FD8E3EE1C9}"/>
-              </a:ext>
-            </a:extLst>
-          </p:cNvPr>
-          <p:cNvSpPr>
-            <a:spLocks noGrp="1"/>
-          </p:cNvSpPr>
-          <p:nvPr>
-            <p:ph type="body" idx="1"/>
-          </p:nvPr>
-        </p:nvSpPr>
-        <p:spPr>
-          <a:xfrm>
-            <a:off x="838200" y="1825625"/>
-            <a:ext cx="10515600" cy="4351338"/>
-          </a:xfrm>
-          <a:prstGeom prst="rect">
-            <a:avLst/>
-          </a:prstGeom>
-        </p:spPr>
-        <p:txBody>
-          <a:bodyPr vert="horz" lIns="91440" tIns="45720" rIns="91440" bIns="45720" rtlCol="0">
-            <a:normAutofit/>
-          </a:bodyPr>
-          <a:lstStyle/>
-          <a:p>
-            <a:pPr lvl="0"/>
-            <a:r>
-              <a:rPr lang="en-US"/>
-              <a:t>Edit Master text styles</a:t>
-            </a:r>
-          </a:p>
-          <a:p>
-            <a:pPr lvl="1"/>
-            <a:r>
-              <a:rPr lang="en-US"/>
-              <a:t>Second level</a:t>
-            </a:r>
-          </a:p>
-          <a:p>
-            <a:pPr lvl="2"/>
-            <a:r>
-              <a:rPr lang="en-US"/>
-              <a:t>Third level</a:t>
-            </a:r>
-          </a:p>
-          <a:p>
-            <a:pPr lvl="3"/>
-            <a:r>
-              <a:rPr lang="en-US"/>
-              <a:t>Fourth level</a:t>
-            </a:r>
-          </a:p>
-          <a:p>
-            <a:pPr lvl="4"/>
-            <a:r>
-              <a:rPr lang="en-US"/>
-              <a:t>Fifth level</a:t>
-            </a:r>
-          </a:p>
-        </p:txBody>
-      </p:sp>
-      <p:sp>
-        <p:nvSpPr>
-          <p:cNvPr id="6" name="Slide Number Placeholder 5">
-            <a:extLst>
-              <a:ext uri="{FF2B5EF4-FFF2-40B4-BE49-F238E27FC236}">
-                <a16:creationId xmlns:a16="http://schemas.microsoft.com/office/drawing/2014/main" id="{7F50DDCB-DB12-4B4D-B2A3-DF7E27851109}"/>
-              </a:ext>
-            </a:extLst>
-          </p:cNvPr>
-          <p:cNvSpPr>
-            <a:spLocks noGrp="1"/>
-          </p:cNvSpPr>
-          <p:nvPr>
-            <p:ph type="sldNum" sz="quarter" idx="4"/>
-          </p:nvPr>
-        </p:nvSpPr>
-        <p:spPr>
-          <a:xfrm>
-            <a:off x="9448800" y="6065837"/>
-            <a:ext cx="2743200" cy="365125"/>
-          </a:xfrm>
-          <a:prstGeom prst="rect">
-            <a:avLst/>
-          </a:prstGeom>
-        </p:spPr>
-        <p:txBody>
-          <a:bodyPr vert="horz" lIns="91440" tIns="45720" rIns="91440" bIns="45720" rtlCol="0" anchor="ctr"/>
-          <a:lstStyle>
-            <a:lvl1pPr algn="r">
-              <a:defRPr sz="1200">
-                <a:solidFill>
-                  <a:schemeClr val="tx1">
-                    <a:tint val="75000"/>
-                  </a:schemeClr>
-                </a:solidFill>
-              </a:defRPr>
-            </a:lvl1pPr>
-          </a:lstStyle>
-          <a:p>
-            <a:fld id="{0B973F48-4628-F846-BA33-DDE653D83577}" type="slidenum">
-              <a:rPr lang="en-US" smtClean="0"/>
-              <a:t>‹#›</a:t>
-            </a:fld>
-            <a:endParaRPr lang="en-US" dirty="0"/>
-          </a:p>
-        </p:txBody>
-      </p:sp>
-      <p:sp>
-        <p:nvSpPr>
-          <p:cNvPr id="9" name="Slide Number Placeholder 5">
-            <a:extLst>
-              <a:ext uri="{FF2B5EF4-FFF2-40B4-BE49-F238E27FC236}">
-                <a16:creationId xmlns:a16="http://schemas.microsoft.com/office/drawing/2014/main" id="{ABB045D2-645B-C646-BB72-F8DE27472BD5}"/>
-              </a:ext>
-            </a:extLst>
-          </p:cNvPr>
-          <p:cNvSpPr txBox="1">
-            <a:spLocks/>
-          </p:cNvSpPr>
-          <p:nvPr userDrawn="1"/>
-        </p:nvSpPr>
-        <p:spPr>
-          <a:xfrm>
-            <a:off x="6553200" y="6356350"/>
-            <a:ext cx="2133600" cy="365125"/>
-          </a:xfrm>
-          <a:prstGeom prst="rect">
-            <a:avLst/>
-          </a:prstGeom>
-        </p:spPr>
-        <p:txBody>
-          <a:bodyPr vert="horz" wrap="square" lIns="91440" tIns="45720" rIns="91440" bIns="45720" numCol="1" anchor="ctr" anchorCtr="0" compatLnSpc="1">
-            <a:prstTxWarp prst="textNoShape">
-              <a:avLst/>
-            </a:prstTxWarp>
-          </a:bodyPr>
-          <a:lstStyle>
-            <a:defPPr>
-              <a:defRPr lang="en-US"/>
-            </a:defPPr>
-            <a:lvl1pPr marL="0" algn="r" defTabSz="914400" rtl="0" eaLnBrk="1" latinLnBrk="0" hangingPunct="1">
-              <a:defRPr sz="1200" kern="1200">
-                <a:solidFill>
-                  <a:srgbClr val="898989"/>
-                </a:solidFill>
-                <a:latin typeface="Segoe UI" charset="0"/>
-                <a:ea typeface="+mn-ea"/>
-                <a:cs typeface="+mn-cs"/>
-              </a:defRPr>
-            </a:lvl1pPr>
-            <a:lvl2pPr marL="457200" algn="l" defTabSz="914400" rtl="0" eaLnBrk="1" latinLnBrk="0" hangingPunct="1">
-              <a:defRPr sz="1800" kern="1200">
-                <a:solidFill>
-                  <a:schemeClr val="tx1"/>
-                </a:solidFill>
-                <a:latin typeface="+mn-lt"/>
-                <a:ea typeface="+mn-ea"/>
-                <a:cs typeface="+mn-cs"/>
-              </a:defRPr>
-            </a:lvl2pPr>
-            <a:lvl3pPr marL="914400" algn="l" defTabSz="914400" rtl="0" eaLnBrk="1" latinLnBrk="0" hangingPunct="1">
-              <a:defRPr sz="1800" kern="1200">
-                <a:solidFill>
-                  <a:schemeClr val="tx1"/>
-                </a:solidFill>
-                <a:latin typeface="+mn-lt"/>
-                <a:ea typeface="+mn-ea"/>
-                <a:cs typeface="+mn-cs"/>
-              </a:defRPr>
-            </a:lvl3pPr>
-            <a:lvl4pPr marL="1371600" algn="l" defTabSz="914400" rtl="0" eaLnBrk="1" latinLnBrk="0" hangingPunct="1">
-              <a:defRPr sz="1800" kern="1200">
-                <a:solidFill>
-                  <a:schemeClr val="tx1"/>
-                </a:solidFill>
-                <a:latin typeface="+mn-lt"/>
-                <a:ea typeface="+mn-ea"/>
-                <a:cs typeface="+mn-cs"/>
-              </a:defRPr>
-            </a:lvl4pPr>
-            <a:lvl5pPr marL="1828800" algn="l" defTabSz="914400" rtl="0" eaLnBrk="1" latinLnBrk="0" hangingPunct="1">
-              <a:defRPr sz="1800" kern="1200">
-                <a:solidFill>
-                  <a:schemeClr val="tx1"/>
-                </a:solidFill>
-                <a:latin typeface="+mn-lt"/>
-                <a:ea typeface="+mn-ea"/>
-                <a:cs typeface="+mn-cs"/>
-              </a:defRPr>
-            </a:lvl5pPr>
-            <a:lvl6pPr marL="2286000" algn="l" defTabSz="914400" rtl="0" eaLnBrk="1" latinLnBrk="0" hangingPunct="1">
-              <a:defRPr sz="1800" kern="1200">
-                <a:solidFill>
-                  <a:schemeClr val="tx1"/>
-                </a:solidFill>
-                <a:latin typeface="+mn-lt"/>
-                <a:ea typeface="+mn-ea"/>
-                <a:cs typeface="+mn-cs"/>
-              </a:defRPr>
-            </a:lvl6pPr>
-            <a:lvl7pPr marL="2743200" algn="l" defTabSz="914400" rtl="0" eaLnBrk="1" latinLnBrk="0" hangingPunct="1">
-              <a:defRPr sz="1800" kern="1200">
-                <a:solidFill>
-                  <a:schemeClr val="tx1"/>
-                </a:solidFill>
-                <a:latin typeface="+mn-lt"/>
-                <a:ea typeface="+mn-ea"/>
-                <a:cs typeface="+mn-cs"/>
-              </a:defRPr>
-            </a:lvl7pPr>
-            <a:lvl8pPr marL="3200400" algn="l" defTabSz="914400" rtl="0" eaLnBrk="1" latinLnBrk="0" hangingPunct="1">
-              <a:defRPr sz="1800" kern="1200">
-                <a:solidFill>
-                  <a:schemeClr val="tx1"/>
-                </a:solidFill>
-                <a:latin typeface="+mn-lt"/>
-                <a:ea typeface="+mn-ea"/>
-                <a:cs typeface="+mn-cs"/>
-              </a:defRPr>
-            </a:lvl8pPr>
-            <a:lvl9pPr marL="3657600" algn="l" defTabSz="914400" rtl="0" eaLnBrk="1" latinLnBrk="0" hangingPunct="1">
-              <a:defRPr sz="1800" kern="1200">
-                <a:solidFill>
-                  <a:schemeClr val="tx1"/>
-                </a:solidFill>
-                <a:latin typeface="+mn-lt"/>
-                <a:ea typeface="+mn-ea"/>
-                <a:cs typeface="+mn-cs"/>
-              </a:defRPr>
-            </a:lvl9pPr>
-          </a:lstStyle>
-          <a:p>
-            <a:pPr>
-              <a:defRPr/>
-            </a:pPr>
-            <a:fld id="{18C1412E-69E1-864D-A0DF-94DDC7C8003B}" type="slidenum">
-              <a:rPr lang="en-US" smtClean="0"/>
-              <a:pPr>
-                <a:defRPr/>
-              </a:pPr>
-              <a:t>‹#›</a:t>
-            </a:fld>
-            <a:endParaRPr lang="en-US"/>
-          </a:p>
-        </p:txBody>
-      </p:sp>
-      <p:sp>
-        <p:nvSpPr>
-          <p:cNvPr id="10" name="Rectangle 9">
-            <a:extLst>
-              <a:ext uri="{FF2B5EF4-FFF2-40B4-BE49-F238E27FC236}">
-                <a16:creationId xmlns:a16="http://schemas.microsoft.com/office/drawing/2014/main" id="{715CF350-BF31-8549-8FA5-338ED87D9F31}"/>
-              </a:ext>
-            </a:extLst>
-          </p:cNvPr>
-          <p:cNvSpPr/>
-          <p:nvPr userDrawn="1"/>
-        </p:nvSpPr>
-        <p:spPr>
-          <a:xfrm>
-            <a:off x="0" y="6400800"/>
-            <a:ext cx="12192000" cy="457200"/>
-          </a:xfrm>
-          <a:prstGeom prst="rect">
-            <a:avLst/>
-          </a:prstGeom>
-          <a:solidFill>
-            <a:srgbClr val="9A3334"/>
-          </a:solidFill>
-          <a:ln>
-            <a:noFill/>
-          </a:ln>
-        </p:spPr>
-        <p:style>
-          <a:lnRef idx="2">
-            <a:schemeClr val="accent1">
-              <a:shade val="50000"/>
-            </a:schemeClr>
-          </a:lnRef>
-          <a:fillRef idx="1">
-            <a:schemeClr val="accent1"/>
-          </a:fillRef>
-          <a:effectRef idx="0">
-            <a:schemeClr val="accent1"/>
-          </a:effectRef>
-          <a:fontRef idx="minor">
-            <a:schemeClr val="lt1"/>
-          </a:fontRef>
-        </p:style>
-        <p:txBody>
-          <a:bodyPr anchor="ctr"/>
-          <a:lstStyle/>
-          <a:p>
-            <a:pPr algn="ctr" fontAlgn="auto">
-              <a:spcBef>
-                <a:spcPts val="0"/>
-              </a:spcBef>
-              <a:spcAft>
-                <a:spcPts val="0"/>
-              </a:spcAft>
-              <a:defRPr/>
-            </a:pPr>
-            <a:endParaRPr lang="en-US" sz="1800"/>
-          </a:p>
-        </p:txBody>
-      </p:sp>
-      <p:sp>
-        <p:nvSpPr>
-          <p:cNvPr id="11" name="TextBox 10">
-            <a:extLst>
-              <a:ext uri="{FF2B5EF4-FFF2-40B4-BE49-F238E27FC236}">
-                <a16:creationId xmlns:a16="http://schemas.microsoft.com/office/drawing/2014/main" id="{2CE4FBA7-EA83-4B4B-A7C6-F0F5766917AC}"/>
-              </a:ext>
-            </a:extLst>
-          </p:cNvPr>
-          <p:cNvSpPr txBox="1">
-            <a:spLocks noChangeArrowheads="1"/>
-          </p:cNvSpPr>
-          <p:nvPr userDrawn="1"/>
-        </p:nvSpPr>
-        <p:spPr bwMode="auto">
-          <a:xfrm>
-            <a:off x="0" y="6430962"/>
-            <a:ext cx="6705600" cy="396875"/>
-          </a:xfrm>
-          <a:prstGeom prst="rect">
-            <a:avLst/>
-          </a:prstGeom>
-          <a:noFill/>
-          <a:ln>
-            <a:noFill/>
-          </a:ln>
-          <a:extLst>
-            <a:ext uri="{909E8E84-426E-40dd-AFC4-6F175D3DCCD1}">
-              <a14:hiddenFill xmlns="" xmlns:a14="http://schemas.microsoft.com/office/drawing/2010/main">
-                <a:solidFill>
-                  <a:srgbClr val="FFFFFF"/>
-                </a:solidFill>
-              </a14:hiddenFill>
-            </a:ext>
-            <a:ext uri="{91240B29-F687-4f45-9708-019B960494DF}">
-              <a14:hiddenLine xmlns="" xmlns:a14="http://schemas.microsoft.com/office/drawing/2010/main" w="9525">
-                <a:solidFill>
-                  <a:srgbClr val="000000"/>
-                </a:solidFill>
-                <a:miter lim="800000"/>
-                <a:headEnd/>
-                <a:tailEnd/>
-              </a14:hiddenLine>
-            </a:ext>
-          </a:extLst>
-        </p:spPr>
-        <p:txBody>
-          <a:bodyPr>
-            <a:spAutoFit/>
-          </a:bodyPr>
-          <a:lstStyle>
-            <a:lvl1pPr eaLnBrk="0" hangingPunct="0">
-              <a:defRPr sz="2400">
-                <a:solidFill>
-                  <a:schemeClr val="tx1"/>
-                </a:solidFill>
-                <a:latin typeface="Arial" charset="0"/>
-                <a:ea typeface="ＭＳ Ｐゴシック" charset="0"/>
-                <a:cs typeface="ＭＳ Ｐゴシック" charset="0"/>
-              </a:defRPr>
-            </a:lvl1pPr>
-            <a:lvl2pPr marL="742950" indent="-285750" eaLnBrk="0" hangingPunct="0">
-              <a:defRPr sz="2400">
-                <a:solidFill>
-                  <a:schemeClr val="tx1"/>
-                </a:solidFill>
-                <a:latin typeface="Arial" charset="0"/>
-                <a:ea typeface="ＭＳ Ｐゴシック" charset="0"/>
-              </a:defRPr>
-            </a:lvl2pPr>
-            <a:lvl3pPr marL="1143000" indent="-228600" eaLnBrk="0" hangingPunct="0">
-              <a:defRPr sz="2400">
-                <a:solidFill>
-                  <a:schemeClr val="tx1"/>
-                </a:solidFill>
-                <a:latin typeface="Arial" charset="0"/>
-                <a:ea typeface="ＭＳ Ｐゴシック" charset="0"/>
-              </a:defRPr>
-            </a:lvl3pPr>
-            <a:lvl4pPr marL="1600200" indent="-228600" eaLnBrk="0" hangingPunct="0">
-              <a:defRPr sz="2400">
-                <a:solidFill>
-                  <a:schemeClr val="tx1"/>
-                </a:solidFill>
-                <a:latin typeface="Arial" charset="0"/>
-                <a:ea typeface="ＭＳ Ｐゴシック" charset="0"/>
-              </a:defRPr>
-            </a:lvl4pPr>
-            <a:lvl5pPr marL="2057400" indent="-228600" eaLnBrk="0" hangingPunct="0">
-              <a:defRPr sz="2400">
-                <a:solidFill>
-                  <a:schemeClr val="tx1"/>
-                </a:solidFill>
-                <a:latin typeface="Arial" charset="0"/>
-                <a:ea typeface="ＭＳ Ｐゴシック" charset="0"/>
-              </a:defRPr>
-            </a:lvl5pPr>
-            <a:lvl6pPr marL="2514600" indent="-228600" eaLnBrk="0" fontAlgn="base" hangingPunct="0">
-              <a:spcBef>
-                <a:spcPct val="0"/>
-              </a:spcBef>
-              <a:spcAft>
-                <a:spcPct val="0"/>
-              </a:spcAft>
-              <a:defRPr sz="2400">
-                <a:solidFill>
-                  <a:schemeClr val="tx1"/>
-                </a:solidFill>
-                <a:latin typeface="Arial" charset="0"/>
-                <a:ea typeface="ＭＳ Ｐゴシック" charset="0"/>
-              </a:defRPr>
-            </a:lvl6pPr>
-            <a:lvl7pPr marL="2971800" indent="-228600" eaLnBrk="0" fontAlgn="base" hangingPunct="0">
-              <a:spcBef>
-                <a:spcPct val="0"/>
-              </a:spcBef>
-              <a:spcAft>
-                <a:spcPct val="0"/>
-              </a:spcAft>
-              <a:defRPr sz="2400">
-                <a:solidFill>
-                  <a:schemeClr val="tx1"/>
-                </a:solidFill>
-                <a:latin typeface="Arial" charset="0"/>
-                <a:ea typeface="ＭＳ Ｐゴシック" charset="0"/>
-              </a:defRPr>
-            </a:lvl7pPr>
-            <a:lvl8pPr marL="3429000" indent="-228600" eaLnBrk="0" fontAlgn="base" hangingPunct="0">
-              <a:spcBef>
-                <a:spcPct val="0"/>
-              </a:spcBef>
-              <a:spcAft>
-                <a:spcPct val="0"/>
-              </a:spcAft>
-              <a:defRPr sz="2400">
-                <a:solidFill>
-                  <a:schemeClr val="tx1"/>
-                </a:solidFill>
-                <a:latin typeface="Arial" charset="0"/>
-                <a:ea typeface="ＭＳ Ｐゴシック" charset="0"/>
-              </a:defRPr>
-            </a:lvl8pPr>
-            <a:lvl9pPr marL="3886200" indent="-228600" eaLnBrk="0" fontAlgn="base" hangingPunct="0">
-              <a:spcBef>
-                <a:spcPct val="0"/>
-              </a:spcBef>
-              <a:spcAft>
-                <a:spcPct val="0"/>
-              </a:spcAft>
-              <a:defRPr sz="2400">
-                <a:solidFill>
-                  <a:schemeClr val="tx1"/>
-                </a:solidFill>
-                <a:latin typeface="Arial" charset="0"/>
-                <a:ea typeface="ＭＳ Ｐゴシック" charset="0"/>
-              </a:defRPr>
-            </a:lvl9pPr>
-          </a:lstStyle>
-          <a:p>
-            <a:pPr eaLnBrk="1" hangingPunct="1">
-              <a:defRPr/>
-            </a:pPr>
-            <a:r>
-              <a:rPr lang="en-US" sz="2000" b="1" dirty="0">
-                <a:solidFill>
-                  <a:schemeClr val="bg1"/>
-                </a:solidFill>
-                <a:latin typeface="Calibri" charset="0"/>
-                <a:cs typeface="Calibri" charset="0"/>
-              </a:rPr>
               <a:t>Module 2</a:t>
             </a:r>
           </a:p>
@@ -9264,6 +6104,8 @@
     <p:sldLayoutId id="2147483685" r:id="rId11"/>
     <p:sldLayoutId id="2147483686" r:id="rId12"/>
     <p:sldLayoutId id="2147483687" r:id="rId13"/>
+    <p:sldLayoutId id="2147483688" r:id="rId14"/>
+    <p:sldLayoutId id="2147483673" r:id="rId15"/>
   </p:sldLayoutIdLst>
   <p:txStyles>
     <p:titleStyle>
@@ -9655,14 +6497,14 @@
           </a:ln>
           <a:extLst>
             <a:ext uri="{909E8E84-426E-40dd-AFC4-6F175D3DCCD1}">
-              <a14:hiddenFill xmlns:a14="http://schemas.microsoft.com/office/drawing/2010/main" xmlns="">
+              <a14:hiddenFill xmlns="" xmlns:a14="http://schemas.microsoft.com/office/drawing/2010/main">
                 <a:solidFill>
                   <a:srgbClr val="FFFFFF"/>
                 </a:solidFill>
               </a14:hiddenFill>
             </a:ext>
             <a:ext uri="{91240B29-F687-4f45-9708-019B960494DF}">
-              <a14:hiddenLine xmlns:a14="http://schemas.microsoft.com/office/drawing/2010/main" xmlns="" w="9525">
+              <a14:hiddenLine xmlns="" xmlns:a14="http://schemas.microsoft.com/office/drawing/2010/main" w="9525">
                 <a:solidFill>
                   <a:srgbClr val="000000"/>
                 </a:solidFill>
@@ -10391,14 +7233,14 @@
           </a:ln>
           <a:extLst>
             <a:ext uri="{909E8E84-426E-40dd-AFC4-6F175D3DCCD1}">
-              <a14:hiddenFill xmlns:a14="http://schemas.microsoft.com/office/drawing/2010/main" xmlns="">
+              <a14:hiddenFill xmlns="" xmlns:a14="http://schemas.microsoft.com/office/drawing/2010/main">
                 <a:solidFill>
                   <a:srgbClr val="FFFFFF"/>
                 </a:solidFill>
               </a14:hiddenFill>
             </a:ext>
             <a:ext uri="{91240B29-F687-4f45-9708-019B960494DF}">
-              <a14:hiddenLine xmlns:a14="http://schemas.microsoft.com/office/drawing/2010/main" xmlns="" w="9525">
+              <a14:hiddenLine xmlns="" xmlns:a14="http://schemas.microsoft.com/office/drawing/2010/main" w="9525">
                 <a:solidFill>
                   <a:srgbClr val="000000"/>
                 </a:solidFill>
@@ -10810,14 +7652,14 @@
           </a:ln>
           <a:extLst>
             <a:ext uri="{909E8E84-426E-40dd-AFC4-6F175D3DCCD1}">
-              <a14:hiddenFill xmlns:a14="http://schemas.microsoft.com/office/drawing/2010/main" xmlns="">
+              <a14:hiddenFill xmlns="" xmlns:a14="http://schemas.microsoft.com/office/drawing/2010/main">
                 <a:solidFill>
                   <a:srgbClr val="FFFFFF"/>
                 </a:solidFill>
               </a14:hiddenFill>
             </a:ext>
             <a:ext uri="{91240B29-F687-4f45-9708-019B960494DF}">
-              <a14:hiddenLine xmlns:a14="http://schemas.microsoft.com/office/drawing/2010/main" xmlns="" w="9525">
+              <a14:hiddenLine xmlns="" xmlns:a14="http://schemas.microsoft.com/office/drawing/2010/main" w="9525">
                 <a:solidFill>
                   <a:srgbClr val="000000"/>
                 </a:solidFill>
@@ -11289,14 +8131,14 @@
           </a:ln>
           <a:extLst>
             <a:ext uri="{909E8E84-426E-40dd-AFC4-6F175D3DCCD1}">
-              <a14:hiddenFill xmlns:a14="http://schemas.microsoft.com/office/drawing/2010/main" xmlns="">
+              <a14:hiddenFill xmlns="" xmlns:a14="http://schemas.microsoft.com/office/drawing/2010/main">
                 <a:solidFill>
                   <a:srgbClr val="FFFFFF"/>
                 </a:solidFill>
               </a14:hiddenFill>
             </a:ext>
             <a:ext uri="{91240B29-F687-4f45-9708-019B960494DF}">
-              <a14:hiddenLine xmlns:a14="http://schemas.microsoft.com/office/drawing/2010/main" xmlns="" w="9525">
+              <a14:hiddenLine xmlns="" xmlns:a14="http://schemas.microsoft.com/office/drawing/2010/main" w="9525">
                 <a:solidFill>
                   <a:srgbClr val="000000"/>
                 </a:solidFill>
@@ -11758,14 +8600,14 @@
           </a:ln>
           <a:extLst>
             <a:ext uri="{909E8E84-426E-40dd-AFC4-6F175D3DCCD1}">
-              <a14:hiddenFill xmlns:a14="http://schemas.microsoft.com/office/drawing/2010/main" xmlns="">
+              <a14:hiddenFill xmlns="" xmlns:a14="http://schemas.microsoft.com/office/drawing/2010/main">
                 <a:solidFill>
                   <a:srgbClr val="FFFFFF"/>
                 </a:solidFill>
               </a14:hiddenFill>
             </a:ext>
             <a:ext uri="{91240B29-F687-4f45-9708-019B960494DF}">
-              <a14:hiddenLine xmlns:a14="http://schemas.microsoft.com/office/drawing/2010/main" xmlns="" w="9525">
+              <a14:hiddenLine xmlns="" xmlns:a14="http://schemas.microsoft.com/office/drawing/2010/main" w="9525">
                 <a:solidFill>
                   <a:srgbClr val="000000"/>
                 </a:solidFill>
@@ -13117,14 +9959,14 @@
           </a:ln>
           <a:extLst>
             <a:ext uri="{909E8E84-426E-40dd-AFC4-6F175D3DCCD1}">
-              <a14:hiddenFill xmlns:a14="http://schemas.microsoft.com/office/drawing/2010/main" xmlns="">
+              <a14:hiddenFill xmlns="" xmlns:a14="http://schemas.microsoft.com/office/drawing/2010/main">
                 <a:solidFill>
                   <a:srgbClr val="FFFFFF"/>
                 </a:solidFill>
               </a14:hiddenFill>
             </a:ext>
             <a:ext uri="{91240B29-F687-4f45-9708-019B960494DF}">
-              <a14:hiddenLine xmlns:a14="http://schemas.microsoft.com/office/drawing/2010/main" xmlns="" w="9525">
+              <a14:hiddenLine xmlns="" xmlns:a14="http://schemas.microsoft.com/office/drawing/2010/main" w="9525">
                 <a:solidFill>
                   <a:srgbClr val="000000"/>
                 </a:solidFill>
@@ -13134,7 +9976,7 @@
               </a14:hiddenLine>
             </a:ext>
             <a:ext uri="{FAA26D3D-D897-4be2-8F04-BA451C77F1D7}">
-              <ma14:placeholderFlag xmlns:ma14="http://schemas.microsoft.com/office/mac/drawingml/2011/main" xmlns="" val="1"/>
+              <ma14:placeholderFlag xmlns="" xmlns:ma14="http://schemas.microsoft.com/office/mac/drawingml/2011/main" val="1"/>
             </a:ext>
           </a:extLst>
         </p:spPr>
@@ -13174,14 +10016,14 @@
           </a:ln>
           <a:extLst>
             <a:ext uri="{909E8E84-426E-40dd-AFC4-6F175D3DCCD1}">
-              <a14:hiddenFill xmlns:a14="http://schemas.microsoft.com/office/drawing/2010/main" xmlns="">
+              <a14:hiddenFill xmlns="" xmlns:a14="http://schemas.microsoft.com/office/drawing/2010/main">
                 <a:solidFill>
                   <a:srgbClr val="FFFFFF"/>
                 </a:solidFill>
               </a14:hiddenFill>
             </a:ext>
             <a:ext uri="{91240B29-F687-4f45-9708-019B960494DF}">
-              <a14:hiddenLine xmlns:a14="http://schemas.microsoft.com/office/drawing/2010/main" xmlns="" w="9525">
+              <a14:hiddenLine xmlns="" xmlns:a14="http://schemas.microsoft.com/office/drawing/2010/main" w="9525">
                 <a:solidFill>
                   <a:srgbClr val="000000"/>
                 </a:solidFill>
@@ -13191,7 +10033,7 @@
               </a14:hiddenLine>
             </a:ext>
             <a:ext uri="{FAA26D3D-D897-4be2-8F04-BA451C77F1D7}">
-              <ma14:placeholderFlag xmlns:ma14="http://schemas.microsoft.com/office/mac/drawingml/2011/main" xmlns="" val="1"/>
+              <ma14:placeholderFlag xmlns="" xmlns:ma14="http://schemas.microsoft.com/office/mac/drawingml/2011/main" val="1"/>
             </a:ext>
           </a:extLst>
         </p:spPr>
@@ -13218,14 +10060,14 @@
           </a:ln>
           <a:extLst>
             <a:ext uri="{909E8E84-426E-40dd-AFC4-6F175D3DCCD1}">
-              <a14:hiddenFill xmlns:a14="http://schemas.microsoft.com/office/drawing/2010/main" xmlns="">
+              <a14:hiddenFill xmlns="" xmlns:a14="http://schemas.microsoft.com/office/drawing/2010/main">
                 <a:solidFill>
                   <a:srgbClr val="FFFFFF"/>
                 </a:solidFill>
               </a14:hiddenFill>
             </a:ext>
             <a:ext uri="{91240B29-F687-4f45-9708-019B960494DF}">
-              <a14:hiddenLine xmlns:a14="http://schemas.microsoft.com/office/drawing/2010/main" xmlns="" w="9525">
+              <a14:hiddenLine xmlns="" xmlns:a14="http://schemas.microsoft.com/office/drawing/2010/main" w="9525">
                 <a:solidFill>
                   <a:srgbClr val="000000"/>
                 </a:solidFill>
@@ -13407,14 +10249,14 @@
           </a:ln>
           <a:extLst>
             <a:ext uri="{909E8E84-426E-40dd-AFC4-6F175D3DCCD1}">
-              <a14:hiddenFill xmlns:a14="http://schemas.microsoft.com/office/drawing/2010/main" xmlns="">
+              <a14:hiddenFill xmlns="" xmlns:a14="http://schemas.microsoft.com/office/drawing/2010/main">
                 <a:solidFill>
                   <a:srgbClr val="FFFFFF"/>
                 </a:solidFill>
               </a14:hiddenFill>
             </a:ext>
             <a:ext uri="{91240B29-F687-4f45-9708-019B960494DF}">
-              <a14:hiddenLine xmlns:a14="http://schemas.microsoft.com/office/drawing/2010/main" xmlns="" w="9525">
+              <a14:hiddenLine xmlns="" xmlns:a14="http://schemas.microsoft.com/office/drawing/2010/main" w="9525">
                 <a:solidFill>
                   <a:srgbClr val="000000"/>
                 </a:solidFill>
@@ -13596,14 +10438,14 @@
           </a:ln>
           <a:extLst>
             <a:ext uri="{909E8E84-426E-40dd-AFC4-6F175D3DCCD1}">
-              <a14:hiddenFill xmlns:a14="http://schemas.microsoft.com/office/drawing/2010/main" xmlns="">
+              <a14:hiddenFill xmlns="" xmlns:a14="http://schemas.microsoft.com/office/drawing/2010/main">
                 <a:solidFill>
                   <a:srgbClr val="FFFFFF"/>
                 </a:solidFill>
               </a14:hiddenFill>
             </a:ext>
             <a:ext uri="{91240B29-F687-4f45-9708-019B960494DF}">
-              <a14:hiddenLine xmlns:a14="http://schemas.microsoft.com/office/drawing/2010/main" xmlns="" w="9525">
+              <a14:hiddenLine xmlns="" xmlns:a14="http://schemas.microsoft.com/office/drawing/2010/main" w="9525">
                 <a:solidFill>
                   <a:srgbClr val="000000"/>
                 </a:solidFill>
@@ -13785,14 +10627,14 @@
           </a:ln>
           <a:extLst>
             <a:ext uri="{909E8E84-426E-40dd-AFC4-6F175D3DCCD1}">
-              <a14:hiddenFill xmlns:a14="http://schemas.microsoft.com/office/drawing/2010/main" xmlns="">
+              <a14:hiddenFill xmlns="" xmlns:a14="http://schemas.microsoft.com/office/drawing/2010/main">
                 <a:solidFill>
                   <a:srgbClr val="FFFFFF"/>
                 </a:solidFill>
               </a14:hiddenFill>
             </a:ext>
             <a:ext uri="{91240B29-F687-4f45-9708-019B960494DF}">
-              <a14:hiddenLine xmlns:a14="http://schemas.microsoft.com/office/drawing/2010/main" xmlns="" w="9525">
+              <a14:hiddenLine xmlns="" xmlns:a14="http://schemas.microsoft.com/office/drawing/2010/main" w="9525">
                 <a:solidFill>
                   <a:srgbClr val="000000"/>
                 </a:solidFill>
@@ -14298,14 +11140,14 @@
           </a:ln>
           <a:extLst>
             <a:ext uri="{909E8E84-426E-40dd-AFC4-6F175D3DCCD1}">
-              <a14:hiddenFill xmlns:a14="http://schemas.microsoft.com/office/drawing/2010/main" xmlns="">
+              <a14:hiddenFill xmlns="" xmlns:a14="http://schemas.microsoft.com/office/drawing/2010/main">
                 <a:solidFill>
                   <a:srgbClr val="FFFFFF"/>
                 </a:solidFill>
               </a14:hiddenFill>
             </a:ext>
             <a:ext uri="{91240B29-F687-4f45-9708-019B960494DF}">
-              <a14:hiddenLine xmlns:a14="http://schemas.microsoft.com/office/drawing/2010/main" xmlns="" w="9525">
+              <a14:hiddenLine xmlns="" xmlns:a14="http://schemas.microsoft.com/office/drawing/2010/main" w="9525">
                 <a:solidFill>
                   <a:srgbClr val="000000"/>
                 </a:solidFill>
@@ -14874,14 +11716,14 @@
           </a:ln>
           <a:extLst>
             <a:ext uri="{909E8E84-426E-40dd-AFC4-6F175D3DCCD1}">
-              <a14:hiddenFill xmlns:a14="http://schemas.microsoft.com/office/drawing/2010/main" xmlns="">
+              <a14:hiddenFill xmlns="" xmlns:a14="http://schemas.microsoft.com/office/drawing/2010/main">
                 <a:solidFill>
                   <a:srgbClr val="FFFFFF"/>
                 </a:solidFill>
               </a14:hiddenFill>
             </a:ext>
             <a:ext uri="{91240B29-F687-4f45-9708-019B960494DF}">
-              <a14:hiddenLine xmlns:a14="http://schemas.microsoft.com/office/drawing/2010/main" xmlns="" w="9525">
+              <a14:hiddenLine xmlns="" xmlns:a14="http://schemas.microsoft.com/office/drawing/2010/main" w="9525">
                 <a:solidFill>
                   <a:srgbClr val="000000"/>
                 </a:solidFill>
@@ -15119,14 +11961,14 @@
           </a:ln>
           <a:extLst>
             <a:ext uri="{909E8E84-426E-40dd-AFC4-6F175D3DCCD1}">
-              <a14:hiddenFill xmlns:a14="http://schemas.microsoft.com/office/drawing/2010/main" xmlns="">
+              <a14:hiddenFill xmlns="" xmlns:a14="http://schemas.microsoft.com/office/drawing/2010/main">
                 <a:solidFill>
                   <a:srgbClr val="FFFFFF"/>
                 </a:solidFill>
               </a14:hiddenFill>
             </a:ext>
             <a:ext uri="{91240B29-F687-4f45-9708-019B960494DF}">
-              <a14:hiddenLine xmlns:a14="http://schemas.microsoft.com/office/drawing/2010/main" xmlns="" w="9525">
+              <a14:hiddenLine xmlns="" xmlns:a14="http://schemas.microsoft.com/office/drawing/2010/main" w="9525">
                 <a:solidFill>
                   <a:srgbClr val="000000"/>
                 </a:solidFill>
@@ -15526,7 +12368,7 @@
 </file>
 
 <file path=ppt/theme/theme1.xml><?xml version="1.0" encoding="utf-8"?>
-<a:theme xmlns:a="http://schemas.openxmlformats.org/drawingml/2006/main" name="1_Office Theme">
+<a:theme xmlns:a="http://schemas.openxmlformats.org/drawingml/2006/main" name="2_Office Theme">
   <a:themeElements>
     <a:clrScheme name="Office">
       <a:dk1>
@@ -15787,267 +12629,6 @@
 </file>
 
 <file path=ppt/theme/theme2.xml><?xml version="1.0" encoding="utf-8"?>
-<a:theme xmlns:a="http://schemas.openxmlformats.org/drawingml/2006/main" name="2_Office Theme">
-  <a:themeElements>
-    <a:clrScheme name="Office">
-      <a:dk1>
-        <a:sysClr val="windowText" lastClr="000000"/>
-      </a:dk1>
-      <a:lt1>
-        <a:sysClr val="window" lastClr="FFFFFF"/>
-      </a:lt1>
-      <a:dk2>
-        <a:srgbClr val="44546A"/>
-      </a:dk2>
-      <a:lt2>
-        <a:srgbClr val="E7E6E6"/>
-      </a:lt2>
-      <a:accent1>
-        <a:srgbClr val="4472C4"/>
-      </a:accent1>
-      <a:accent2>
-        <a:srgbClr val="ED7D31"/>
-      </a:accent2>
-      <a:accent3>
-        <a:srgbClr val="A5A5A5"/>
-      </a:accent3>
-      <a:accent4>
-        <a:srgbClr val="FFC000"/>
-      </a:accent4>
-      <a:accent5>
-        <a:srgbClr val="5B9BD5"/>
-      </a:accent5>
-      <a:accent6>
-        <a:srgbClr val="70AD47"/>
-      </a:accent6>
-      <a:hlink>
-        <a:srgbClr val="0563C1"/>
-      </a:hlink>
-      <a:folHlink>
-        <a:srgbClr val="954F72"/>
-      </a:folHlink>
-    </a:clrScheme>
-    <a:fontScheme name="Consolas-Verdana">
-      <a:majorFont>
-        <a:latin typeface="Consolas" panose="020B0609020204030204"/>
-        <a:ea typeface=""/>
-        <a:cs typeface=""/>
-        <a:font script="Jpan" typeface="HG丸ｺﾞｼｯｸM-PRO"/>
-        <a:font script="Hang" typeface="HY중고딕"/>
-        <a:font script="Hans" typeface="华文楷体"/>
-        <a:font script="Hant" typeface="新細明體"/>
-        <a:font script="Arab" typeface="Tahoma"/>
-        <a:font script="Hebr" typeface="Levenim MT"/>
-        <a:font script="Thai" typeface="DilleniaUPC"/>
-        <a:font script="Ethi" typeface="Nyala"/>
-        <a:font script="Beng" typeface="Vrinda"/>
-        <a:font script="Gujr" typeface="Shruti"/>
-        <a:font script="Khmr" typeface="DaunPenh"/>
-        <a:font script="Knda" typeface="Tunga"/>
-        <a:font script="Guru" typeface="Raavi"/>
-        <a:font script="Cans" typeface="Euphemia"/>
-        <a:font script="Cher" typeface="Plantagenet Cherokee"/>
-        <a:font script="Yiii" typeface="Microsoft Yi Baiti"/>
-        <a:font script="Tibt" typeface="Microsoft Himalaya"/>
-        <a:font script="Thaa" typeface="MV Boli"/>
-        <a:font script="Deva" typeface="Mangal"/>
-        <a:font script="Telu" typeface="Gautami"/>
-        <a:font script="Taml" typeface="Latha"/>
-        <a:font script="Syrc" typeface="Estrangelo Edessa"/>
-        <a:font script="Orya" typeface="Kalinga"/>
-        <a:font script="Mlym" typeface="Kartika"/>
-        <a:font script="Laoo" typeface="DokChampa"/>
-        <a:font script="Sinh" typeface="Iskoola Pota"/>
-        <a:font script="Mong" typeface="Mongolian Baiti"/>
-        <a:font script="Viet" typeface="Tahoma"/>
-        <a:font script="Uigh" typeface="Microsoft Uighur"/>
-        <a:font script="Geor" typeface="Sylfaen"/>
-      </a:majorFont>
-      <a:minorFont>
-        <a:latin typeface="Verdana" panose="020B0604030504040204"/>
-        <a:ea typeface=""/>
-        <a:cs typeface=""/>
-        <a:font script="Jpan" typeface="ＭＳ ゴシック"/>
-        <a:font script="Hang" typeface="굴림"/>
-        <a:font script="Hans" typeface="微软雅黑"/>
-        <a:font script="Hant" typeface="微軟正黑體"/>
-        <a:font script="Arab" typeface="Tahoma"/>
-        <a:font script="Hebr" typeface="Tahoma"/>
-        <a:font script="Thai" typeface="FreesiaUPC"/>
-        <a:font script="Ethi" typeface="Nyala"/>
-        <a:font script="Beng" typeface="Vrinda"/>
-        <a:font script="Gujr" typeface="Shruti"/>
-        <a:font script="Khmr" typeface="DaunPenh"/>
-        <a:font script="Knda" typeface="Tunga"/>
-        <a:font script="Guru" typeface="Raavi"/>
-        <a:font script="Cans" typeface="Euphemia"/>
-        <a:font script="Cher" typeface="Plantagenet Cherokee"/>
-        <a:font script="Yiii" typeface="Microsoft Yi Baiti"/>
-        <a:font script="Tibt" typeface="Microsoft Himalaya"/>
-        <a:font script="Thaa" typeface="MV Boli"/>
-        <a:font script="Deva" typeface="Mangal"/>
-        <a:font script="Telu" typeface="Gautami"/>
-        <a:font script="Taml" typeface="Latha"/>
-        <a:font script="Syrc" typeface="Estrangelo Edessa"/>
-        <a:font script="Orya" typeface="Kalinga"/>
-        <a:font script="Mlym" typeface="Kartika"/>
-        <a:font script="Laoo" typeface="DokChampa"/>
-        <a:font script="Sinh" typeface="Iskoola Pota"/>
-        <a:font script="Mong" typeface="Mongolian Baiti"/>
-        <a:font script="Viet" typeface="Verdana"/>
-        <a:font script="Uigh" typeface="Microsoft Uighur"/>
-        <a:font script="Geor" typeface="Sylfaen"/>
-      </a:minorFont>
-    </a:fontScheme>
-    <a:fmtScheme name="Office">
-      <a:fillStyleLst>
-        <a:solidFill>
-          <a:schemeClr val="phClr"/>
-        </a:solidFill>
-        <a:gradFill rotWithShape="1">
-          <a:gsLst>
-            <a:gs pos="0">
-              <a:schemeClr val="phClr">
-                <a:lumMod val="110000"/>
-                <a:satMod val="105000"/>
-                <a:tint val="67000"/>
-              </a:schemeClr>
-            </a:gs>
-            <a:gs pos="50000">
-              <a:schemeClr val="phClr">
-                <a:lumMod val="105000"/>
-                <a:satMod val="103000"/>
-                <a:tint val="73000"/>
-              </a:schemeClr>
-            </a:gs>
-            <a:gs pos="100000">
-              <a:schemeClr val="phClr">
-                <a:lumMod val="105000"/>
-                <a:satMod val="109000"/>
-                <a:tint val="81000"/>
-              </a:schemeClr>
-            </a:gs>
-          </a:gsLst>
-          <a:lin ang="5400000" scaled="0"/>
-        </a:gradFill>
-        <a:gradFill rotWithShape="1">
-          <a:gsLst>
-            <a:gs pos="0">
-              <a:schemeClr val="phClr">
-                <a:satMod val="103000"/>
-                <a:lumMod val="102000"/>
-                <a:tint val="94000"/>
-              </a:schemeClr>
-            </a:gs>
-            <a:gs pos="50000">
-              <a:schemeClr val="phClr">
-                <a:satMod val="110000"/>
-                <a:lumMod val="100000"/>
-                <a:shade val="100000"/>
-              </a:schemeClr>
-            </a:gs>
-            <a:gs pos="100000">
-              <a:schemeClr val="phClr">
-                <a:lumMod val="99000"/>
-                <a:satMod val="120000"/>
-                <a:shade val="78000"/>
-              </a:schemeClr>
-            </a:gs>
-          </a:gsLst>
-          <a:lin ang="5400000" scaled="0"/>
-        </a:gradFill>
-      </a:fillStyleLst>
-      <a:lnStyleLst>
-        <a:ln w="6350" cap="flat" cmpd="sng" algn="ctr">
-          <a:solidFill>
-            <a:schemeClr val="phClr"/>
-          </a:solidFill>
-          <a:prstDash val="solid"/>
-          <a:miter lim="800000"/>
-        </a:ln>
-        <a:ln w="12700" cap="flat" cmpd="sng" algn="ctr">
-          <a:solidFill>
-            <a:schemeClr val="phClr"/>
-          </a:solidFill>
-          <a:prstDash val="solid"/>
-          <a:miter lim="800000"/>
-        </a:ln>
-        <a:ln w="19050" cap="flat" cmpd="sng" algn="ctr">
-          <a:solidFill>
-            <a:schemeClr val="phClr"/>
-          </a:solidFill>
-          <a:prstDash val="solid"/>
-          <a:miter lim="800000"/>
-        </a:ln>
-      </a:lnStyleLst>
-      <a:effectStyleLst>
-        <a:effectStyle>
-          <a:effectLst/>
-        </a:effectStyle>
-        <a:effectStyle>
-          <a:effectLst/>
-        </a:effectStyle>
-        <a:effectStyle>
-          <a:effectLst>
-            <a:outerShdw blurRad="57150" dist="19050" dir="5400000" algn="ctr" rotWithShape="0">
-              <a:srgbClr val="000000">
-                <a:alpha val="63000"/>
-              </a:srgbClr>
-            </a:outerShdw>
-          </a:effectLst>
-        </a:effectStyle>
-      </a:effectStyleLst>
-      <a:bgFillStyleLst>
-        <a:solidFill>
-          <a:schemeClr val="phClr"/>
-        </a:solidFill>
-        <a:solidFill>
-          <a:schemeClr val="phClr">
-            <a:tint val="95000"/>
-            <a:satMod val="170000"/>
-          </a:schemeClr>
-        </a:solidFill>
-        <a:gradFill rotWithShape="1">
-          <a:gsLst>
-            <a:gs pos="0">
-              <a:schemeClr val="phClr">
-                <a:tint val="93000"/>
-                <a:satMod val="150000"/>
-                <a:shade val="98000"/>
-                <a:lumMod val="102000"/>
-              </a:schemeClr>
-            </a:gs>
-            <a:gs pos="50000">
-              <a:schemeClr val="phClr">
-                <a:tint val="98000"/>
-                <a:satMod val="130000"/>
-                <a:shade val="90000"/>
-                <a:lumMod val="103000"/>
-              </a:schemeClr>
-            </a:gs>
-            <a:gs pos="100000">
-              <a:schemeClr val="phClr">
-                <a:shade val="63000"/>
-                <a:satMod val="120000"/>
-              </a:schemeClr>
-            </a:gs>
-          </a:gsLst>
-          <a:lin ang="5400000" scaled="0"/>
-        </a:gradFill>
-      </a:bgFillStyleLst>
-    </a:fmtScheme>
-  </a:themeElements>
-  <a:objectDefaults/>
-  <a:extraClrSchemeLst/>
-  <a:extLst>
-    <a:ext uri="{05A4C25C-085E-4340-85A3-A5531E510DB2}">
-      <thm15:themeFamily xmlns:thm15="http://schemas.microsoft.com/office/thememl/2012/main" name="Office Theme" id="{62F939B6-93AF-4DB8-9C6B-D6C7DFDC589F}" vid="{4A3C46E8-61CC-4603-A589-7422A47A8E4A}"/>
-    </a:ext>
-  </a:extLst>
-</a:theme>
-</file>
-
-<file path=ppt/theme/theme3.xml><?xml version="1.0" encoding="utf-8"?>
 <a:theme xmlns:a="http://schemas.openxmlformats.org/drawingml/2006/main" name="Office Theme">
   <a:themeElements>
     <a:clrScheme name="Office">

--- a/assets/lectures/cshl/2019/mini/RNASeq_MiniLecture_02_01_Alignment.pptx
+++ b/assets/lectures/cshl/2019/mini/RNASeq_MiniLecture_02_01_Alignment.pptx
@@ -211,7 +211,7 @@
           <a:p>
             <a:fld id="{827BD9F9-8452-A342-BB1B-28ECF19E2CC5}" type="datetimeFigureOut">
               <a:rPr lang="en-US" smtClean="0"/>
-              <a:t>11/9/19</a:t>
+              <a:t>11/10/19</a:t>
             </a:fld>
             <a:endParaRPr lang="en-US"/>
           </a:p>
@@ -522,41 +522,7 @@
           <a:bodyPr/>
           <a:lstStyle/>
           <a:p>
-            <a:pPr marL="0" marR="0" lvl="1" indent="0" algn="l" defTabSz="914400" rtl="0" eaLnBrk="0" fontAlgn="base" latinLnBrk="0" hangingPunct="0">
-              <a:lnSpc>
-                <a:spcPct val="100000"/>
-              </a:lnSpc>
-              <a:spcBef>
-                <a:spcPct val="30000"/>
-              </a:spcBef>
-              <a:spcAft>
-                <a:spcPct val="0"/>
-              </a:spcAft>
-              <a:buClrTx/>
-              <a:buSzTx/>
-              <a:buFontTx/>
-              <a:buNone/>
-              <a:tabLst/>
-              <a:defRPr/>
-            </a:pPr>
-            <a:r>
-              <a:rPr lang="en-US" dirty="0">
-                <a:latin typeface="Calibri" charset="0"/>
-                <a:ea typeface="ＭＳ Ｐゴシック" charset="0"/>
-              </a:rPr>
-              <a:t>HISAT's hierarchical index for the human genome contains 48,000 local FM indexes, each representing a genomic region of ~64,000 </a:t>
-            </a:r>
-            <a:r>
-              <a:rPr lang="en-US" dirty="0" err="1">
-                <a:latin typeface="Calibri" charset="0"/>
-                <a:ea typeface="ＭＳ Ｐゴシック" charset="0"/>
-              </a:rPr>
-              <a:t>bp.</a:t>
-            </a:r>
-            <a:endParaRPr lang="en-US" dirty="0">
-              <a:latin typeface="Calibri" charset="0"/>
-              <a:ea typeface="ＭＳ Ｐゴシック" charset="0"/>
-            </a:endParaRPr>
+            <a:endParaRPr lang="en-US"/>
           </a:p>
         </p:txBody>
       </p:sp>
@@ -567,7 +533,7 @@
             <a:spLocks noGrp="1"/>
           </p:cNvSpPr>
           <p:nvPr>
-            <p:ph type="sldNum" sz="quarter" idx="10"/>
+            <p:ph type="sldNum" sz="quarter" idx="5"/>
           </p:nvPr>
         </p:nvSpPr>
         <p:spPr/>
@@ -575,78 +541,18 @@
           <a:bodyPr/>
           <a:lstStyle/>
           <a:p>
-            <a:pPr marL="0" marR="0" lvl="0" indent="0" algn="r" defTabSz="914400" rtl="0" eaLnBrk="1" fontAlgn="auto" latinLnBrk="0" hangingPunct="1">
-              <a:lnSpc>
-                <a:spcPct val="100000"/>
-              </a:lnSpc>
-              <a:spcBef>
-                <a:spcPts val="0"/>
-              </a:spcBef>
-              <a:spcAft>
-                <a:spcPts val="0"/>
-              </a:spcAft>
-              <a:buClrTx/>
-              <a:buSzTx/>
-              <a:buFontTx/>
-              <a:buNone/>
-              <a:tabLst/>
-              <a:defRPr/>
-            </a:pPr>
-            <a:fld id="{58FBEE90-0CDA-3447-B595-4F8759630F3A}" type="slidenum">
-              <a:rPr kumimoji="0" lang="en-US" sz="1200" b="0" i="0" u="none" strike="noStrike" kern="1200" cap="none" spc="0" normalizeH="0" baseline="0" noProof="0" smtClean="0">
-                <a:ln>
-                  <a:noFill/>
-                </a:ln>
-                <a:solidFill>
-                  <a:prstClr val="black"/>
-                </a:solidFill>
-                <a:effectLst/>
-                <a:uLnTx/>
-                <a:uFillTx/>
-                <a:latin typeface="Calibri" panose="020F0502020204030204"/>
-                <a:ea typeface="+mn-ea"/>
-                <a:cs typeface="+mn-cs"/>
-              </a:rPr>
-              <a:pPr marL="0" marR="0" lvl="0" indent="0" algn="r" defTabSz="914400" rtl="0" eaLnBrk="1" fontAlgn="auto" latinLnBrk="0" hangingPunct="1">
-                <a:lnSpc>
-                  <a:spcPct val="100000"/>
-                </a:lnSpc>
-                <a:spcBef>
-                  <a:spcPts val="0"/>
-                </a:spcBef>
-                <a:spcAft>
-                  <a:spcPts val="0"/>
-                </a:spcAft>
-                <a:buClrTx/>
-                <a:buSzTx/>
-                <a:buFontTx/>
-                <a:buNone/>
-                <a:tabLst/>
-                <a:defRPr/>
-              </a:pPr>
-              <a:t>8</a:t>
+            <a:fld id="{91C65747-E6F5-D94A-981D-658B04DED679}" type="slidenum">
+              <a:rPr lang="en-US" smtClean="0"/>
+              <a:t>1</a:t>
             </a:fld>
-            <a:endParaRPr kumimoji="0" lang="en-US" sz="1200" b="0" i="0" u="none" strike="noStrike" kern="1200" cap="none" spc="0" normalizeH="0" baseline="0" noProof="0">
-              <a:ln>
-                <a:noFill/>
-              </a:ln>
-              <a:solidFill>
-                <a:prstClr val="black"/>
-              </a:solidFill>
-              <a:effectLst/>
-              <a:uLnTx/>
-              <a:uFillTx/>
-              <a:latin typeface="Calibri" panose="020F0502020204030204"/>
-              <a:ea typeface="+mn-ea"/>
-              <a:cs typeface="+mn-cs"/>
-            </a:endParaRPr>
+            <a:endParaRPr lang="en-US"/>
           </a:p>
         </p:txBody>
       </p:sp>
     </p:spTree>
     <p:extLst>
       <p:ext uri="{BB962C8B-B14F-4D97-AF65-F5344CB8AC3E}">
-        <p14:creationId xmlns:p14="http://schemas.microsoft.com/office/powerpoint/2010/main" val="2627428116"/>
+        <p14:creationId xmlns:p14="http://schemas.microsoft.com/office/powerpoint/2010/main" val="3415818665"/>
       </p:ext>
     </p:extLst>
   </p:cSld>
@@ -802,7 +708,7 @@
                 <a:tabLst/>
                 <a:defRPr/>
               </a:pPr>
-              <a:t>9</a:t>
+              <a:t>8</a:t>
             </a:fld>
             <a:endParaRPr kumimoji="0" lang="en-US" sz="1200" b="0" i="0" u="none" strike="noStrike" kern="1200" cap="none" spc="0" normalizeH="0" baseline="0" noProof="0">
               <a:ln>
@@ -824,7 +730,7 @@
     </p:spTree>
     <p:extLst>
       <p:ext uri="{BB962C8B-B14F-4D97-AF65-F5344CB8AC3E}">
-        <p14:creationId xmlns:p14="http://schemas.microsoft.com/office/powerpoint/2010/main" val="3916014413"/>
+        <p14:creationId xmlns:p14="http://schemas.microsoft.com/office/powerpoint/2010/main" val="2627428116"/>
       </p:ext>
     </p:extLst>
   </p:cSld>
@@ -878,56 +784,41 @@
           <a:bodyPr/>
           <a:lstStyle/>
           <a:p>
-            <a:r>
-              <a:rPr lang="en-US" dirty="0"/>
-              <a:t>Alignment of </a:t>
-            </a:r>
-            <a:r>
-              <a:rPr lang="en-US" dirty="0" err="1"/>
-              <a:t>exonic</a:t>
-            </a:r>
-            <a:r>
-              <a:rPr lang="en-US" dirty="0"/>
-              <a:t> reads and long- and intermediate-anchored reads.</a:t>
-            </a:r>
-          </a:p>
-          <a:p>
-            <a:r>
-              <a:rPr lang="en-US" dirty="0"/>
-              <a:t>Given two exons from a gene on human chromosome 22, separated by a 3,899-bp intron, suppose the genomic region is transcribed and spliced and we have three reads sequenced from the resulting transcript: (</a:t>
-            </a:r>
-            <a:r>
-              <a:rPr lang="en-US" dirty="0" err="1"/>
-              <a:t>i</a:t>
-            </a:r>
-            <a:r>
-              <a:rPr lang="en-US" dirty="0"/>
-              <a:t>) an </a:t>
-            </a:r>
-            <a:r>
-              <a:rPr lang="en-US" dirty="0" err="1"/>
-              <a:t>exonic</a:t>
-            </a:r>
-            <a:r>
-              <a:rPr lang="en-US" dirty="0"/>
-              <a:t> read, (ii) a read spanning two exons with an 8-bp anchor in one exon and (iii) a read spanning two exons with 50 </a:t>
-            </a:r>
-            <a:r>
-              <a:rPr lang="en-US" dirty="0" err="1"/>
-              <a:t>bp</a:t>
-            </a:r>
-            <a:r>
-              <a:rPr lang="en-US" dirty="0"/>
-              <a:t> in each exon (Supplementary Fig. 8). All the reads are assumed to be error free and 100 </a:t>
-            </a:r>
-            <a:r>
-              <a:rPr lang="en-US" dirty="0" err="1"/>
-              <a:t>bp</a:t>
-            </a:r>
-            <a:r>
-              <a:rPr lang="en-US" dirty="0"/>
-              <a:t> long. We can apply hierarchical indexing to align each of these reads rapidly and correctly. </a:t>
-            </a:r>
+            <a:pPr marL="0" marR="0" lvl="1" indent="0" algn="l" defTabSz="914400" rtl="0" eaLnBrk="0" fontAlgn="base" latinLnBrk="0" hangingPunct="0">
+              <a:lnSpc>
+                <a:spcPct val="100000"/>
+              </a:lnSpc>
+              <a:spcBef>
+                <a:spcPct val="30000"/>
+              </a:spcBef>
+              <a:spcAft>
+                <a:spcPct val="0"/>
+              </a:spcAft>
+              <a:buClrTx/>
+              <a:buSzTx/>
+              <a:buFontTx/>
+              <a:buNone/>
+              <a:tabLst/>
+              <a:defRPr/>
+            </a:pPr>
+            <a:r>
+              <a:rPr lang="en-US" dirty="0">
+                <a:latin typeface="Calibri" charset="0"/>
+                <a:ea typeface="ＭＳ Ｐゴシック" charset="0"/>
+              </a:rPr>
+              <a:t>HISAT's hierarchical index for the human genome contains 48,000 local FM indexes, each representing a genomic region of ~64,000 </a:t>
+            </a:r>
+            <a:r>
+              <a:rPr lang="en-US" dirty="0" err="1">
+                <a:latin typeface="Calibri" charset="0"/>
+                <a:ea typeface="ＭＳ Ｐゴシック" charset="0"/>
+              </a:rPr>
+              <a:t>bp.</a:t>
+            </a:r>
+            <a:endParaRPr lang="en-US" dirty="0">
+              <a:latin typeface="Calibri" charset="0"/>
+              <a:ea typeface="ＭＳ Ｐゴシック" charset="0"/>
+            </a:endParaRPr>
           </a:p>
         </p:txBody>
       </p:sp>
@@ -995,7 +886,7 @@
                 <a:tabLst/>
                 <a:defRPr/>
               </a:pPr>
-              <a:t>10</a:t>
+              <a:t>9</a:t>
             </a:fld>
             <a:endParaRPr kumimoji="0" lang="en-US" sz="1200" b="0" i="0" u="none" strike="noStrike" kern="1200" cap="none" spc="0" normalizeH="0" baseline="0" noProof="0">
               <a:ln>
@@ -1017,7 +908,7 @@
     </p:spTree>
     <p:extLst>
       <p:ext uri="{BB962C8B-B14F-4D97-AF65-F5344CB8AC3E}">
-        <p14:creationId xmlns:p14="http://schemas.microsoft.com/office/powerpoint/2010/main" val="1357264346"/>
+        <p14:creationId xmlns:p14="http://schemas.microsoft.com/office/powerpoint/2010/main" val="3916014413"/>
       </p:ext>
     </p:extLst>
   </p:cSld>
@@ -1073,7 +964,21 @@
           <a:p>
             <a:r>
               <a:rPr lang="en-US" dirty="0"/>
-              <a:t>We align the first read using the global FM-index (Supplementary Fig. 8a). Because global search is relatively time consuming, we change strategies when the partial alignment meets two conditions: (</a:t>
+              <a:t>Alignment of </a:t>
+            </a:r>
+            <a:r>
+              <a:rPr lang="en-US" dirty="0" err="1"/>
+              <a:t>exonic</a:t>
+            </a:r>
+            <a:r>
+              <a:rPr lang="en-US" dirty="0"/>
+              <a:t> reads and long- and intermediate-anchored reads.</a:t>
+            </a:r>
+          </a:p>
+          <a:p>
+            <a:r>
+              <a:rPr lang="en-US" dirty="0"/>
+              <a:t>Given two exons from a gene on human chromosome 22, separated by a 3,899-bp intron, suppose the genomic region is transcribed and spliced and we have three reads sequenced from the resulting transcript: (</a:t>
             </a:r>
             <a:r>
               <a:rPr lang="en-US" dirty="0" err="1"/>
@@ -1081,7 +986,15 @@
             </a:r>
             <a:r>
               <a:rPr lang="en-US" dirty="0"/>
-              <a:t>) it is at least 28 </a:t>
+              <a:t>) an </a:t>
+            </a:r>
+            <a:r>
+              <a:rPr lang="en-US" dirty="0" err="1"/>
+              <a:t>exonic</a:t>
+            </a:r>
+            <a:r>
+              <a:rPr lang="en-US" dirty="0"/>
+              <a:t> read, (ii) a read spanning two exons with an 8-bp anchor in one exon and (iii) a read spanning two exons with 50 </a:t>
             </a:r>
             <a:r>
               <a:rPr lang="en-US" dirty="0" err="1"/>
@@ -1089,7 +1002,7 @@
             </a:r>
             <a:r>
               <a:rPr lang="en-US" dirty="0"/>
-              <a:t> long and (ii) it maps onto exactly one location. For the read shown in the figure, the 28-bp sequence on its right end maps uniquely, allowing us to stop the global search operation at that point. From there, we extend the partial alignment by directly comparing the remaining sequence and the corresponding genomic sequence, which we can extract directly from the genome using the mapped location as an index. Because the read is error free and contained within one exon, the extension operation sweeps across the remaining 72 </a:t>
+              <a:t> in each exon (Supplementary Fig. 8). All the reads are assumed to be error free and 100 </a:t>
             </a:r>
             <a:r>
               <a:rPr lang="en-US" dirty="0" err="1"/>
@@ -1097,7 +1010,7 @@
             </a:r>
             <a:r>
               <a:rPr lang="en-US" dirty="0"/>
-              <a:t>, completing the alignment for the read. Note that we could perform this alignment using the global FM index, as TopHat2 does, but the combination of global search and local extension is faster.</a:t>
+              <a:t> long. We can apply hierarchical indexing to align each of these reads rapidly and correctly. </a:t>
             </a:r>
           </a:p>
         </p:txBody>
@@ -1166,7 +1079,7 @@
                 <a:tabLst/>
                 <a:defRPr/>
               </a:pPr>
-              <a:t>11</a:t>
+              <a:t>10</a:t>
             </a:fld>
             <a:endParaRPr kumimoji="0" lang="en-US" sz="1200" b="0" i="0" u="none" strike="noStrike" kern="1200" cap="none" spc="0" normalizeH="0" baseline="0" noProof="0">
               <a:ln>
@@ -1188,7 +1101,7 @@
     </p:spTree>
     <p:extLst>
       <p:ext uri="{BB962C8B-B14F-4D97-AF65-F5344CB8AC3E}">
-        <p14:creationId xmlns:p14="http://schemas.microsoft.com/office/powerpoint/2010/main" val="1983173365"/>
+        <p14:creationId xmlns:p14="http://schemas.microsoft.com/office/powerpoint/2010/main" val="1357264346"/>
       </p:ext>
     </p:extLst>
   </p:cSld>
@@ -1242,6 +1155,177 @@
           <a:bodyPr/>
           <a:lstStyle/>
           <a:p>
+            <a:r>
+              <a:rPr lang="en-US" dirty="0"/>
+              <a:t>We align the first read using the global FM-index (Supplementary Fig. 8a). Because global search is relatively time consuming, we change strategies when the partial alignment meets two conditions: (</a:t>
+            </a:r>
+            <a:r>
+              <a:rPr lang="en-US" dirty="0" err="1"/>
+              <a:t>i</a:t>
+            </a:r>
+            <a:r>
+              <a:rPr lang="en-US" dirty="0"/>
+              <a:t>) it is at least 28 </a:t>
+            </a:r>
+            <a:r>
+              <a:rPr lang="en-US" dirty="0" err="1"/>
+              <a:t>bp</a:t>
+            </a:r>
+            <a:r>
+              <a:rPr lang="en-US" dirty="0"/>
+              <a:t> long and (ii) it maps onto exactly one location. For the read shown in the figure, the 28-bp sequence on its right end maps uniquely, allowing us to stop the global search operation at that point. From there, we extend the partial alignment by directly comparing the remaining sequence and the corresponding genomic sequence, which we can extract directly from the genome using the mapped location as an index. Because the read is error free and contained within one exon, the extension operation sweeps across the remaining 72 </a:t>
+            </a:r>
+            <a:r>
+              <a:rPr lang="en-US" dirty="0" err="1"/>
+              <a:t>bp</a:t>
+            </a:r>
+            <a:r>
+              <a:rPr lang="en-US" dirty="0"/>
+              <a:t>, completing the alignment for the read. Note that we could perform this alignment using the global FM index, as TopHat2 does, but the combination of global search and local extension is faster.</a:t>
+            </a:r>
+          </a:p>
+        </p:txBody>
+      </p:sp>
+      <p:sp>
+        <p:nvSpPr>
+          <p:cNvPr id="4" name="Slide Number Placeholder 3"/>
+          <p:cNvSpPr>
+            <a:spLocks noGrp="1"/>
+          </p:cNvSpPr>
+          <p:nvPr>
+            <p:ph type="sldNum" sz="quarter" idx="10"/>
+          </p:nvPr>
+        </p:nvSpPr>
+        <p:spPr/>
+        <p:txBody>
+          <a:bodyPr/>
+          <a:lstStyle/>
+          <a:p>
+            <a:pPr marL="0" marR="0" lvl="0" indent="0" algn="r" defTabSz="914400" rtl="0" eaLnBrk="1" fontAlgn="auto" latinLnBrk="0" hangingPunct="1">
+              <a:lnSpc>
+                <a:spcPct val="100000"/>
+              </a:lnSpc>
+              <a:spcBef>
+                <a:spcPts val="0"/>
+              </a:spcBef>
+              <a:spcAft>
+                <a:spcPts val="0"/>
+              </a:spcAft>
+              <a:buClrTx/>
+              <a:buSzTx/>
+              <a:buFontTx/>
+              <a:buNone/>
+              <a:tabLst/>
+              <a:defRPr/>
+            </a:pPr>
+            <a:fld id="{58FBEE90-0CDA-3447-B595-4F8759630F3A}" type="slidenum">
+              <a:rPr kumimoji="0" lang="en-US" sz="1200" b="0" i="0" u="none" strike="noStrike" kern="1200" cap="none" spc="0" normalizeH="0" baseline="0" noProof="0" smtClean="0">
+                <a:ln>
+                  <a:noFill/>
+                </a:ln>
+                <a:solidFill>
+                  <a:prstClr val="black"/>
+                </a:solidFill>
+                <a:effectLst/>
+                <a:uLnTx/>
+                <a:uFillTx/>
+                <a:latin typeface="Calibri" panose="020F0502020204030204"/>
+                <a:ea typeface="+mn-ea"/>
+                <a:cs typeface="+mn-cs"/>
+              </a:rPr>
+              <a:pPr marL="0" marR="0" lvl="0" indent="0" algn="r" defTabSz="914400" rtl="0" eaLnBrk="1" fontAlgn="auto" latinLnBrk="0" hangingPunct="1">
+                <a:lnSpc>
+                  <a:spcPct val="100000"/>
+                </a:lnSpc>
+                <a:spcBef>
+                  <a:spcPts val="0"/>
+                </a:spcBef>
+                <a:spcAft>
+                  <a:spcPts val="0"/>
+                </a:spcAft>
+                <a:buClrTx/>
+                <a:buSzTx/>
+                <a:buFontTx/>
+                <a:buNone/>
+                <a:tabLst/>
+                <a:defRPr/>
+              </a:pPr>
+              <a:t>11</a:t>
+            </a:fld>
+            <a:endParaRPr kumimoji="0" lang="en-US" sz="1200" b="0" i="0" u="none" strike="noStrike" kern="1200" cap="none" spc="0" normalizeH="0" baseline="0" noProof="0">
+              <a:ln>
+                <a:noFill/>
+              </a:ln>
+              <a:solidFill>
+                <a:prstClr val="black"/>
+              </a:solidFill>
+              <a:effectLst/>
+              <a:uLnTx/>
+              <a:uFillTx/>
+              <a:latin typeface="Calibri" panose="020F0502020204030204"/>
+              <a:ea typeface="+mn-ea"/>
+              <a:cs typeface="+mn-cs"/>
+            </a:endParaRPr>
+          </a:p>
+        </p:txBody>
+      </p:sp>
+    </p:spTree>
+    <p:extLst>
+      <p:ext uri="{BB962C8B-B14F-4D97-AF65-F5344CB8AC3E}">
+        <p14:creationId xmlns:p14="http://schemas.microsoft.com/office/powerpoint/2010/main" val="1983173365"/>
+      </p:ext>
+    </p:extLst>
+  </p:cSld>
+  <p:clrMapOvr>
+    <a:masterClrMapping/>
+  </p:clrMapOvr>
+</p:notes>
+</file>
+
+<file path=ppt/notesSlides/notesSlide6.xml><?xml version="1.0" encoding="utf-8"?>
+<p:notes xmlns:a="http://schemas.openxmlformats.org/drawingml/2006/main" xmlns:r="http://schemas.openxmlformats.org/officeDocument/2006/relationships" xmlns:p="http://schemas.openxmlformats.org/presentationml/2006/main">
+  <p:cSld>
+    <p:spTree>
+      <p:nvGrpSpPr>
+        <p:cNvPr id="1" name=""/>
+        <p:cNvGrpSpPr/>
+        <p:nvPr/>
+      </p:nvGrpSpPr>
+      <p:grpSpPr>
+        <a:xfrm>
+          <a:off x="0" y="0"/>
+          <a:ext cx="0" cy="0"/>
+          <a:chOff x="0" y="0"/>
+          <a:chExt cx="0" cy="0"/>
+        </a:xfrm>
+      </p:grpSpPr>
+      <p:sp>
+        <p:nvSpPr>
+          <p:cNvPr id="2" name="Slide Image Placeholder 1"/>
+          <p:cNvSpPr>
+            <a:spLocks noGrp="1" noRot="1" noChangeAspect="1"/>
+          </p:cNvSpPr>
+          <p:nvPr>
+            <p:ph type="sldImg"/>
+          </p:nvPr>
+        </p:nvSpPr>
+        <p:spPr/>
+      </p:sp>
+      <p:sp>
+        <p:nvSpPr>
+          <p:cNvPr id="3" name="Notes Placeholder 2"/>
+          <p:cNvSpPr>
+            <a:spLocks noGrp="1"/>
+          </p:cNvSpPr>
+          <p:nvPr>
+            <p:ph type="body" idx="1"/>
+          </p:nvPr>
+        </p:nvSpPr>
+        <p:spPr/>
+        <p:txBody>
+          <a:bodyPr/>
+          <a:lstStyle/>
+          <a:p>
             <a:endParaRPr lang="en-US" dirty="0"/>
           </a:p>
           <a:p>
@@ -1447,7 +1531,7 @@
 </p:notes>
 </file>
 
-<file path=ppt/notesSlides/notesSlide6.xml><?xml version="1.0" encoding="utf-8"?>
+<file path=ppt/notesSlides/notesSlide7.xml><?xml version="1.0" encoding="utf-8"?>
 <p:notes xmlns:a="http://schemas.openxmlformats.org/drawingml/2006/main" xmlns:r="http://schemas.openxmlformats.org/officeDocument/2006/relationships" xmlns:p="http://schemas.openxmlformats.org/presentationml/2006/main">
   <p:cSld>
     <p:spTree>
@@ -1859,6 +1943,66 @@
           </a:p>
         </p:txBody>
       </p:sp>
+      <p:pic>
+        <p:nvPicPr>
+          <p:cNvPr id="8" name="Picture 7" descr="cshl_logo_alternate rgb.png">
+            <a:extLst>
+              <a:ext uri="{FF2B5EF4-FFF2-40B4-BE49-F238E27FC236}">
+                <a16:creationId xmlns:a16="http://schemas.microsoft.com/office/drawing/2014/main" id="{C529B36D-99B0-B547-8CCA-F96115F852FE}"/>
+              </a:ext>
+            </a:extLst>
+          </p:cNvPr>
+          <p:cNvPicPr>
+            <a:picLocks noChangeAspect="1"/>
+          </p:cNvPicPr>
+          <p:nvPr userDrawn="1"/>
+        </p:nvPicPr>
+        <p:blipFill>
+          <a:blip r:embed="rId2">
+            <a:extLst>
+              <a:ext uri="{28A0092B-C50C-407E-A947-70E740481C1C}">
+                <a14:useLocalDpi xmlns:a14="http://schemas.microsoft.com/office/drawing/2010/main" val="0"/>
+              </a:ext>
+            </a:extLst>
+          </a:blip>
+          <a:srcRect/>
+          <a:stretch>
+            <a:fillRect/>
+          </a:stretch>
+        </p:blipFill>
+        <p:spPr bwMode="auto">
+          <a:xfrm>
+            <a:off x="300038" y="381000"/>
+            <a:ext cx="3509962" cy="1676400"/>
+          </a:xfrm>
+          <a:prstGeom prst="rect">
+            <a:avLst/>
+          </a:prstGeom>
+          <a:noFill/>
+          <a:ln>
+            <a:noFill/>
+          </a:ln>
+          <a:extLst>
+            <a:ext uri="{909E8E84-426E-40dd-AFC4-6F175D3DCCD1}">
+              <a14:hiddenFill xmlns="" xmlns:a14="http://schemas.microsoft.com/office/drawing/2010/main">
+                <a:solidFill>
+                  <a:srgbClr val="FFFFFF"/>
+                </a:solidFill>
+              </a14:hiddenFill>
+            </a:ext>
+            <a:ext uri="{91240B29-F687-4f45-9708-019B960494DF}">
+              <a14:hiddenLine xmlns="" xmlns:a14="http://schemas.microsoft.com/office/drawing/2010/main" w="9525">
+                <a:solidFill>
+                  <a:srgbClr val="000000"/>
+                </a:solidFill>
+                <a:miter lim="800000"/>
+                <a:headEnd/>
+                <a:tailEnd/>
+              </a14:hiddenLine>
+            </a:ext>
+          </a:extLst>
+        </p:spPr>
+      </p:pic>
     </p:spTree>
     <p:extLst>
       <p:ext uri="{BB962C8B-B14F-4D97-AF65-F5344CB8AC3E}">
@@ -2187,350 +2331,6 @@
           <a:chExt cx="0" cy="0"/>
         </a:xfrm>
       </p:grpSpPr>
-      <p:sp>
-        <p:nvSpPr>
-          <p:cNvPr id="4" name="Rectangle 3"/>
-          <p:cNvSpPr/>
-          <p:nvPr userDrawn="1"/>
-        </p:nvSpPr>
-        <p:spPr>
-          <a:xfrm>
-            <a:off x="0" y="6400800"/>
-            <a:ext cx="12192000" cy="457200"/>
-          </a:xfrm>
-          <a:prstGeom prst="rect">
-            <a:avLst/>
-          </a:prstGeom>
-          <a:solidFill>
-            <a:srgbClr val="CA0000"/>
-          </a:solidFill>
-          <a:ln>
-            <a:noFill/>
-          </a:ln>
-        </p:spPr>
-        <p:style>
-          <a:lnRef idx="2">
-            <a:schemeClr val="accent1">
-              <a:shade val="50000"/>
-            </a:schemeClr>
-          </a:lnRef>
-          <a:fillRef idx="1">
-            <a:schemeClr val="accent1"/>
-          </a:fillRef>
-          <a:effectRef idx="0">
-            <a:schemeClr val="accent1"/>
-          </a:effectRef>
-          <a:fontRef idx="minor">
-            <a:schemeClr val="lt1"/>
-          </a:fontRef>
-        </p:style>
-        <p:txBody>
-          <a:bodyPr anchor="ctr"/>
-          <a:lstStyle/>
-          <a:p>
-            <a:pPr algn="ctr">
-              <a:defRPr/>
-            </a:pPr>
-            <a:endParaRPr lang="en-US" sz="1800">
-              <a:solidFill>
-                <a:srgbClr val="FFFFFF"/>
-              </a:solidFill>
-              <a:latin typeface="Segoe UI" charset="0"/>
-              <a:ea typeface="ＭＳ Ｐゴシック" charset="0"/>
-              <a:cs typeface="ＭＳ Ｐゴシック" charset="0"/>
-            </a:endParaRPr>
-          </a:p>
-        </p:txBody>
-      </p:sp>
-      <p:sp>
-        <p:nvSpPr>
-          <p:cNvPr id="5" name="TextBox 4"/>
-          <p:cNvSpPr txBox="1"/>
-          <p:nvPr userDrawn="1"/>
-        </p:nvSpPr>
-        <p:spPr>
-          <a:xfrm>
-            <a:off x="101600" y="6429375"/>
-            <a:ext cx="8940800" cy="400050"/>
-          </a:xfrm>
-          <a:prstGeom prst="rect">
-            <a:avLst/>
-          </a:prstGeom>
-          <a:noFill/>
-        </p:spPr>
-        <p:txBody>
-          <a:bodyPr>
-            <a:spAutoFit/>
-          </a:bodyPr>
-          <a:lstStyle>
-            <a:lvl1pPr eaLnBrk="0" hangingPunct="0">
-              <a:defRPr sz="2400">
-                <a:solidFill>
-                  <a:schemeClr val="tx1"/>
-                </a:solidFill>
-                <a:latin typeface="Arial" charset="0"/>
-                <a:ea typeface="ＭＳ Ｐゴシック" charset="0"/>
-                <a:cs typeface="ＭＳ Ｐゴシック" charset="0"/>
-              </a:defRPr>
-            </a:lvl1pPr>
-            <a:lvl2pPr marL="37931725" indent="-37474525" eaLnBrk="0" hangingPunct="0">
-              <a:defRPr sz="2400">
-                <a:solidFill>
-                  <a:schemeClr val="tx1"/>
-                </a:solidFill>
-                <a:latin typeface="Arial" charset="0"/>
-                <a:ea typeface="ＭＳ Ｐゴシック" charset="0"/>
-              </a:defRPr>
-            </a:lvl2pPr>
-            <a:lvl3pPr eaLnBrk="0" hangingPunct="0">
-              <a:defRPr sz="2400">
-                <a:solidFill>
-                  <a:schemeClr val="tx1"/>
-                </a:solidFill>
-                <a:latin typeface="Arial" charset="0"/>
-                <a:ea typeface="ＭＳ Ｐゴシック" charset="0"/>
-              </a:defRPr>
-            </a:lvl3pPr>
-            <a:lvl4pPr eaLnBrk="0" hangingPunct="0">
-              <a:defRPr sz="2400">
-                <a:solidFill>
-                  <a:schemeClr val="tx1"/>
-                </a:solidFill>
-                <a:latin typeface="Arial" charset="0"/>
-                <a:ea typeface="ＭＳ Ｐゴシック" charset="0"/>
-              </a:defRPr>
-            </a:lvl4pPr>
-            <a:lvl5pPr eaLnBrk="0" hangingPunct="0">
-              <a:defRPr sz="2400">
-                <a:solidFill>
-                  <a:schemeClr val="tx1"/>
-                </a:solidFill>
-                <a:latin typeface="Arial" charset="0"/>
-                <a:ea typeface="ＭＳ Ｐゴシック" charset="0"/>
-              </a:defRPr>
-            </a:lvl5pPr>
-            <a:lvl6pPr marL="457200" eaLnBrk="0" fontAlgn="base" hangingPunct="0">
-              <a:spcBef>
-                <a:spcPct val="0"/>
-              </a:spcBef>
-              <a:spcAft>
-                <a:spcPct val="0"/>
-              </a:spcAft>
-              <a:defRPr sz="2400">
-                <a:solidFill>
-                  <a:schemeClr val="tx1"/>
-                </a:solidFill>
-                <a:latin typeface="Arial" charset="0"/>
-                <a:ea typeface="ＭＳ Ｐゴシック" charset="0"/>
-              </a:defRPr>
-            </a:lvl6pPr>
-            <a:lvl7pPr marL="914400" eaLnBrk="0" fontAlgn="base" hangingPunct="0">
-              <a:spcBef>
-                <a:spcPct val="0"/>
-              </a:spcBef>
-              <a:spcAft>
-                <a:spcPct val="0"/>
-              </a:spcAft>
-              <a:defRPr sz="2400">
-                <a:solidFill>
-                  <a:schemeClr val="tx1"/>
-                </a:solidFill>
-                <a:latin typeface="Arial" charset="0"/>
-                <a:ea typeface="ＭＳ Ｐゴシック" charset="0"/>
-              </a:defRPr>
-            </a:lvl7pPr>
-            <a:lvl8pPr marL="1371600" eaLnBrk="0" fontAlgn="base" hangingPunct="0">
-              <a:spcBef>
-                <a:spcPct val="0"/>
-              </a:spcBef>
-              <a:spcAft>
-                <a:spcPct val="0"/>
-              </a:spcAft>
-              <a:defRPr sz="2400">
-                <a:solidFill>
-                  <a:schemeClr val="tx1"/>
-                </a:solidFill>
-                <a:latin typeface="Arial" charset="0"/>
-                <a:ea typeface="ＭＳ Ｐゴシック" charset="0"/>
-              </a:defRPr>
-            </a:lvl8pPr>
-            <a:lvl9pPr marL="1828800" eaLnBrk="0" fontAlgn="base" hangingPunct="0">
-              <a:spcBef>
-                <a:spcPct val="0"/>
-              </a:spcBef>
-              <a:spcAft>
-                <a:spcPct val="0"/>
-              </a:spcAft>
-              <a:defRPr sz="2400">
-                <a:solidFill>
-                  <a:schemeClr val="tx1"/>
-                </a:solidFill>
-                <a:latin typeface="Arial" charset="0"/>
-                <a:ea typeface="ＭＳ Ｐゴシック" charset="0"/>
-              </a:defRPr>
-            </a:lvl9pPr>
-          </a:lstStyle>
-          <a:p>
-            <a:pPr eaLnBrk="1" hangingPunct="1">
-              <a:defRPr/>
-            </a:pPr>
-            <a:r>
-              <a:rPr lang="en-US" sz="2000" b="1">
-                <a:solidFill>
-                  <a:schemeClr val="bg1"/>
-                </a:solidFill>
-                <a:latin typeface="Calibri" charset="0"/>
-                <a:cs typeface="Calibri" charset="0"/>
-              </a:rPr>
-              <a:t>RNA sequencing and analysis</a:t>
-            </a:r>
-          </a:p>
-        </p:txBody>
-      </p:sp>
-      <p:sp>
-        <p:nvSpPr>
-          <p:cNvPr id="6" name="TextBox 5"/>
-          <p:cNvSpPr txBox="1"/>
-          <p:nvPr userDrawn="1"/>
-        </p:nvSpPr>
-        <p:spPr>
-          <a:xfrm>
-            <a:off x="8229600" y="6477000"/>
-            <a:ext cx="3860800" cy="338138"/>
-          </a:xfrm>
-          <a:prstGeom prst="rect">
-            <a:avLst/>
-          </a:prstGeom>
-          <a:noFill/>
-        </p:spPr>
-        <p:txBody>
-          <a:bodyPr>
-            <a:spAutoFit/>
-          </a:bodyPr>
-          <a:lstStyle>
-            <a:lvl1pPr eaLnBrk="0" hangingPunct="0">
-              <a:defRPr sz="2400">
-                <a:solidFill>
-                  <a:schemeClr val="tx1"/>
-                </a:solidFill>
-                <a:latin typeface="Arial" charset="0"/>
-                <a:ea typeface="ＭＳ Ｐゴシック" charset="0"/>
-                <a:cs typeface="ＭＳ Ｐゴシック" charset="0"/>
-              </a:defRPr>
-            </a:lvl1pPr>
-            <a:lvl2pPr marL="37931725" indent="-37474525" eaLnBrk="0" hangingPunct="0">
-              <a:defRPr sz="2400">
-                <a:solidFill>
-                  <a:schemeClr val="tx1"/>
-                </a:solidFill>
-                <a:latin typeface="Arial" charset="0"/>
-                <a:ea typeface="ＭＳ Ｐゴシック" charset="0"/>
-              </a:defRPr>
-            </a:lvl2pPr>
-            <a:lvl3pPr eaLnBrk="0" hangingPunct="0">
-              <a:defRPr sz="2400">
-                <a:solidFill>
-                  <a:schemeClr val="tx1"/>
-                </a:solidFill>
-                <a:latin typeface="Arial" charset="0"/>
-                <a:ea typeface="ＭＳ Ｐゴシック" charset="0"/>
-              </a:defRPr>
-            </a:lvl3pPr>
-            <a:lvl4pPr eaLnBrk="0" hangingPunct="0">
-              <a:defRPr sz="2400">
-                <a:solidFill>
-                  <a:schemeClr val="tx1"/>
-                </a:solidFill>
-                <a:latin typeface="Arial" charset="0"/>
-                <a:ea typeface="ＭＳ Ｐゴシック" charset="0"/>
-              </a:defRPr>
-            </a:lvl4pPr>
-            <a:lvl5pPr eaLnBrk="0" hangingPunct="0">
-              <a:defRPr sz="2400">
-                <a:solidFill>
-                  <a:schemeClr val="tx1"/>
-                </a:solidFill>
-                <a:latin typeface="Arial" charset="0"/>
-                <a:ea typeface="ＭＳ Ｐゴシック" charset="0"/>
-              </a:defRPr>
-            </a:lvl5pPr>
-            <a:lvl6pPr marL="457200" eaLnBrk="0" fontAlgn="base" hangingPunct="0">
-              <a:spcBef>
-                <a:spcPct val="0"/>
-              </a:spcBef>
-              <a:spcAft>
-                <a:spcPct val="0"/>
-              </a:spcAft>
-              <a:defRPr sz="2400">
-                <a:solidFill>
-                  <a:schemeClr val="tx1"/>
-                </a:solidFill>
-                <a:latin typeface="Arial" charset="0"/>
-                <a:ea typeface="ＭＳ Ｐゴシック" charset="0"/>
-              </a:defRPr>
-            </a:lvl6pPr>
-            <a:lvl7pPr marL="914400" eaLnBrk="0" fontAlgn="base" hangingPunct="0">
-              <a:spcBef>
-                <a:spcPct val="0"/>
-              </a:spcBef>
-              <a:spcAft>
-                <a:spcPct val="0"/>
-              </a:spcAft>
-              <a:defRPr sz="2400">
-                <a:solidFill>
-                  <a:schemeClr val="tx1"/>
-                </a:solidFill>
-                <a:latin typeface="Arial" charset="0"/>
-                <a:ea typeface="ＭＳ Ｐゴシック" charset="0"/>
-              </a:defRPr>
-            </a:lvl7pPr>
-            <a:lvl8pPr marL="1371600" eaLnBrk="0" fontAlgn="base" hangingPunct="0">
-              <a:spcBef>
-                <a:spcPct val="0"/>
-              </a:spcBef>
-              <a:spcAft>
-                <a:spcPct val="0"/>
-              </a:spcAft>
-              <a:defRPr sz="2400">
-                <a:solidFill>
-                  <a:schemeClr val="tx1"/>
-                </a:solidFill>
-                <a:latin typeface="Arial" charset="0"/>
-                <a:ea typeface="ＭＳ Ｐゴシック" charset="0"/>
-              </a:defRPr>
-            </a:lvl8pPr>
-            <a:lvl9pPr marL="1828800" eaLnBrk="0" fontAlgn="base" hangingPunct="0">
-              <a:spcBef>
-                <a:spcPct val="0"/>
-              </a:spcBef>
-              <a:spcAft>
-                <a:spcPct val="0"/>
-              </a:spcAft>
-              <a:defRPr sz="2400">
-                <a:solidFill>
-                  <a:schemeClr val="tx1"/>
-                </a:solidFill>
-                <a:latin typeface="Arial" charset="0"/>
-                <a:ea typeface="ＭＳ Ｐゴシック" charset="0"/>
-              </a:defRPr>
-            </a:lvl9pPr>
-          </a:lstStyle>
-          <a:p>
-            <a:pPr algn="r" eaLnBrk="1" hangingPunct="1">
-              <a:defRPr/>
-            </a:pPr>
-            <a:r>
-              <a:rPr lang="en-US" sz="1600" b="1">
-                <a:cs typeface="Arial" charset="0"/>
-              </a:rPr>
-              <a:t>http://meetings.cshl.edu/</a:t>
-            </a:r>
-            <a:endParaRPr lang="en-US" sz="1600">
-              <a:cs typeface="Arial" charset="0"/>
-            </a:endParaRPr>
-          </a:p>
-        </p:txBody>
-      </p:sp>
       <p:sp>
         <p:nvSpPr>
           <p:cNvPr id="3" name="Content Placeholder 2"/>
@@ -2705,7 +2505,13 @@
       </p:sp>
       <p:pic>
         <p:nvPicPr>
-          <p:cNvPr id="3" name="Picture 7" descr="cshl_logo_alternate rgb.png"/>
+          <p:cNvPr id="4" name="Picture 7" descr="cshl_logo_alternate rgb.png">
+            <a:extLst>
+              <a:ext uri="{FF2B5EF4-FFF2-40B4-BE49-F238E27FC236}">
+                <a16:creationId xmlns:a16="http://schemas.microsoft.com/office/drawing/2014/main" id="{85786AB2-8793-0C47-8E3E-39F0022D3C62}"/>
+              </a:ext>
+            </a:extLst>
+          </p:cNvPr>
           <p:cNvPicPr>
             <a:picLocks noChangeAspect="1"/>
           </p:cNvPicPr>
@@ -2726,8 +2532,8 @@
         </p:blipFill>
         <p:spPr bwMode="auto">
           <a:xfrm>
-            <a:off x="400052" y="381000"/>
-            <a:ext cx="4679949" cy="1676400"/>
+            <a:off x="300038" y="381000"/>
+            <a:ext cx="3509962" cy="1676400"/>
           </a:xfrm>
           <a:prstGeom prst="rect">
             <a:avLst/>
@@ -2789,350 +2595,6 @@
       </p:grpSpPr>
       <p:sp>
         <p:nvSpPr>
-          <p:cNvPr id="5" name="Rectangle 4"/>
-          <p:cNvSpPr/>
-          <p:nvPr userDrawn="1"/>
-        </p:nvSpPr>
-        <p:spPr>
-          <a:xfrm>
-            <a:off x="0" y="6400800"/>
-            <a:ext cx="12192000" cy="457200"/>
-          </a:xfrm>
-          <a:prstGeom prst="rect">
-            <a:avLst/>
-          </a:prstGeom>
-          <a:solidFill>
-            <a:srgbClr val="CA0000"/>
-          </a:solidFill>
-          <a:ln>
-            <a:noFill/>
-          </a:ln>
-        </p:spPr>
-        <p:style>
-          <a:lnRef idx="2">
-            <a:schemeClr val="accent1">
-              <a:shade val="50000"/>
-            </a:schemeClr>
-          </a:lnRef>
-          <a:fillRef idx="1">
-            <a:schemeClr val="accent1"/>
-          </a:fillRef>
-          <a:effectRef idx="0">
-            <a:schemeClr val="accent1"/>
-          </a:effectRef>
-          <a:fontRef idx="minor">
-            <a:schemeClr val="lt1"/>
-          </a:fontRef>
-        </p:style>
-        <p:txBody>
-          <a:bodyPr anchor="ctr"/>
-          <a:lstStyle/>
-          <a:p>
-            <a:pPr algn="ctr">
-              <a:defRPr/>
-            </a:pPr>
-            <a:endParaRPr lang="en-US" sz="1800">
-              <a:solidFill>
-                <a:srgbClr val="FFFFFF"/>
-              </a:solidFill>
-              <a:latin typeface="Segoe UI" charset="0"/>
-              <a:ea typeface="ＭＳ Ｐゴシック" charset="0"/>
-              <a:cs typeface="ＭＳ Ｐゴシック" charset="0"/>
-            </a:endParaRPr>
-          </a:p>
-        </p:txBody>
-      </p:sp>
-      <p:sp>
-        <p:nvSpPr>
-          <p:cNvPr id="7" name="TextBox 6"/>
-          <p:cNvSpPr txBox="1"/>
-          <p:nvPr userDrawn="1"/>
-        </p:nvSpPr>
-        <p:spPr>
-          <a:xfrm>
-            <a:off x="101600" y="6429375"/>
-            <a:ext cx="8940800" cy="400050"/>
-          </a:xfrm>
-          <a:prstGeom prst="rect">
-            <a:avLst/>
-          </a:prstGeom>
-          <a:noFill/>
-        </p:spPr>
-        <p:txBody>
-          <a:bodyPr>
-            <a:spAutoFit/>
-          </a:bodyPr>
-          <a:lstStyle>
-            <a:lvl1pPr eaLnBrk="0" hangingPunct="0">
-              <a:defRPr sz="2400">
-                <a:solidFill>
-                  <a:schemeClr val="tx1"/>
-                </a:solidFill>
-                <a:latin typeface="Arial" charset="0"/>
-                <a:ea typeface="ＭＳ Ｐゴシック" charset="0"/>
-                <a:cs typeface="ＭＳ Ｐゴシック" charset="0"/>
-              </a:defRPr>
-            </a:lvl1pPr>
-            <a:lvl2pPr marL="37931725" indent="-37474525" eaLnBrk="0" hangingPunct="0">
-              <a:defRPr sz="2400">
-                <a:solidFill>
-                  <a:schemeClr val="tx1"/>
-                </a:solidFill>
-                <a:latin typeface="Arial" charset="0"/>
-                <a:ea typeface="ＭＳ Ｐゴシック" charset="0"/>
-              </a:defRPr>
-            </a:lvl2pPr>
-            <a:lvl3pPr eaLnBrk="0" hangingPunct="0">
-              <a:defRPr sz="2400">
-                <a:solidFill>
-                  <a:schemeClr val="tx1"/>
-                </a:solidFill>
-                <a:latin typeface="Arial" charset="0"/>
-                <a:ea typeface="ＭＳ Ｐゴシック" charset="0"/>
-              </a:defRPr>
-            </a:lvl3pPr>
-            <a:lvl4pPr eaLnBrk="0" hangingPunct="0">
-              <a:defRPr sz="2400">
-                <a:solidFill>
-                  <a:schemeClr val="tx1"/>
-                </a:solidFill>
-                <a:latin typeface="Arial" charset="0"/>
-                <a:ea typeface="ＭＳ Ｐゴシック" charset="0"/>
-              </a:defRPr>
-            </a:lvl4pPr>
-            <a:lvl5pPr eaLnBrk="0" hangingPunct="0">
-              <a:defRPr sz="2400">
-                <a:solidFill>
-                  <a:schemeClr val="tx1"/>
-                </a:solidFill>
-                <a:latin typeface="Arial" charset="0"/>
-                <a:ea typeface="ＭＳ Ｐゴシック" charset="0"/>
-              </a:defRPr>
-            </a:lvl5pPr>
-            <a:lvl6pPr marL="457200" eaLnBrk="0" fontAlgn="base" hangingPunct="0">
-              <a:spcBef>
-                <a:spcPct val="0"/>
-              </a:spcBef>
-              <a:spcAft>
-                <a:spcPct val="0"/>
-              </a:spcAft>
-              <a:defRPr sz="2400">
-                <a:solidFill>
-                  <a:schemeClr val="tx1"/>
-                </a:solidFill>
-                <a:latin typeface="Arial" charset="0"/>
-                <a:ea typeface="ＭＳ Ｐゴシック" charset="0"/>
-              </a:defRPr>
-            </a:lvl6pPr>
-            <a:lvl7pPr marL="914400" eaLnBrk="0" fontAlgn="base" hangingPunct="0">
-              <a:spcBef>
-                <a:spcPct val="0"/>
-              </a:spcBef>
-              <a:spcAft>
-                <a:spcPct val="0"/>
-              </a:spcAft>
-              <a:defRPr sz="2400">
-                <a:solidFill>
-                  <a:schemeClr val="tx1"/>
-                </a:solidFill>
-                <a:latin typeface="Arial" charset="0"/>
-                <a:ea typeface="ＭＳ Ｐゴシック" charset="0"/>
-              </a:defRPr>
-            </a:lvl7pPr>
-            <a:lvl8pPr marL="1371600" eaLnBrk="0" fontAlgn="base" hangingPunct="0">
-              <a:spcBef>
-                <a:spcPct val="0"/>
-              </a:spcBef>
-              <a:spcAft>
-                <a:spcPct val="0"/>
-              </a:spcAft>
-              <a:defRPr sz="2400">
-                <a:solidFill>
-                  <a:schemeClr val="tx1"/>
-                </a:solidFill>
-                <a:latin typeface="Arial" charset="0"/>
-                <a:ea typeface="ＭＳ Ｐゴシック" charset="0"/>
-              </a:defRPr>
-            </a:lvl8pPr>
-            <a:lvl9pPr marL="1828800" eaLnBrk="0" fontAlgn="base" hangingPunct="0">
-              <a:spcBef>
-                <a:spcPct val="0"/>
-              </a:spcBef>
-              <a:spcAft>
-                <a:spcPct val="0"/>
-              </a:spcAft>
-              <a:defRPr sz="2400">
-                <a:solidFill>
-                  <a:schemeClr val="tx1"/>
-                </a:solidFill>
-                <a:latin typeface="Arial" charset="0"/>
-                <a:ea typeface="ＭＳ Ｐゴシック" charset="0"/>
-              </a:defRPr>
-            </a:lvl9pPr>
-          </a:lstStyle>
-          <a:p>
-            <a:pPr eaLnBrk="1" hangingPunct="1">
-              <a:defRPr/>
-            </a:pPr>
-            <a:r>
-              <a:rPr lang="en-US" sz="2000" b="1">
-                <a:solidFill>
-                  <a:schemeClr val="bg1"/>
-                </a:solidFill>
-                <a:latin typeface="Calibri" charset="0"/>
-                <a:cs typeface="Calibri" charset="0"/>
-              </a:rPr>
-              <a:t>RNA sequencing and analysis</a:t>
-            </a:r>
-          </a:p>
-        </p:txBody>
-      </p:sp>
-      <p:sp>
-        <p:nvSpPr>
-          <p:cNvPr id="8" name="TextBox 7"/>
-          <p:cNvSpPr txBox="1"/>
-          <p:nvPr userDrawn="1"/>
-        </p:nvSpPr>
-        <p:spPr>
-          <a:xfrm>
-            <a:off x="8229600" y="6477000"/>
-            <a:ext cx="3860800" cy="338138"/>
-          </a:xfrm>
-          <a:prstGeom prst="rect">
-            <a:avLst/>
-          </a:prstGeom>
-          <a:noFill/>
-        </p:spPr>
-        <p:txBody>
-          <a:bodyPr>
-            <a:spAutoFit/>
-          </a:bodyPr>
-          <a:lstStyle>
-            <a:lvl1pPr eaLnBrk="0" hangingPunct="0">
-              <a:defRPr sz="2400">
-                <a:solidFill>
-                  <a:schemeClr val="tx1"/>
-                </a:solidFill>
-                <a:latin typeface="Arial" charset="0"/>
-                <a:ea typeface="ＭＳ Ｐゴシック" charset="0"/>
-                <a:cs typeface="ＭＳ Ｐゴシック" charset="0"/>
-              </a:defRPr>
-            </a:lvl1pPr>
-            <a:lvl2pPr marL="37931725" indent="-37474525" eaLnBrk="0" hangingPunct="0">
-              <a:defRPr sz="2400">
-                <a:solidFill>
-                  <a:schemeClr val="tx1"/>
-                </a:solidFill>
-                <a:latin typeface="Arial" charset="0"/>
-                <a:ea typeface="ＭＳ Ｐゴシック" charset="0"/>
-              </a:defRPr>
-            </a:lvl2pPr>
-            <a:lvl3pPr eaLnBrk="0" hangingPunct="0">
-              <a:defRPr sz="2400">
-                <a:solidFill>
-                  <a:schemeClr val="tx1"/>
-                </a:solidFill>
-                <a:latin typeface="Arial" charset="0"/>
-                <a:ea typeface="ＭＳ Ｐゴシック" charset="0"/>
-              </a:defRPr>
-            </a:lvl3pPr>
-            <a:lvl4pPr eaLnBrk="0" hangingPunct="0">
-              <a:defRPr sz="2400">
-                <a:solidFill>
-                  <a:schemeClr val="tx1"/>
-                </a:solidFill>
-                <a:latin typeface="Arial" charset="0"/>
-                <a:ea typeface="ＭＳ Ｐゴシック" charset="0"/>
-              </a:defRPr>
-            </a:lvl4pPr>
-            <a:lvl5pPr eaLnBrk="0" hangingPunct="0">
-              <a:defRPr sz="2400">
-                <a:solidFill>
-                  <a:schemeClr val="tx1"/>
-                </a:solidFill>
-                <a:latin typeface="Arial" charset="0"/>
-                <a:ea typeface="ＭＳ Ｐゴシック" charset="0"/>
-              </a:defRPr>
-            </a:lvl5pPr>
-            <a:lvl6pPr marL="457200" eaLnBrk="0" fontAlgn="base" hangingPunct="0">
-              <a:spcBef>
-                <a:spcPct val="0"/>
-              </a:spcBef>
-              <a:spcAft>
-                <a:spcPct val="0"/>
-              </a:spcAft>
-              <a:defRPr sz="2400">
-                <a:solidFill>
-                  <a:schemeClr val="tx1"/>
-                </a:solidFill>
-                <a:latin typeface="Arial" charset="0"/>
-                <a:ea typeface="ＭＳ Ｐゴシック" charset="0"/>
-              </a:defRPr>
-            </a:lvl6pPr>
-            <a:lvl7pPr marL="914400" eaLnBrk="0" fontAlgn="base" hangingPunct="0">
-              <a:spcBef>
-                <a:spcPct val="0"/>
-              </a:spcBef>
-              <a:spcAft>
-                <a:spcPct val="0"/>
-              </a:spcAft>
-              <a:defRPr sz="2400">
-                <a:solidFill>
-                  <a:schemeClr val="tx1"/>
-                </a:solidFill>
-                <a:latin typeface="Arial" charset="0"/>
-                <a:ea typeface="ＭＳ Ｐゴシック" charset="0"/>
-              </a:defRPr>
-            </a:lvl7pPr>
-            <a:lvl8pPr marL="1371600" eaLnBrk="0" fontAlgn="base" hangingPunct="0">
-              <a:spcBef>
-                <a:spcPct val="0"/>
-              </a:spcBef>
-              <a:spcAft>
-                <a:spcPct val="0"/>
-              </a:spcAft>
-              <a:defRPr sz="2400">
-                <a:solidFill>
-                  <a:schemeClr val="tx1"/>
-                </a:solidFill>
-                <a:latin typeface="Arial" charset="0"/>
-                <a:ea typeface="ＭＳ Ｐゴシック" charset="0"/>
-              </a:defRPr>
-            </a:lvl8pPr>
-            <a:lvl9pPr marL="1828800" eaLnBrk="0" fontAlgn="base" hangingPunct="0">
-              <a:spcBef>
-                <a:spcPct val="0"/>
-              </a:spcBef>
-              <a:spcAft>
-                <a:spcPct val="0"/>
-              </a:spcAft>
-              <a:defRPr sz="2400">
-                <a:solidFill>
-                  <a:schemeClr val="tx1"/>
-                </a:solidFill>
-                <a:latin typeface="Arial" charset="0"/>
-                <a:ea typeface="ＭＳ Ｐゴシック" charset="0"/>
-              </a:defRPr>
-            </a:lvl9pPr>
-          </a:lstStyle>
-          <a:p>
-            <a:pPr algn="r" eaLnBrk="1" hangingPunct="1">
-              <a:defRPr/>
-            </a:pPr>
-            <a:r>
-              <a:rPr lang="en-US" sz="1600" b="1">
-                <a:cs typeface="Arial" charset="0"/>
-              </a:rPr>
-              <a:t>http://meetings.cshl.edu/</a:t>
-            </a:r>
-            <a:endParaRPr lang="en-US" sz="1600">
-              <a:cs typeface="Arial" charset="0"/>
-            </a:endParaRPr>
-          </a:p>
-        </p:txBody>
-      </p:sp>
-      <p:sp>
-        <p:nvSpPr>
           <p:cNvPr id="2" name="Title 1"/>
           <p:cNvSpPr>
             <a:spLocks noGrp="1"/>
@@ -3369,350 +2831,6 @@
           <a:chExt cx="0" cy="0"/>
         </a:xfrm>
       </p:grpSpPr>
-      <p:sp>
-        <p:nvSpPr>
-          <p:cNvPr id="4" name="Rectangle 3"/>
-          <p:cNvSpPr/>
-          <p:nvPr userDrawn="1"/>
-        </p:nvSpPr>
-        <p:spPr>
-          <a:xfrm>
-            <a:off x="0" y="6400800"/>
-            <a:ext cx="12192000" cy="457200"/>
-          </a:xfrm>
-          <a:prstGeom prst="rect">
-            <a:avLst/>
-          </a:prstGeom>
-          <a:solidFill>
-            <a:srgbClr val="CA0000"/>
-          </a:solidFill>
-          <a:ln>
-            <a:noFill/>
-          </a:ln>
-        </p:spPr>
-        <p:style>
-          <a:lnRef idx="2">
-            <a:schemeClr val="accent1">
-              <a:shade val="50000"/>
-            </a:schemeClr>
-          </a:lnRef>
-          <a:fillRef idx="1">
-            <a:schemeClr val="accent1"/>
-          </a:fillRef>
-          <a:effectRef idx="0">
-            <a:schemeClr val="accent1"/>
-          </a:effectRef>
-          <a:fontRef idx="minor">
-            <a:schemeClr val="lt1"/>
-          </a:fontRef>
-        </p:style>
-        <p:txBody>
-          <a:bodyPr anchor="ctr"/>
-          <a:lstStyle/>
-          <a:p>
-            <a:pPr algn="ctr">
-              <a:defRPr/>
-            </a:pPr>
-            <a:endParaRPr lang="en-US" sz="1800">
-              <a:solidFill>
-                <a:srgbClr val="FFFFFF"/>
-              </a:solidFill>
-              <a:latin typeface="Segoe UI" charset="0"/>
-              <a:ea typeface="ＭＳ Ｐゴシック" charset="0"/>
-              <a:cs typeface="ＭＳ Ｐゴシック" charset="0"/>
-            </a:endParaRPr>
-          </a:p>
-        </p:txBody>
-      </p:sp>
-      <p:sp>
-        <p:nvSpPr>
-          <p:cNvPr id="5" name="TextBox 4"/>
-          <p:cNvSpPr txBox="1"/>
-          <p:nvPr userDrawn="1"/>
-        </p:nvSpPr>
-        <p:spPr>
-          <a:xfrm>
-            <a:off x="101600" y="6429375"/>
-            <a:ext cx="8940800" cy="400050"/>
-          </a:xfrm>
-          <a:prstGeom prst="rect">
-            <a:avLst/>
-          </a:prstGeom>
-          <a:noFill/>
-        </p:spPr>
-        <p:txBody>
-          <a:bodyPr>
-            <a:spAutoFit/>
-          </a:bodyPr>
-          <a:lstStyle>
-            <a:lvl1pPr eaLnBrk="0" hangingPunct="0">
-              <a:defRPr sz="2400">
-                <a:solidFill>
-                  <a:schemeClr val="tx1"/>
-                </a:solidFill>
-                <a:latin typeface="Arial" charset="0"/>
-                <a:ea typeface="ＭＳ Ｐゴシック" charset="0"/>
-                <a:cs typeface="ＭＳ Ｐゴシック" charset="0"/>
-              </a:defRPr>
-            </a:lvl1pPr>
-            <a:lvl2pPr marL="37931725" indent="-37474525" eaLnBrk="0" hangingPunct="0">
-              <a:defRPr sz="2400">
-                <a:solidFill>
-                  <a:schemeClr val="tx1"/>
-                </a:solidFill>
-                <a:latin typeface="Arial" charset="0"/>
-                <a:ea typeface="ＭＳ Ｐゴシック" charset="0"/>
-              </a:defRPr>
-            </a:lvl2pPr>
-            <a:lvl3pPr eaLnBrk="0" hangingPunct="0">
-              <a:defRPr sz="2400">
-                <a:solidFill>
-                  <a:schemeClr val="tx1"/>
-                </a:solidFill>
-                <a:latin typeface="Arial" charset="0"/>
-                <a:ea typeface="ＭＳ Ｐゴシック" charset="0"/>
-              </a:defRPr>
-            </a:lvl3pPr>
-            <a:lvl4pPr eaLnBrk="0" hangingPunct="0">
-              <a:defRPr sz="2400">
-                <a:solidFill>
-                  <a:schemeClr val="tx1"/>
-                </a:solidFill>
-                <a:latin typeface="Arial" charset="0"/>
-                <a:ea typeface="ＭＳ Ｐゴシック" charset="0"/>
-              </a:defRPr>
-            </a:lvl4pPr>
-            <a:lvl5pPr eaLnBrk="0" hangingPunct="0">
-              <a:defRPr sz="2400">
-                <a:solidFill>
-                  <a:schemeClr val="tx1"/>
-                </a:solidFill>
-                <a:latin typeface="Arial" charset="0"/>
-                <a:ea typeface="ＭＳ Ｐゴシック" charset="0"/>
-              </a:defRPr>
-            </a:lvl5pPr>
-            <a:lvl6pPr marL="457200" eaLnBrk="0" fontAlgn="base" hangingPunct="0">
-              <a:spcBef>
-                <a:spcPct val="0"/>
-              </a:spcBef>
-              <a:spcAft>
-                <a:spcPct val="0"/>
-              </a:spcAft>
-              <a:defRPr sz="2400">
-                <a:solidFill>
-                  <a:schemeClr val="tx1"/>
-                </a:solidFill>
-                <a:latin typeface="Arial" charset="0"/>
-                <a:ea typeface="ＭＳ Ｐゴシック" charset="0"/>
-              </a:defRPr>
-            </a:lvl6pPr>
-            <a:lvl7pPr marL="914400" eaLnBrk="0" fontAlgn="base" hangingPunct="0">
-              <a:spcBef>
-                <a:spcPct val="0"/>
-              </a:spcBef>
-              <a:spcAft>
-                <a:spcPct val="0"/>
-              </a:spcAft>
-              <a:defRPr sz="2400">
-                <a:solidFill>
-                  <a:schemeClr val="tx1"/>
-                </a:solidFill>
-                <a:latin typeface="Arial" charset="0"/>
-                <a:ea typeface="ＭＳ Ｐゴシック" charset="0"/>
-              </a:defRPr>
-            </a:lvl7pPr>
-            <a:lvl8pPr marL="1371600" eaLnBrk="0" fontAlgn="base" hangingPunct="0">
-              <a:spcBef>
-                <a:spcPct val="0"/>
-              </a:spcBef>
-              <a:spcAft>
-                <a:spcPct val="0"/>
-              </a:spcAft>
-              <a:defRPr sz="2400">
-                <a:solidFill>
-                  <a:schemeClr val="tx1"/>
-                </a:solidFill>
-                <a:latin typeface="Arial" charset="0"/>
-                <a:ea typeface="ＭＳ Ｐゴシック" charset="0"/>
-              </a:defRPr>
-            </a:lvl8pPr>
-            <a:lvl9pPr marL="1828800" eaLnBrk="0" fontAlgn="base" hangingPunct="0">
-              <a:spcBef>
-                <a:spcPct val="0"/>
-              </a:spcBef>
-              <a:spcAft>
-                <a:spcPct val="0"/>
-              </a:spcAft>
-              <a:defRPr sz="2400">
-                <a:solidFill>
-                  <a:schemeClr val="tx1"/>
-                </a:solidFill>
-                <a:latin typeface="Arial" charset="0"/>
-                <a:ea typeface="ＭＳ Ｐゴシック" charset="0"/>
-              </a:defRPr>
-            </a:lvl9pPr>
-          </a:lstStyle>
-          <a:p>
-            <a:pPr eaLnBrk="1" hangingPunct="1">
-              <a:defRPr/>
-            </a:pPr>
-            <a:r>
-              <a:rPr lang="en-US" sz="2000" b="1">
-                <a:solidFill>
-                  <a:schemeClr val="bg1"/>
-                </a:solidFill>
-                <a:latin typeface="Calibri" charset="0"/>
-                <a:cs typeface="Calibri" charset="0"/>
-              </a:rPr>
-              <a:t>RNA sequencing and analysis</a:t>
-            </a:r>
-          </a:p>
-        </p:txBody>
-      </p:sp>
-      <p:sp>
-        <p:nvSpPr>
-          <p:cNvPr id="6" name="TextBox 5"/>
-          <p:cNvSpPr txBox="1"/>
-          <p:nvPr userDrawn="1"/>
-        </p:nvSpPr>
-        <p:spPr>
-          <a:xfrm>
-            <a:off x="8229600" y="6477000"/>
-            <a:ext cx="3860800" cy="338138"/>
-          </a:xfrm>
-          <a:prstGeom prst="rect">
-            <a:avLst/>
-          </a:prstGeom>
-          <a:noFill/>
-        </p:spPr>
-        <p:txBody>
-          <a:bodyPr>
-            <a:spAutoFit/>
-          </a:bodyPr>
-          <a:lstStyle>
-            <a:lvl1pPr eaLnBrk="0" hangingPunct="0">
-              <a:defRPr sz="2400">
-                <a:solidFill>
-                  <a:schemeClr val="tx1"/>
-                </a:solidFill>
-                <a:latin typeface="Arial" charset="0"/>
-                <a:ea typeface="ＭＳ Ｐゴシック" charset="0"/>
-                <a:cs typeface="ＭＳ Ｐゴシック" charset="0"/>
-              </a:defRPr>
-            </a:lvl1pPr>
-            <a:lvl2pPr marL="37931725" indent="-37474525" eaLnBrk="0" hangingPunct="0">
-              <a:defRPr sz="2400">
-                <a:solidFill>
-                  <a:schemeClr val="tx1"/>
-                </a:solidFill>
-                <a:latin typeface="Arial" charset="0"/>
-                <a:ea typeface="ＭＳ Ｐゴシック" charset="0"/>
-              </a:defRPr>
-            </a:lvl2pPr>
-            <a:lvl3pPr eaLnBrk="0" hangingPunct="0">
-              <a:defRPr sz="2400">
-                <a:solidFill>
-                  <a:schemeClr val="tx1"/>
-                </a:solidFill>
-                <a:latin typeface="Arial" charset="0"/>
-                <a:ea typeface="ＭＳ Ｐゴシック" charset="0"/>
-              </a:defRPr>
-            </a:lvl3pPr>
-            <a:lvl4pPr eaLnBrk="0" hangingPunct="0">
-              <a:defRPr sz="2400">
-                <a:solidFill>
-                  <a:schemeClr val="tx1"/>
-                </a:solidFill>
-                <a:latin typeface="Arial" charset="0"/>
-                <a:ea typeface="ＭＳ Ｐゴシック" charset="0"/>
-              </a:defRPr>
-            </a:lvl4pPr>
-            <a:lvl5pPr eaLnBrk="0" hangingPunct="0">
-              <a:defRPr sz="2400">
-                <a:solidFill>
-                  <a:schemeClr val="tx1"/>
-                </a:solidFill>
-                <a:latin typeface="Arial" charset="0"/>
-                <a:ea typeface="ＭＳ Ｐゴシック" charset="0"/>
-              </a:defRPr>
-            </a:lvl5pPr>
-            <a:lvl6pPr marL="457200" eaLnBrk="0" fontAlgn="base" hangingPunct="0">
-              <a:spcBef>
-                <a:spcPct val="0"/>
-              </a:spcBef>
-              <a:spcAft>
-                <a:spcPct val="0"/>
-              </a:spcAft>
-              <a:defRPr sz="2400">
-                <a:solidFill>
-                  <a:schemeClr val="tx1"/>
-                </a:solidFill>
-                <a:latin typeface="Arial" charset="0"/>
-                <a:ea typeface="ＭＳ Ｐゴシック" charset="0"/>
-              </a:defRPr>
-            </a:lvl6pPr>
-            <a:lvl7pPr marL="914400" eaLnBrk="0" fontAlgn="base" hangingPunct="0">
-              <a:spcBef>
-                <a:spcPct val="0"/>
-              </a:spcBef>
-              <a:spcAft>
-                <a:spcPct val="0"/>
-              </a:spcAft>
-              <a:defRPr sz="2400">
-                <a:solidFill>
-                  <a:schemeClr val="tx1"/>
-                </a:solidFill>
-                <a:latin typeface="Arial" charset="0"/>
-                <a:ea typeface="ＭＳ Ｐゴシック" charset="0"/>
-              </a:defRPr>
-            </a:lvl7pPr>
-            <a:lvl8pPr marL="1371600" eaLnBrk="0" fontAlgn="base" hangingPunct="0">
-              <a:spcBef>
-                <a:spcPct val="0"/>
-              </a:spcBef>
-              <a:spcAft>
-                <a:spcPct val="0"/>
-              </a:spcAft>
-              <a:defRPr sz="2400">
-                <a:solidFill>
-                  <a:schemeClr val="tx1"/>
-                </a:solidFill>
-                <a:latin typeface="Arial" charset="0"/>
-                <a:ea typeface="ＭＳ Ｐゴシック" charset="0"/>
-              </a:defRPr>
-            </a:lvl8pPr>
-            <a:lvl9pPr marL="1828800" eaLnBrk="0" fontAlgn="base" hangingPunct="0">
-              <a:spcBef>
-                <a:spcPct val="0"/>
-              </a:spcBef>
-              <a:spcAft>
-                <a:spcPct val="0"/>
-              </a:spcAft>
-              <a:defRPr sz="2400">
-                <a:solidFill>
-                  <a:schemeClr val="tx1"/>
-                </a:solidFill>
-                <a:latin typeface="Arial" charset="0"/>
-                <a:ea typeface="ＭＳ Ｐゴシック" charset="0"/>
-              </a:defRPr>
-            </a:lvl9pPr>
-          </a:lstStyle>
-          <a:p>
-            <a:pPr algn="r" eaLnBrk="1" hangingPunct="1">
-              <a:defRPr/>
-            </a:pPr>
-            <a:r>
-              <a:rPr lang="en-US" sz="1600" b="1">
-                <a:cs typeface="Arial" charset="0"/>
-              </a:rPr>
-              <a:t>http://meetings.cshl.edu/</a:t>
-            </a:r>
-            <a:endParaRPr lang="en-US" sz="1600">
-              <a:cs typeface="Arial" charset="0"/>
-            </a:endParaRPr>
-          </a:p>
-        </p:txBody>
-      </p:sp>
       <p:sp>
         <p:nvSpPr>
           <p:cNvPr id="3" name="Content Placeholder 2"/>
@@ -5785,14 +4903,14 @@
           </a:ln>
           <a:extLst>
             <a:ext uri="{909E8E84-426E-40dd-AFC4-6F175D3DCCD1}">
-              <a14:hiddenFill xmlns:a14="http://schemas.microsoft.com/office/drawing/2010/main" xmlns="">
+              <a14:hiddenFill xmlns="" xmlns:a14="http://schemas.microsoft.com/office/drawing/2010/main">
                 <a:solidFill>
                   <a:srgbClr val="FFFFFF"/>
                 </a:solidFill>
               </a14:hiddenFill>
             </a:ext>
             <a:ext uri="{91240B29-F687-4f45-9708-019B960494DF}">
-              <a14:hiddenLine xmlns:a14="http://schemas.microsoft.com/office/drawing/2010/main" xmlns="" w="9525">
+              <a14:hiddenLine xmlns="" xmlns:a14="http://schemas.microsoft.com/office/drawing/2010/main" w="9525">
                 <a:solidFill>
                   <a:srgbClr val="000000"/>
                 </a:solidFill>
@@ -6409,145 +5527,6 @@
       </p:grpSpPr>
       <p:sp>
         <p:nvSpPr>
-          <p:cNvPr id="57" name="Rectangle 56"/>
-          <p:cNvSpPr/>
-          <p:nvPr/>
-        </p:nvSpPr>
-        <p:spPr>
-          <a:xfrm>
-            <a:off x="1524001" y="2514601"/>
-            <a:ext cx="5758249" cy="3898557"/>
-          </a:xfrm>
-          <a:prstGeom prst="rect">
-            <a:avLst/>
-          </a:prstGeom>
-          <a:solidFill>
-            <a:schemeClr val="accent1">
-              <a:alpha val="18000"/>
-            </a:schemeClr>
-          </a:solidFill>
-          <a:ln>
-            <a:noFill/>
-          </a:ln>
-        </p:spPr>
-        <p:style>
-          <a:lnRef idx="1">
-            <a:schemeClr val="accent1"/>
-          </a:lnRef>
-          <a:fillRef idx="3">
-            <a:schemeClr val="accent1"/>
-          </a:fillRef>
-          <a:effectRef idx="2">
-            <a:schemeClr val="accent1"/>
-          </a:effectRef>
-          <a:fontRef idx="minor">
-            <a:schemeClr val="lt1"/>
-          </a:fontRef>
-        </p:style>
-        <p:txBody>
-          <a:bodyPr anchor="ctr"/>
-          <a:lstStyle/>
-          <a:p>
-            <a:pPr algn="ctr">
-              <a:defRPr/>
-            </a:pPr>
-            <a:endParaRPr lang="en-US">
-              <a:solidFill>
-                <a:srgbClr val="FFFFFF"/>
-              </a:solidFill>
-              <a:latin typeface="Calibri" charset="0"/>
-              <a:ea typeface="ＭＳ Ｐゴシック" charset="0"/>
-              <a:cs typeface="Calibri" charset="0"/>
-            </a:endParaRPr>
-          </a:p>
-        </p:txBody>
-      </p:sp>
-      <p:pic>
-        <p:nvPicPr>
-          <p:cNvPr id="10242" name="Picture 4" descr="TGI_logo_V_2color_bevel.tiff"/>
-          <p:cNvPicPr>
-            <a:picLocks noChangeAspect="1"/>
-          </p:cNvPicPr>
-          <p:nvPr/>
-        </p:nvPicPr>
-        <p:blipFill>
-          <a:blip r:embed="rId2">
-            <a:extLst>
-              <a:ext uri="{28A0092B-C50C-407E-A947-70E740481C1C}">
-                <a14:useLocalDpi xmlns:a14="http://schemas.microsoft.com/office/drawing/2010/main" val="0"/>
-              </a:ext>
-            </a:extLst>
-          </a:blip>
-          <a:srcRect l="31865" t="30911" r="32492" b="27831"/>
-          <a:stretch>
-            <a:fillRect/>
-          </a:stretch>
-        </p:blipFill>
-        <p:spPr bwMode="auto">
-          <a:xfrm>
-            <a:off x="8112126" y="3744914"/>
-            <a:ext cx="2181225" cy="1893887"/>
-          </a:xfrm>
-          <a:prstGeom prst="rect">
-            <a:avLst/>
-          </a:prstGeom>
-          <a:noFill/>
-          <a:ln>
-            <a:noFill/>
-          </a:ln>
-          <a:extLst>
-            <a:ext uri="{909E8E84-426E-40dd-AFC4-6F175D3DCCD1}">
-              <a14:hiddenFill xmlns="" xmlns:a14="http://schemas.microsoft.com/office/drawing/2010/main">
-                <a:solidFill>
-                  <a:srgbClr val="FFFFFF"/>
-                </a:solidFill>
-              </a14:hiddenFill>
-            </a:ext>
-            <a:ext uri="{91240B29-F687-4f45-9708-019B960494DF}">
-              <a14:hiddenLine xmlns="" xmlns:a14="http://schemas.microsoft.com/office/drawing/2010/main" w="9525">
-                <a:solidFill>
-                  <a:srgbClr val="000000"/>
-                </a:solidFill>
-                <a:miter lim="800000"/>
-                <a:headEnd/>
-                <a:tailEnd/>
-              </a14:hiddenLine>
-            </a:ext>
-          </a:extLst>
-        </p:spPr>
-      </p:pic>
-      <p:pic>
-        <p:nvPicPr>
-          <p:cNvPr id="2" name="Picture 1" descr="DataCenter.jpg"/>
-          <p:cNvPicPr>
-            <a:picLocks noChangeAspect="1"/>
-          </p:cNvPicPr>
-          <p:nvPr/>
-        </p:nvPicPr>
-        <p:blipFill>
-          <a:blip r:embed="rId3" cstate="print">
-            <a:extLst>
-              <a:ext uri="{28A0092B-C50C-407E-A947-70E740481C1C}">
-                <a14:useLocalDpi xmlns:a14="http://schemas.microsoft.com/office/drawing/2010/main" val="0"/>
-              </a:ext>
-            </a:extLst>
-          </a:blip>
-          <a:stretch>
-            <a:fillRect/>
-          </a:stretch>
-        </p:blipFill>
-        <p:spPr>
-          <a:xfrm>
-            <a:off x="1703513" y="2708921"/>
-            <a:ext cx="5133893" cy="3422595"/>
-          </a:xfrm>
-          <a:prstGeom prst="rect">
-            <a:avLst/>
-          </a:prstGeom>
-        </p:spPr>
-      </p:pic>
-      <p:sp>
-        <p:nvSpPr>
           <p:cNvPr id="7" name="Title 1">
             <a:extLst>
               <a:ext uri="{FF2B5EF4-FFF2-40B4-BE49-F238E27FC236}">
@@ -6953,6 +5932,238 @@
           </a:p>
         </p:txBody>
       </p:sp>
+      <p:grpSp>
+        <p:nvGrpSpPr>
+          <p:cNvPr id="11" name="Group 10">
+            <a:extLst>
+              <a:ext uri="{FF2B5EF4-FFF2-40B4-BE49-F238E27FC236}">
+                <a16:creationId xmlns:a16="http://schemas.microsoft.com/office/drawing/2014/main" id="{24D093B4-1756-8D43-B84C-99E37317418D}"/>
+              </a:ext>
+            </a:extLst>
+          </p:cNvPr>
+          <p:cNvGrpSpPr/>
+          <p:nvPr/>
+        </p:nvGrpSpPr>
+        <p:grpSpPr>
+          <a:xfrm>
+            <a:off x="367863" y="2514601"/>
+            <a:ext cx="11104782" cy="3898557"/>
+            <a:chOff x="367863" y="2514601"/>
+            <a:chExt cx="11104782" cy="3898557"/>
+          </a:xfrm>
+        </p:grpSpPr>
+        <p:pic>
+          <p:nvPicPr>
+            <p:cNvPr id="12" name="Picture 4" descr="TGI_logo_V_2color_bevel.tiff">
+              <a:extLst>
+                <a:ext uri="{FF2B5EF4-FFF2-40B4-BE49-F238E27FC236}">
+                  <a16:creationId xmlns:a16="http://schemas.microsoft.com/office/drawing/2014/main" id="{2C888AEA-8B48-CE4E-AF21-FAA0176B0494}"/>
+                </a:ext>
+              </a:extLst>
+            </p:cNvPr>
+            <p:cNvPicPr>
+              <a:picLocks noChangeAspect="1"/>
+            </p:cNvPicPr>
+            <p:nvPr/>
+          </p:nvPicPr>
+          <p:blipFill>
+            <a:blip r:embed="rId3">
+              <a:extLst>
+                <a:ext uri="{28A0092B-C50C-407E-A947-70E740481C1C}">
+                  <a14:useLocalDpi xmlns:a14="http://schemas.microsoft.com/office/drawing/2010/main" val="0"/>
+                </a:ext>
+              </a:extLst>
+            </a:blip>
+            <a:srcRect l="31865" t="30911" r="32492" b="27831"/>
+            <a:stretch>
+              <a:fillRect/>
+            </a:stretch>
+          </p:blipFill>
+          <p:spPr bwMode="auto">
+            <a:xfrm>
+              <a:off x="8916770" y="3326484"/>
+              <a:ext cx="2555875" cy="2219183"/>
+            </a:xfrm>
+            <a:prstGeom prst="rect">
+              <a:avLst/>
+            </a:prstGeom>
+            <a:noFill/>
+            <a:ln>
+              <a:noFill/>
+            </a:ln>
+            <a:extLst>
+              <a:ext uri="{909E8E84-426E-40dd-AFC4-6F175D3DCCD1}">
+                <a14:hiddenFill xmlns="" xmlns:a14="http://schemas.microsoft.com/office/drawing/2010/main">
+                  <a:solidFill>
+                    <a:srgbClr val="FFFFFF"/>
+                  </a:solidFill>
+                </a14:hiddenFill>
+              </a:ext>
+              <a:ext uri="{91240B29-F687-4f45-9708-019B960494DF}">
+                <a14:hiddenLine xmlns="" xmlns:a14="http://schemas.microsoft.com/office/drawing/2010/main" w="9525">
+                  <a:solidFill>
+                    <a:srgbClr val="000000"/>
+                  </a:solidFill>
+                  <a:miter lim="800000"/>
+                  <a:headEnd/>
+                  <a:tailEnd/>
+                </a14:hiddenLine>
+              </a:ext>
+            </a:extLst>
+          </p:spPr>
+        </p:pic>
+        <p:sp>
+          <p:nvSpPr>
+            <p:cNvPr id="13" name="Rectangle 12">
+              <a:extLst>
+                <a:ext uri="{FF2B5EF4-FFF2-40B4-BE49-F238E27FC236}">
+                  <a16:creationId xmlns:a16="http://schemas.microsoft.com/office/drawing/2014/main" id="{01FBADA8-8419-F241-B44F-EFB58067D8FA}"/>
+                </a:ext>
+              </a:extLst>
+            </p:cNvPr>
+            <p:cNvSpPr/>
+            <p:nvPr/>
+          </p:nvSpPr>
+          <p:spPr>
+            <a:xfrm>
+              <a:off x="367863" y="2514601"/>
+              <a:ext cx="7819697" cy="3898557"/>
+            </a:xfrm>
+            <a:prstGeom prst="rect">
+              <a:avLst/>
+            </a:prstGeom>
+            <a:solidFill>
+              <a:schemeClr val="accent1">
+                <a:alpha val="18000"/>
+              </a:schemeClr>
+            </a:solidFill>
+            <a:ln>
+              <a:noFill/>
+            </a:ln>
+          </p:spPr>
+          <p:style>
+            <a:lnRef idx="1">
+              <a:schemeClr val="accent1"/>
+            </a:lnRef>
+            <a:fillRef idx="3">
+              <a:schemeClr val="accent1"/>
+            </a:fillRef>
+            <a:effectRef idx="2">
+              <a:schemeClr val="accent1"/>
+            </a:effectRef>
+            <a:fontRef idx="minor">
+              <a:schemeClr val="lt1"/>
+            </a:fontRef>
+          </p:style>
+          <p:txBody>
+            <a:bodyPr anchor="ctr"/>
+            <a:lstStyle/>
+            <a:p>
+              <a:pPr algn="ctr">
+                <a:defRPr/>
+              </a:pPr>
+              <a:endParaRPr lang="en-US">
+                <a:solidFill>
+                  <a:srgbClr val="FFFFFF"/>
+                </a:solidFill>
+                <a:latin typeface="Calibri" charset="0"/>
+                <a:ea typeface="ＭＳ Ｐゴシック" charset="0"/>
+                <a:cs typeface="Calibri" charset="0"/>
+              </a:endParaRPr>
+            </a:p>
+          </p:txBody>
+        </p:sp>
+        <p:pic>
+          <p:nvPicPr>
+            <p:cNvPr id="14" name="Picture 13">
+              <a:extLst>
+                <a:ext uri="{FF2B5EF4-FFF2-40B4-BE49-F238E27FC236}">
+                  <a16:creationId xmlns:a16="http://schemas.microsoft.com/office/drawing/2014/main" id="{2CBF9503-6CB6-FF46-A260-73D610A4E762}"/>
+                </a:ext>
+              </a:extLst>
+            </p:cNvPr>
+            <p:cNvPicPr>
+              <a:picLocks noChangeAspect="1"/>
+            </p:cNvPicPr>
+            <p:nvPr/>
+          </p:nvPicPr>
+          <p:blipFill>
+            <a:blip r:embed="rId4"/>
+            <a:stretch>
+              <a:fillRect/>
+            </a:stretch>
+          </p:blipFill>
+          <p:spPr>
+            <a:xfrm>
+              <a:off x="488540" y="2640653"/>
+              <a:ext cx="3632886" cy="3632886"/>
+            </a:xfrm>
+            <a:prstGeom prst="rect">
+              <a:avLst/>
+            </a:prstGeom>
+          </p:spPr>
+        </p:pic>
+        <p:pic>
+          <p:nvPicPr>
+            <p:cNvPr id="15" name="Picture 1" descr="RNA-Seq-alignment.png">
+              <a:extLst>
+                <a:ext uri="{FF2B5EF4-FFF2-40B4-BE49-F238E27FC236}">
+                  <a16:creationId xmlns:a16="http://schemas.microsoft.com/office/drawing/2014/main" id="{2A88854F-1BEE-0748-B739-FDE6AC0F5A68}"/>
+                </a:ext>
+              </a:extLst>
+            </p:cNvPr>
+            <p:cNvPicPr>
+              <a:picLocks noChangeAspect="1"/>
+            </p:cNvPicPr>
+            <p:nvPr/>
+          </p:nvPicPr>
+          <p:blipFill>
+            <a:blip r:embed="rId5">
+              <a:extLst>
+                <a:ext uri="{28A0092B-C50C-407E-A947-70E740481C1C}">
+                  <a14:useLocalDpi xmlns:a14="http://schemas.microsoft.com/office/drawing/2010/main" val="0"/>
+                </a:ext>
+              </a:extLst>
+            </a:blip>
+            <a:srcRect/>
+            <a:stretch>
+              <a:fillRect/>
+            </a:stretch>
+          </p:blipFill>
+          <p:spPr bwMode="auto">
+            <a:xfrm>
+              <a:off x="4253254" y="2640653"/>
+              <a:ext cx="3797615" cy="3637252"/>
+            </a:xfrm>
+            <a:prstGeom prst="rect">
+              <a:avLst/>
+            </a:prstGeom>
+            <a:noFill/>
+            <a:ln>
+              <a:noFill/>
+            </a:ln>
+            <a:extLst>
+              <a:ext uri="{909E8E84-426E-40dd-AFC4-6F175D3DCCD1}">
+                <a14:hiddenFill xmlns="" xmlns:a14="http://schemas.microsoft.com/office/drawing/2010/main">
+                  <a:solidFill>
+                    <a:srgbClr val="FFFFFF"/>
+                  </a:solidFill>
+                </a14:hiddenFill>
+              </a:ext>
+              <a:ext uri="{91240B29-F687-4f45-9708-019B960494DF}">
+                <a14:hiddenLine xmlns="" xmlns:a14="http://schemas.microsoft.com/office/drawing/2010/main" w="9525">
+                  <a:solidFill>
+                    <a:srgbClr val="000000"/>
+                  </a:solidFill>
+                  <a:miter lim="800000"/>
+                  <a:headEnd/>
+                  <a:tailEnd/>
+                </a14:hiddenLine>
+              </a:ext>
+            </a:extLst>
+          </p:spPr>
+        </p:pic>
+      </p:grpSp>
     </p:spTree>
     <p:extLst>
       <p:ext uri="{BB962C8B-B14F-4D97-AF65-F5344CB8AC3E}">
@@ -7233,14 +6444,14 @@
           </a:ln>
           <a:extLst>
             <a:ext uri="{909E8E84-426E-40dd-AFC4-6F175D3DCCD1}">
-              <a14:hiddenFill xmlns="" xmlns:a14="http://schemas.microsoft.com/office/drawing/2010/main">
+              <a14:hiddenFill xmlns:a14="http://schemas.microsoft.com/office/drawing/2010/main" xmlns="">
                 <a:solidFill>
                   <a:srgbClr val="FFFFFF"/>
                 </a:solidFill>
               </a14:hiddenFill>
             </a:ext>
             <a:ext uri="{91240B29-F687-4f45-9708-019B960494DF}">
-              <a14:hiddenLine xmlns="" xmlns:a14="http://schemas.microsoft.com/office/drawing/2010/main" w="9525">
+              <a14:hiddenLine xmlns:a14="http://schemas.microsoft.com/office/drawing/2010/main" xmlns="" w="9525">
                 <a:solidFill>
                   <a:srgbClr val="000000"/>
                 </a:solidFill>
@@ -7652,14 +6863,14 @@
           </a:ln>
           <a:extLst>
             <a:ext uri="{909E8E84-426E-40dd-AFC4-6F175D3DCCD1}">
-              <a14:hiddenFill xmlns="" xmlns:a14="http://schemas.microsoft.com/office/drawing/2010/main">
+              <a14:hiddenFill xmlns:a14="http://schemas.microsoft.com/office/drawing/2010/main" xmlns="">
                 <a:solidFill>
                   <a:srgbClr val="FFFFFF"/>
                 </a:solidFill>
               </a14:hiddenFill>
             </a:ext>
             <a:ext uri="{91240B29-F687-4f45-9708-019B960494DF}">
-              <a14:hiddenLine xmlns="" xmlns:a14="http://schemas.microsoft.com/office/drawing/2010/main" w="9525">
+              <a14:hiddenLine xmlns:a14="http://schemas.microsoft.com/office/drawing/2010/main" xmlns="" w="9525">
                 <a:solidFill>
                   <a:srgbClr val="000000"/>
                 </a:solidFill>
@@ -8131,14 +7342,14 @@
           </a:ln>
           <a:extLst>
             <a:ext uri="{909E8E84-426E-40dd-AFC4-6F175D3DCCD1}">
-              <a14:hiddenFill xmlns="" xmlns:a14="http://schemas.microsoft.com/office/drawing/2010/main">
+              <a14:hiddenFill xmlns:a14="http://schemas.microsoft.com/office/drawing/2010/main" xmlns="">
                 <a:solidFill>
                   <a:srgbClr val="FFFFFF"/>
                 </a:solidFill>
               </a14:hiddenFill>
             </a:ext>
             <a:ext uri="{91240B29-F687-4f45-9708-019B960494DF}">
-              <a14:hiddenLine xmlns="" xmlns:a14="http://schemas.microsoft.com/office/drawing/2010/main" w="9525">
+              <a14:hiddenLine xmlns:a14="http://schemas.microsoft.com/office/drawing/2010/main" xmlns="" w="9525">
                 <a:solidFill>
                   <a:srgbClr val="000000"/>
                 </a:solidFill>
@@ -8600,14 +7811,14 @@
           </a:ln>
           <a:extLst>
             <a:ext uri="{909E8E84-426E-40dd-AFC4-6F175D3DCCD1}">
-              <a14:hiddenFill xmlns="" xmlns:a14="http://schemas.microsoft.com/office/drawing/2010/main">
+              <a14:hiddenFill xmlns:a14="http://schemas.microsoft.com/office/drawing/2010/main" xmlns="">
                 <a:solidFill>
                   <a:srgbClr val="FFFFFF"/>
                 </a:solidFill>
               </a14:hiddenFill>
             </a:ext>
             <a:ext uri="{91240B29-F687-4f45-9708-019B960494DF}">
-              <a14:hiddenLine xmlns="" xmlns:a14="http://schemas.microsoft.com/office/drawing/2010/main" w="9525">
+              <a14:hiddenLine xmlns:a14="http://schemas.microsoft.com/office/drawing/2010/main" xmlns="" w="9525">
                 <a:solidFill>
                   <a:srgbClr val="000000"/>
                 </a:solidFill>
@@ -9959,14 +9170,14 @@
           </a:ln>
           <a:extLst>
             <a:ext uri="{909E8E84-426E-40dd-AFC4-6F175D3DCCD1}">
-              <a14:hiddenFill xmlns="" xmlns:a14="http://schemas.microsoft.com/office/drawing/2010/main">
+              <a14:hiddenFill xmlns:a14="http://schemas.microsoft.com/office/drawing/2010/main" xmlns="">
                 <a:solidFill>
                   <a:srgbClr val="FFFFFF"/>
                 </a:solidFill>
               </a14:hiddenFill>
             </a:ext>
             <a:ext uri="{91240B29-F687-4f45-9708-019B960494DF}">
-              <a14:hiddenLine xmlns="" xmlns:a14="http://schemas.microsoft.com/office/drawing/2010/main" w="9525">
+              <a14:hiddenLine xmlns:a14="http://schemas.microsoft.com/office/drawing/2010/main" xmlns="" w="9525">
                 <a:solidFill>
                   <a:srgbClr val="000000"/>
                 </a:solidFill>
@@ -9976,7 +9187,7 @@
               </a14:hiddenLine>
             </a:ext>
             <a:ext uri="{FAA26D3D-D897-4be2-8F04-BA451C77F1D7}">
-              <ma14:placeholderFlag xmlns="" xmlns:ma14="http://schemas.microsoft.com/office/mac/drawingml/2011/main" val="1"/>
+              <ma14:placeholderFlag xmlns:ma14="http://schemas.microsoft.com/office/mac/drawingml/2011/main" xmlns="" val="1"/>
             </a:ext>
           </a:extLst>
         </p:spPr>
@@ -10016,14 +9227,14 @@
           </a:ln>
           <a:extLst>
             <a:ext uri="{909E8E84-426E-40dd-AFC4-6F175D3DCCD1}">
-              <a14:hiddenFill xmlns="" xmlns:a14="http://schemas.microsoft.com/office/drawing/2010/main">
+              <a14:hiddenFill xmlns:a14="http://schemas.microsoft.com/office/drawing/2010/main" xmlns="">
                 <a:solidFill>
                   <a:srgbClr val="FFFFFF"/>
                 </a:solidFill>
               </a14:hiddenFill>
             </a:ext>
             <a:ext uri="{91240B29-F687-4f45-9708-019B960494DF}">
-              <a14:hiddenLine xmlns="" xmlns:a14="http://schemas.microsoft.com/office/drawing/2010/main" w="9525">
+              <a14:hiddenLine xmlns:a14="http://schemas.microsoft.com/office/drawing/2010/main" xmlns="" w="9525">
                 <a:solidFill>
                   <a:srgbClr val="000000"/>
                 </a:solidFill>
@@ -10033,7 +9244,7 @@
               </a14:hiddenLine>
             </a:ext>
             <a:ext uri="{FAA26D3D-D897-4be2-8F04-BA451C77F1D7}">
-              <ma14:placeholderFlag xmlns="" xmlns:ma14="http://schemas.microsoft.com/office/mac/drawingml/2011/main" val="1"/>
+              <ma14:placeholderFlag xmlns:ma14="http://schemas.microsoft.com/office/mac/drawingml/2011/main" xmlns="" val="1"/>
             </a:ext>
           </a:extLst>
         </p:spPr>
@@ -10060,14 +9271,14 @@
           </a:ln>
           <a:extLst>
             <a:ext uri="{909E8E84-426E-40dd-AFC4-6F175D3DCCD1}">
-              <a14:hiddenFill xmlns="" xmlns:a14="http://schemas.microsoft.com/office/drawing/2010/main">
+              <a14:hiddenFill xmlns:a14="http://schemas.microsoft.com/office/drawing/2010/main" xmlns="">
                 <a:solidFill>
                   <a:srgbClr val="FFFFFF"/>
                 </a:solidFill>
               </a14:hiddenFill>
             </a:ext>
             <a:ext uri="{91240B29-F687-4f45-9708-019B960494DF}">
-              <a14:hiddenLine xmlns="" xmlns:a14="http://schemas.microsoft.com/office/drawing/2010/main" w="9525">
+              <a14:hiddenLine xmlns:a14="http://schemas.microsoft.com/office/drawing/2010/main" xmlns="" w="9525">
                 <a:solidFill>
                   <a:srgbClr val="000000"/>
                 </a:solidFill>
@@ -10249,14 +9460,14 @@
           </a:ln>
           <a:extLst>
             <a:ext uri="{909E8E84-426E-40dd-AFC4-6F175D3DCCD1}">
-              <a14:hiddenFill xmlns="" xmlns:a14="http://schemas.microsoft.com/office/drawing/2010/main">
+              <a14:hiddenFill xmlns:a14="http://schemas.microsoft.com/office/drawing/2010/main" xmlns="">
                 <a:solidFill>
                   <a:srgbClr val="FFFFFF"/>
                 </a:solidFill>
               </a14:hiddenFill>
             </a:ext>
             <a:ext uri="{91240B29-F687-4f45-9708-019B960494DF}">
-              <a14:hiddenLine xmlns="" xmlns:a14="http://schemas.microsoft.com/office/drawing/2010/main" w="9525">
+              <a14:hiddenLine xmlns:a14="http://schemas.microsoft.com/office/drawing/2010/main" xmlns="" w="9525">
                 <a:solidFill>
                   <a:srgbClr val="000000"/>
                 </a:solidFill>
@@ -10438,14 +9649,14 @@
           </a:ln>
           <a:extLst>
             <a:ext uri="{909E8E84-426E-40dd-AFC4-6F175D3DCCD1}">
-              <a14:hiddenFill xmlns="" xmlns:a14="http://schemas.microsoft.com/office/drawing/2010/main">
+              <a14:hiddenFill xmlns:a14="http://schemas.microsoft.com/office/drawing/2010/main" xmlns="">
                 <a:solidFill>
                   <a:srgbClr val="FFFFFF"/>
                 </a:solidFill>
               </a14:hiddenFill>
             </a:ext>
             <a:ext uri="{91240B29-F687-4f45-9708-019B960494DF}">
-              <a14:hiddenLine xmlns="" xmlns:a14="http://schemas.microsoft.com/office/drawing/2010/main" w="9525">
+              <a14:hiddenLine xmlns:a14="http://schemas.microsoft.com/office/drawing/2010/main" xmlns="" w="9525">
                 <a:solidFill>
                   <a:srgbClr val="000000"/>
                 </a:solidFill>
@@ -10627,14 +9838,14 @@
           </a:ln>
           <a:extLst>
             <a:ext uri="{909E8E84-426E-40dd-AFC4-6F175D3DCCD1}">
-              <a14:hiddenFill xmlns="" xmlns:a14="http://schemas.microsoft.com/office/drawing/2010/main">
+              <a14:hiddenFill xmlns:a14="http://schemas.microsoft.com/office/drawing/2010/main" xmlns="">
                 <a:solidFill>
                   <a:srgbClr val="FFFFFF"/>
                 </a:solidFill>
               </a14:hiddenFill>
             </a:ext>
             <a:ext uri="{91240B29-F687-4f45-9708-019B960494DF}">
-              <a14:hiddenLine xmlns="" xmlns:a14="http://schemas.microsoft.com/office/drawing/2010/main" w="9525">
+              <a14:hiddenLine xmlns:a14="http://schemas.microsoft.com/office/drawing/2010/main" xmlns="" w="9525">
                 <a:solidFill>
                   <a:srgbClr val="000000"/>
                 </a:solidFill>
@@ -11140,14 +10351,14 @@
           </a:ln>
           <a:extLst>
             <a:ext uri="{909E8E84-426E-40dd-AFC4-6F175D3DCCD1}">
-              <a14:hiddenFill xmlns="" xmlns:a14="http://schemas.microsoft.com/office/drawing/2010/main">
+              <a14:hiddenFill xmlns:a14="http://schemas.microsoft.com/office/drawing/2010/main" xmlns="">
                 <a:solidFill>
                   <a:srgbClr val="FFFFFF"/>
                 </a:solidFill>
               </a14:hiddenFill>
             </a:ext>
             <a:ext uri="{91240B29-F687-4f45-9708-019B960494DF}">
-              <a14:hiddenLine xmlns="" xmlns:a14="http://schemas.microsoft.com/office/drawing/2010/main" w="9525">
+              <a14:hiddenLine xmlns:a14="http://schemas.microsoft.com/office/drawing/2010/main" xmlns="" w="9525">
                 <a:solidFill>
                   <a:srgbClr val="000000"/>
                 </a:solidFill>
@@ -11716,14 +10927,14 @@
           </a:ln>
           <a:extLst>
             <a:ext uri="{909E8E84-426E-40dd-AFC4-6F175D3DCCD1}">
-              <a14:hiddenFill xmlns="" xmlns:a14="http://schemas.microsoft.com/office/drawing/2010/main">
+              <a14:hiddenFill xmlns:a14="http://schemas.microsoft.com/office/drawing/2010/main" xmlns="">
                 <a:solidFill>
                   <a:srgbClr val="FFFFFF"/>
                 </a:solidFill>
               </a14:hiddenFill>
             </a:ext>
             <a:ext uri="{91240B29-F687-4f45-9708-019B960494DF}">
-              <a14:hiddenLine xmlns="" xmlns:a14="http://schemas.microsoft.com/office/drawing/2010/main" w="9525">
+              <a14:hiddenLine xmlns:a14="http://schemas.microsoft.com/office/drawing/2010/main" xmlns="" w="9525">
                 <a:solidFill>
                   <a:srgbClr val="000000"/>
                 </a:solidFill>
@@ -11961,14 +11172,14 @@
           </a:ln>
           <a:extLst>
             <a:ext uri="{909E8E84-426E-40dd-AFC4-6F175D3DCCD1}">
-              <a14:hiddenFill xmlns="" xmlns:a14="http://schemas.microsoft.com/office/drawing/2010/main">
+              <a14:hiddenFill xmlns:a14="http://schemas.microsoft.com/office/drawing/2010/main" xmlns="">
                 <a:solidFill>
                   <a:srgbClr val="FFFFFF"/>
                 </a:solidFill>
               </a14:hiddenFill>
             </a:ext>
             <a:ext uri="{91240B29-F687-4f45-9708-019B960494DF}">
-              <a14:hiddenLine xmlns="" xmlns:a14="http://schemas.microsoft.com/office/drawing/2010/main" w="9525">
+              <a14:hiddenLine xmlns:a14="http://schemas.microsoft.com/office/drawing/2010/main" xmlns="" w="9525">
                 <a:solidFill>
                   <a:srgbClr val="000000"/>
                 </a:solidFill>

--- a/assets/lectures/cshl/2019/mini/RNASeq_MiniLecture_02_01_Alignment.pptx
+++ b/assets/lectures/cshl/2019/mini/RNASeq_MiniLecture_02_01_Alignment.pptx
@@ -1856,35 +1856,6 @@
       </p:sp>
       <p:sp>
         <p:nvSpPr>
-          <p:cNvPr id="6" name="Slide Number Placeholder 5">
-            <a:extLst>
-              <a:ext uri="{FF2B5EF4-FFF2-40B4-BE49-F238E27FC236}">
-                <a16:creationId xmlns:a16="http://schemas.microsoft.com/office/drawing/2014/main" id="{D7256FAD-87EC-594B-B262-2B748B57FD14}"/>
-              </a:ext>
-            </a:extLst>
-          </p:cNvPr>
-          <p:cNvSpPr>
-            <a:spLocks noGrp="1"/>
-          </p:cNvSpPr>
-          <p:nvPr>
-            <p:ph type="sldNum" sz="quarter" idx="12"/>
-          </p:nvPr>
-        </p:nvSpPr>
-        <p:spPr/>
-        <p:txBody>
-          <a:bodyPr/>
-          <a:lstStyle/>
-          <a:p>
-            <a:fld id="{0B973F48-4628-F846-BA33-DDE653D83577}" type="slidenum">
-              <a:rPr lang="en-US" smtClean="0"/>
-              <a:t>‹#›</a:t>
-            </a:fld>
-            <a:endParaRPr lang="en-US"/>
-          </a:p>
-        </p:txBody>
-      </p:sp>
-      <p:sp>
-        <p:nvSpPr>
           <p:cNvPr id="7" name="Rectangle 6">
             <a:extLst>
               <a:ext uri="{FF2B5EF4-FFF2-40B4-BE49-F238E27FC236}">
@@ -1984,14 +1955,14 @@
           </a:ln>
           <a:extLst>
             <a:ext uri="{909E8E84-426E-40dd-AFC4-6F175D3DCCD1}">
-              <a14:hiddenFill xmlns="" xmlns:a14="http://schemas.microsoft.com/office/drawing/2010/main">
+              <a14:hiddenFill xmlns:a14="http://schemas.microsoft.com/office/drawing/2010/main" xmlns="">
                 <a:solidFill>
                   <a:srgbClr val="FFFFFF"/>
                 </a:solidFill>
               </a14:hiddenFill>
             </a:ext>
             <a:ext uri="{91240B29-F687-4f45-9708-019B960494DF}">
-              <a14:hiddenLine xmlns="" xmlns:a14="http://schemas.microsoft.com/office/drawing/2010/main" w="9525">
+              <a14:hiddenLine xmlns:a14="http://schemas.microsoft.com/office/drawing/2010/main" xmlns="" w="9525">
                 <a:solidFill>
                   <a:srgbClr val="000000"/>
                 </a:solidFill>
@@ -2118,35 +2089,6 @@
           </a:p>
         </p:txBody>
       </p:sp>
-      <p:sp>
-        <p:nvSpPr>
-          <p:cNvPr id="6" name="Slide Number Placeholder 5">
-            <a:extLst>
-              <a:ext uri="{FF2B5EF4-FFF2-40B4-BE49-F238E27FC236}">
-                <a16:creationId xmlns:a16="http://schemas.microsoft.com/office/drawing/2014/main" id="{CE0222C1-21B6-E14F-9F34-4E0C4221C434}"/>
-              </a:ext>
-            </a:extLst>
-          </p:cNvPr>
-          <p:cNvSpPr>
-            <a:spLocks noGrp="1"/>
-          </p:cNvSpPr>
-          <p:nvPr>
-            <p:ph type="sldNum" sz="quarter" idx="12"/>
-          </p:nvPr>
-        </p:nvSpPr>
-        <p:spPr/>
-        <p:txBody>
-          <a:bodyPr/>
-          <a:lstStyle/>
-          <a:p>
-            <a:fld id="{0B973F48-4628-F846-BA33-DDE653D83577}" type="slidenum">
-              <a:rPr lang="en-US" smtClean="0"/>
-              <a:t>‹#›</a:t>
-            </a:fld>
-            <a:endParaRPr lang="en-US"/>
-          </a:p>
-        </p:txBody>
-      </p:sp>
     </p:spTree>
     <p:extLst>
       <p:ext uri="{BB962C8B-B14F-4D97-AF65-F5344CB8AC3E}">
@@ -2269,35 +2211,6 @@
               <a:rPr lang="en-US"/>
               <a:t>Fifth level</a:t>
             </a:r>
-          </a:p>
-        </p:txBody>
-      </p:sp>
-      <p:sp>
-        <p:nvSpPr>
-          <p:cNvPr id="6" name="Slide Number Placeholder 5">
-            <a:extLst>
-              <a:ext uri="{FF2B5EF4-FFF2-40B4-BE49-F238E27FC236}">
-                <a16:creationId xmlns:a16="http://schemas.microsoft.com/office/drawing/2014/main" id="{C4C2FCA7-7A48-5E4F-BC6A-8A3BDBEAC3C1}"/>
-              </a:ext>
-            </a:extLst>
-          </p:cNvPr>
-          <p:cNvSpPr>
-            <a:spLocks noGrp="1"/>
-          </p:cNvSpPr>
-          <p:nvPr>
-            <p:ph type="sldNum" sz="quarter" idx="12"/>
-          </p:nvPr>
-        </p:nvSpPr>
-        <p:spPr/>
-        <p:txBody>
-          <a:bodyPr/>
-          <a:lstStyle/>
-          <a:p>
-            <a:fld id="{0B973F48-4628-F846-BA33-DDE653D83577}" type="slidenum">
-              <a:rPr lang="en-US" smtClean="0"/>
-              <a:t>‹#›</a:t>
-            </a:fld>
-            <a:endParaRPr lang="en-US"/>
           </a:p>
         </p:txBody>
       </p:sp>
@@ -2544,14 +2457,14 @@
           </a:ln>
           <a:extLst>
             <a:ext uri="{909E8E84-426E-40dd-AFC4-6F175D3DCCD1}">
-              <a14:hiddenFill xmlns="" xmlns:a14="http://schemas.microsoft.com/office/drawing/2010/main">
+              <a14:hiddenFill xmlns:a14="http://schemas.microsoft.com/office/drawing/2010/main" xmlns="">
                 <a:solidFill>
                   <a:srgbClr val="FFFFFF"/>
                 </a:solidFill>
               </a14:hiddenFill>
             </a:ext>
             <a:ext uri="{91240B29-F687-4f45-9708-019B960494DF}">
-              <a14:hiddenLine xmlns="" xmlns:a14="http://schemas.microsoft.com/office/drawing/2010/main" w="9525">
+              <a14:hiddenLine xmlns:a14="http://schemas.microsoft.com/office/drawing/2010/main" xmlns="" w="9525">
                 <a:solidFill>
                   <a:srgbClr val="000000"/>
                 </a:solidFill>
@@ -3033,35 +2946,6 @@
           </a:p>
         </p:txBody>
       </p:sp>
-      <p:sp>
-        <p:nvSpPr>
-          <p:cNvPr id="6" name="Slide Number Placeholder 5">
-            <a:extLst>
-              <a:ext uri="{FF2B5EF4-FFF2-40B4-BE49-F238E27FC236}">
-                <a16:creationId xmlns:a16="http://schemas.microsoft.com/office/drawing/2014/main" id="{BBA7E5F7-C396-4941-BBC4-7BEAF927C071}"/>
-              </a:ext>
-            </a:extLst>
-          </p:cNvPr>
-          <p:cNvSpPr>
-            <a:spLocks noGrp="1"/>
-          </p:cNvSpPr>
-          <p:nvPr>
-            <p:ph type="sldNum" sz="quarter" idx="12"/>
-          </p:nvPr>
-        </p:nvSpPr>
-        <p:spPr/>
-        <p:txBody>
-          <a:bodyPr/>
-          <a:lstStyle/>
-          <a:p>
-            <a:fld id="{0B973F48-4628-F846-BA33-DDE653D83577}" type="slidenum">
-              <a:rPr lang="en-US" smtClean="0"/>
-              <a:t>‹#›</a:t>
-            </a:fld>
-            <a:endParaRPr lang="en-US"/>
-          </a:p>
-        </p:txBody>
-      </p:sp>
     </p:spTree>
     <p:extLst>
       <p:ext uri="{BB962C8B-B14F-4D97-AF65-F5344CB8AC3E}">
@@ -3254,35 +3138,6 @@
           </a:p>
         </p:txBody>
       </p:sp>
-      <p:sp>
-        <p:nvSpPr>
-          <p:cNvPr id="6" name="Slide Number Placeholder 5">
-            <a:extLst>
-              <a:ext uri="{FF2B5EF4-FFF2-40B4-BE49-F238E27FC236}">
-                <a16:creationId xmlns:a16="http://schemas.microsoft.com/office/drawing/2014/main" id="{E5EEE93E-C8A1-354A-AF1E-19A5283E305A}"/>
-              </a:ext>
-            </a:extLst>
-          </p:cNvPr>
-          <p:cNvSpPr>
-            <a:spLocks noGrp="1"/>
-          </p:cNvSpPr>
-          <p:nvPr>
-            <p:ph type="sldNum" sz="quarter" idx="12"/>
-          </p:nvPr>
-        </p:nvSpPr>
-        <p:spPr/>
-        <p:txBody>
-          <a:bodyPr/>
-          <a:lstStyle/>
-          <a:p>
-            <a:fld id="{0B973F48-4628-F846-BA33-DDE653D83577}" type="slidenum">
-              <a:rPr lang="en-US" smtClean="0"/>
-              <a:t>‹#›</a:t>
-            </a:fld>
-            <a:endParaRPr lang="en-US"/>
-          </a:p>
-        </p:txBody>
-      </p:sp>
     </p:spTree>
     <p:extLst>
       <p:ext uri="{BB962C8B-B14F-4D97-AF65-F5344CB8AC3E}">
@@ -3462,35 +3317,6 @@
               <a:rPr lang="en-US"/>
               <a:t>Fifth level</a:t>
             </a:r>
-          </a:p>
-        </p:txBody>
-      </p:sp>
-      <p:sp>
-        <p:nvSpPr>
-          <p:cNvPr id="7" name="Slide Number Placeholder 6">
-            <a:extLst>
-              <a:ext uri="{FF2B5EF4-FFF2-40B4-BE49-F238E27FC236}">
-                <a16:creationId xmlns:a16="http://schemas.microsoft.com/office/drawing/2014/main" id="{FB759064-C295-474C-91BC-B8179C14C201}"/>
-              </a:ext>
-            </a:extLst>
-          </p:cNvPr>
-          <p:cNvSpPr>
-            <a:spLocks noGrp="1"/>
-          </p:cNvSpPr>
-          <p:nvPr>
-            <p:ph type="sldNum" sz="quarter" idx="12"/>
-          </p:nvPr>
-        </p:nvSpPr>
-        <p:spPr/>
-        <p:txBody>
-          <a:bodyPr/>
-          <a:lstStyle/>
-          <a:p>
-            <a:fld id="{0B973F48-4628-F846-BA33-DDE653D83577}" type="slidenum">
-              <a:rPr lang="en-US" smtClean="0"/>
-              <a:t>‹#›</a:t>
-            </a:fld>
-            <a:endParaRPr lang="en-US"/>
           </a:p>
         </p:txBody>
       </p:sp>
@@ -3823,35 +3649,6 @@
           </a:p>
         </p:txBody>
       </p:sp>
-      <p:sp>
-        <p:nvSpPr>
-          <p:cNvPr id="9" name="Slide Number Placeholder 8">
-            <a:extLst>
-              <a:ext uri="{FF2B5EF4-FFF2-40B4-BE49-F238E27FC236}">
-                <a16:creationId xmlns:a16="http://schemas.microsoft.com/office/drawing/2014/main" id="{B72AE139-D882-D94E-B377-D84A207665BF}"/>
-              </a:ext>
-            </a:extLst>
-          </p:cNvPr>
-          <p:cNvSpPr>
-            <a:spLocks noGrp="1"/>
-          </p:cNvSpPr>
-          <p:nvPr>
-            <p:ph type="sldNum" sz="quarter" idx="12"/>
-          </p:nvPr>
-        </p:nvSpPr>
-        <p:spPr/>
-        <p:txBody>
-          <a:bodyPr/>
-          <a:lstStyle/>
-          <a:p>
-            <a:fld id="{0B973F48-4628-F846-BA33-DDE653D83577}" type="slidenum">
-              <a:rPr lang="en-US" smtClean="0"/>
-              <a:t>‹#›</a:t>
-            </a:fld>
-            <a:endParaRPr lang="en-US"/>
-          </a:p>
-        </p:txBody>
-      </p:sp>
     </p:spTree>
     <p:extLst>
       <p:ext uri="{BB962C8B-B14F-4D97-AF65-F5344CB8AC3E}">
@@ -3910,35 +3707,6 @@
           </a:p>
         </p:txBody>
       </p:sp>
-      <p:sp>
-        <p:nvSpPr>
-          <p:cNvPr id="5" name="Slide Number Placeholder 4">
-            <a:extLst>
-              <a:ext uri="{FF2B5EF4-FFF2-40B4-BE49-F238E27FC236}">
-                <a16:creationId xmlns:a16="http://schemas.microsoft.com/office/drawing/2014/main" id="{81EC7837-FC7B-6043-8182-02D7718729CA}"/>
-              </a:ext>
-            </a:extLst>
-          </p:cNvPr>
-          <p:cNvSpPr>
-            <a:spLocks noGrp="1"/>
-          </p:cNvSpPr>
-          <p:nvPr>
-            <p:ph type="sldNum" sz="quarter" idx="12"/>
-          </p:nvPr>
-        </p:nvSpPr>
-        <p:spPr/>
-        <p:txBody>
-          <a:bodyPr/>
-          <a:lstStyle/>
-          <a:p>
-            <a:fld id="{0B973F48-4628-F846-BA33-DDE653D83577}" type="slidenum">
-              <a:rPr lang="en-US" smtClean="0"/>
-              <a:t>‹#›</a:t>
-            </a:fld>
-            <a:endParaRPr lang="en-US"/>
-          </a:p>
-        </p:txBody>
-      </p:sp>
     </p:spTree>
     <p:extLst>
       <p:ext uri="{BB962C8B-B14F-4D97-AF65-F5344CB8AC3E}">
@@ -3969,35 +3737,6 @@
           <a:chExt cx="0" cy="0"/>
         </a:xfrm>
       </p:grpSpPr>
-      <p:sp>
-        <p:nvSpPr>
-          <p:cNvPr id="4" name="Slide Number Placeholder 3">
-            <a:extLst>
-              <a:ext uri="{FF2B5EF4-FFF2-40B4-BE49-F238E27FC236}">
-                <a16:creationId xmlns:a16="http://schemas.microsoft.com/office/drawing/2014/main" id="{D575A9DD-FA0A-D64B-B42E-72A4B0E3557A}"/>
-              </a:ext>
-            </a:extLst>
-          </p:cNvPr>
-          <p:cNvSpPr>
-            <a:spLocks noGrp="1"/>
-          </p:cNvSpPr>
-          <p:nvPr>
-            <p:ph type="sldNum" sz="quarter" idx="12"/>
-          </p:nvPr>
-        </p:nvSpPr>
-        <p:spPr/>
-        <p:txBody>
-          <a:bodyPr/>
-          <a:lstStyle/>
-          <a:p>
-            <a:fld id="{0B973F48-4628-F846-BA33-DDE653D83577}" type="slidenum">
-              <a:rPr lang="en-US" smtClean="0"/>
-              <a:t>‹#›</a:t>
-            </a:fld>
-            <a:endParaRPr lang="en-US"/>
-          </a:p>
-        </p:txBody>
-      </p:sp>
     </p:spTree>
     <p:extLst>
       <p:ext uri="{BB962C8B-B14F-4D97-AF65-F5344CB8AC3E}">
@@ -4226,35 +3965,6 @@
           </a:p>
         </p:txBody>
       </p:sp>
-      <p:sp>
-        <p:nvSpPr>
-          <p:cNvPr id="7" name="Slide Number Placeholder 6">
-            <a:extLst>
-              <a:ext uri="{FF2B5EF4-FFF2-40B4-BE49-F238E27FC236}">
-                <a16:creationId xmlns:a16="http://schemas.microsoft.com/office/drawing/2014/main" id="{3BCAFAD0-D61F-3F4F-8E0D-9A64CA7C4640}"/>
-              </a:ext>
-            </a:extLst>
-          </p:cNvPr>
-          <p:cNvSpPr>
-            <a:spLocks noGrp="1"/>
-          </p:cNvSpPr>
-          <p:nvPr>
-            <p:ph type="sldNum" sz="quarter" idx="12"/>
-          </p:nvPr>
-        </p:nvSpPr>
-        <p:spPr/>
-        <p:txBody>
-          <a:bodyPr/>
-          <a:lstStyle/>
-          <a:p>
-            <a:fld id="{0B973F48-4628-F846-BA33-DDE653D83577}" type="slidenum">
-              <a:rPr lang="en-US" smtClean="0"/>
-              <a:t>‹#›</a:t>
-            </a:fld>
-            <a:endParaRPr lang="en-US"/>
-          </a:p>
-        </p:txBody>
-      </p:sp>
     </p:spTree>
     <p:extLst>
       <p:ext uri="{BB962C8B-B14F-4D97-AF65-F5344CB8AC3E}">
@@ -4457,35 +4167,6 @@
               <a:rPr lang="en-US"/>
               <a:t>Edit Master text styles</a:t>
             </a:r>
-          </a:p>
-        </p:txBody>
-      </p:sp>
-      <p:sp>
-        <p:nvSpPr>
-          <p:cNvPr id="7" name="Slide Number Placeholder 6">
-            <a:extLst>
-              <a:ext uri="{FF2B5EF4-FFF2-40B4-BE49-F238E27FC236}">
-                <a16:creationId xmlns:a16="http://schemas.microsoft.com/office/drawing/2014/main" id="{7E12F28C-AB7A-EF4C-84CD-F4B5CE4282E4}"/>
-              </a:ext>
-            </a:extLst>
-          </p:cNvPr>
-          <p:cNvSpPr>
-            <a:spLocks noGrp="1"/>
-          </p:cNvSpPr>
-          <p:nvPr>
-            <p:ph type="sldNum" sz="quarter" idx="12"/>
-          </p:nvPr>
-        </p:nvSpPr>
-        <p:spPr/>
-        <p:txBody>
-          <a:bodyPr/>
-          <a:lstStyle/>
-          <a:p>
-            <a:fld id="{0B973F48-4628-F846-BA33-DDE653D83577}" type="slidenum">
-              <a:rPr lang="en-US" smtClean="0"/>
-              <a:t>‹#›</a:t>
-            </a:fld>
-            <a:endParaRPr lang="en-US"/>
           </a:p>
         </p:txBody>
       </p:sp>
@@ -4631,53 +4312,6 @@
       </p:sp>
       <p:sp>
         <p:nvSpPr>
-          <p:cNvPr id="6" name="Slide Number Placeholder 5">
-            <a:extLst>
-              <a:ext uri="{FF2B5EF4-FFF2-40B4-BE49-F238E27FC236}">
-                <a16:creationId xmlns:a16="http://schemas.microsoft.com/office/drawing/2014/main" id="{7F50DDCB-DB12-4B4D-B2A3-DF7E27851109}"/>
-              </a:ext>
-            </a:extLst>
-          </p:cNvPr>
-          <p:cNvSpPr>
-            <a:spLocks noGrp="1"/>
-          </p:cNvSpPr>
-          <p:nvPr>
-            <p:ph type="sldNum" sz="quarter" idx="4"/>
-          </p:nvPr>
-        </p:nvSpPr>
-        <p:spPr>
-          <a:xfrm>
-            <a:off x="9448800" y="6065837"/>
-            <a:ext cx="2743200" cy="365125"/>
-          </a:xfrm>
-          <a:prstGeom prst="rect">
-            <a:avLst/>
-          </a:prstGeom>
-        </p:spPr>
-        <p:txBody>
-          <a:bodyPr vert="horz" lIns="91440" tIns="45720" rIns="91440" bIns="45720" rtlCol="0" anchor="ctr"/>
-          <a:lstStyle>
-            <a:lvl1pPr algn="r">
-              <a:defRPr sz="1200">
-                <a:solidFill>
-                  <a:schemeClr val="tx1">
-                    <a:tint val="75000"/>
-                  </a:schemeClr>
-                </a:solidFill>
-              </a:defRPr>
-            </a:lvl1pPr>
-          </a:lstStyle>
-          <a:p>
-            <a:fld id="{0B973F48-4628-F846-BA33-DDE653D83577}" type="slidenum">
-              <a:rPr lang="en-US" smtClean="0"/>
-              <a:t>‹#›</a:t>
-            </a:fld>
-            <a:endParaRPr lang="en-US" dirty="0"/>
-          </a:p>
-        </p:txBody>
-      </p:sp>
-      <p:sp>
-        <p:nvSpPr>
           <p:cNvPr id="9" name="Slide Number Placeholder 5">
             <a:extLst>
               <a:ext uri="{FF2B5EF4-FFF2-40B4-BE49-F238E27FC236}">
@@ -4903,14 +4537,14 @@
           </a:ln>
           <a:extLst>
             <a:ext uri="{909E8E84-426E-40dd-AFC4-6F175D3DCCD1}">
-              <a14:hiddenFill xmlns="" xmlns:a14="http://schemas.microsoft.com/office/drawing/2010/main">
+              <a14:hiddenFill xmlns:a14="http://schemas.microsoft.com/office/drawing/2010/main" xmlns="">
                 <a:solidFill>
                   <a:srgbClr val="FFFFFF"/>
                 </a:solidFill>
               </a14:hiddenFill>
             </a:ext>
             <a:ext uri="{91240B29-F687-4f45-9708-019B960494DF}">
-              <a14:hiddenLine xmlns="" xmlns:a14="http://schemas.microsoft.com/office/drawing/2010/main" w="9525">
+              <a14:hiddenLine xmlns:a14="http://schemas.microsoft.com/office/drawing/2010/main" xmlns="" w="9525">
                 <a:solidFill>
                   <a:srgbClr val="000000"/>
                 </a:solidFill>
@@ -5993,14 +5627,14 @@
             </a:ln>
             <a:extLst>
               <a:ext uri="{909E8E84-426E-40dd-AFC4-6F175D3DCCD1}">
-                <a14:hiddenFill xmlns="" xmlns:a14="http://schemas.microsoft.com/office/drawing/2010/main">
+                <a14:hiddenFill xmlns:a14="http://schemas.microsoft.com/office/drawing/2010/main" xmlns="">
                   <a:solidFill>
                     <a:srgbClr val="FFFFFF"/>
                   </a:solidFill>
                 </a14:hiddenFill>
               </a:ext>
               <a:ext uri="{91240B29-F687-4f45-9708-019B960494DF}">
-                <a14:hiddenLine xmlns="" xmlns:a14="http://schemas.microsoft.com/office/drawing/2010/main" w="9525">
+                <a14:hiddenLine xmlns:a14="http://schemas.microsoft.com/office/drawing/2010/main" xmlns="" w="9525">
                   <a:solidFill>
                     <a:srgbClr val="000000"/>
                   </a:solidFill>
@@ -6144,14 +5778,14 @@
             </a:ln>
             <a:extLst>
               <a:ext uri="{909E8E84-426E-40dd-AFC4-6F175D3DCCD1}">
-                <a14:hiddenFill xmlns="" xmlns:a14="http://schemas.microsoft.com/office/drawing/2010/main">
+                <a14:hiddenFill xmlns:a14="http://schemas.microsoft.com/office/drawing/2010/main" xmlns="">
                   <a:solidFill>
                     <a:srgbClr val="FFFFFF"/>
                   </a:solidFill>
                 </a14:hiddenFill>
               </a:ext>
               <a:ext uri="{91240B29-F687-4f45-9708-019B960494DF}">
-                <a14:hiddenLine xmlns="" xmlns:a14="http://schemas.microsoft.com/office/drawing/2010/main" w="9525">
+                <a14:hiddenLine xmlns:a14="http://schemas.microsoft.com/office/drawing/2010/main" xmlns="" w="9525">
                   <a:solidFill>
                     <a:srgbClr val="000000"/>
                   </a:solidFill>
@@ -6444,14 +6078,14 @@
           </a:ln>
           <a:extLst>
             <a:ext uri="{909E8E84-426E-40dd-AFC4-6F175D3DCCD1}">
-              <a14:hiddenFill xmlns:a14="http://schemas.microsoft.com/office/drawing/2010/main" xmlns="">
+              <a14:hiddenFill xmlns="" xmlns:a14="http://schemas.microsoft.com/office/drawing/2010/main">
                 <a:solidFill>
                   <a:srgbClr val="FFFFFF"/>
                 </a:solidFill>
               </a14:hiddenFill>
             </a:ext>
             <a:ext uri="{91240B29-F687-4f45-9708-019B960494DF}">
-              <a14:hiddenLine xmlns:a14="http://schemas.microsoft.com/office/drawing/2010/main" xmlns="" w="9525">
+              <a14:hiddenLine xmlns="" xmlns:a14="http://schemas.microsoft.com/office/drawing/2010/main" w="9525">
                 <a:solidFill>
                   <a:srgbClr val="000000"/>
                 </a:solidFill>
@@ -6863,14 +6497,14 @@
           </a:ln>
           <a:extLst>
             <a:ext uri="{909E8E84-426E-40dd-AFC4-6F175D3DCCD1}">
-              <a14:hiddenFill xmlns:a14="http://schemas.microsoft.com/office/drawing/2010/main" xmlns="">
+              <a14:hiddenFill xmlns="" xmlns:a14="http://schemas.microsoft.com/office/drawing/2010/main">
                 <a:solidFill>
                   <a:srgbClr val="FFFFFF"/>
                 </a:solidFill>
               </a14:hiddenFill>
             </a:ext>
             <a:ext uri="{91240B29-F687-4f45-9708-019B960494DF}">
-              <a14:hiddenLine xmlns:a14="http://schemas.microsoft.com/office/drawing/2010/main" xmlns="" w="9525">
+              <a14:hiddenLine xmlns="" xmlns:a14="http://schemas.microsoft.com/office/drawing/2010/main" w="9525">
                 <a:solidFill>
                   <a:srgbClr val="000000"/>
                 </a:solidFill>
@@ -7342,14 +6976,14 @@
           </a:ln>
           <a:extLst>
             <a:ext uri="{909E8E84-426E-40dd-AFC4-6F175D3DCCD1}">
-              <a14:hiddenFill xmlns:a14="http://schemas.microsoft.com/office/drawing/2010/main" xmlns="">
+              <a14:hiddenFill xmlns="" xmlns:a14="http://schemas.microsoft.com/office/drawing/2010/main">
                 <a:solidFill>
                   <a:srgbClr val="FFFFFF"/>
                 </a:solidFill>
               </a14:hiddenFill>
             </a:ext>
             <a:ext uri="{91240B29-F687-4f45-9708-019B960494DF}">
-              <a14:hiddenLine xmlns:a14="http://schemas.microsoft.com/office/drawing/2010/main" xmlns="" w="9525">
+              <a14:hiddenLine xmlns="" xmlns:a14="http://schemas.microsoft.com/office/drawing/2010/main" w="9525">
                 <a:solidFill>
                   <a:srgbClr val="000000"/>
                 </a:solidFill>
@@ -7811,14 +7445,14 @@
           </a:ln>
           <a:extLst>
             <a:ext uri="{909E8E84-426E-40dd-AFC4-6F175D3DCCD1}">
-              <a14:hiddenFill xmlns:a14="http://schemas.microsoft.com/office/drawing/2010/main" xmlns="">
+              <a14:hiddenFill xmlns="" xmlns:a14="http://schemas.microsoft.com/office/drawing/2010/main">
                 <a:solidFill>
                   <a:srgbClr val="FFFFFF"/>
                 </a:solidFill>
               </a14:hiddenFill>
             </a:ext>
             <a:ext uri="{91240B29-F687-4f45-9708-019B960494DF}">
-              <a14:hiddenLine xmlns:a14="http://schemas.microsoft.com/office/drawing/2010/main" xmlns="" w="9525">
+              <a14:hiddenLine xmlns="" xmlns:a14="http://schemas.microsoft.com/office/drawing/2010/main" w="9525">
                 <a:solidFill>
                   <a:srgbClr val="000000"/>
                 </a:solidFill>
@@ -9170,14 +8804,14 @@
           </a:ln>
           <a:extLst>
             <a:ext uri="{909E8E84-426E-40dd-AFC4-6F175D3DCCD1}">
-              <a14:hiddenFill xmlns:a14="http://schemas.microsoft.com/office/drawing/2010/main" xmlns="">
+              <a14:hiddenFill xmlns="" xmlns:a14="http://schemas.microsoft.com/office/drawing/2010/main">
                 <a:solidFill>
                   <a:srgbClr val="FFFFFF"/>
                 </a:solidFill>
               </a14:hiddenFill>
             </a:ext>
             <a:ext uri="{91240B29-F687-4f45-9708-019B960494DF}">
-              <a14:hiddenLine xmlns:a14="http://schemas.microsoft.com/office/drawing/2010/main" xmlns="" w="9525">
+              <a14:hiddenLine xmlns="" xmlns:a14="http://schemas.microsoft.com/office/drawing/2010/main" w="9525">
                 <a:solidFill>
                   <a:srgbClr val="000000"/>
                 </a:solidFill>
@@ -9187,7 +8821,7 @@
               </a14:hiddenLine>
             </a:ext>
             <a:ext uri="{FAA26D3D-D897-4be2-8F04-BA451C77F1D7}">
-              <ma14:placeholderFlag xmlns:ma14="http://schemas.microsoft.com/office/mac/drawingml/2011/main" xmlns="" val="1"/>
+              <ma14:placeholderFlag xmlns="" xmlns:ma14="http://schemas.microsoft.com/office/mac/drawingml/2011/main" val="1"/>
             </a:ext>
           </a:extLst>
         </p:spPr>
@@ -9227,14 +8861,14 @@
           </a:ln>
           <a:extLst>
             <a:ext uri="{909E8E84-426E-40dd-AFC4-6F175D3DCCD1}">
-              <a14:hiddenFill xmlns:a14="http://schemas.microsoft.com/office/drawing/2010/main" xmlns="">
+              <a14:hiddenFill xmlns="" xmlns:a14="http://schemas.microsoft.com/office/drawing/2010/main">
                 <a:solidFill>
                   <a:srgbClr val="FFFFFF"/>
                 </a:solidFill>
               </a14:hiddenFill>
             </a:ext>
             <a:ext uri="{91240B29-F687-4f45-9708-019B960494DF}">
-              <a14:hiddenLine xmlns:a14="http://schemas.microsoft.com/office/drawing/2010/main" xmlns="" w="9525">
+              <a14:hiddenLine xmlns="" xmlns:a14="http://schemas.microsoft.com/office/drawing/2010/main" w="9525">
                 <a:solidFill>
                   <a:srgbClr val="000000"/>
                 </a:solidFill>
@@ -9244,7 +8878,7 @@
               </a14:hiddenLine>
             </a:ext>
             <a:ext uri="{FAA26D3D-D897-4be2-8F04-BA451C77F1D7}">
-              <ma14:placeholderFlag xmlns:ma14="http://schemas.microsoft.com/office/mac/drawingml/2011/main" xmlns="" val="1"/>
+              <ma14:placeholderFlag xmlns="" xmlns:ma14="http://schemas.microsoft.com/office/mac/drawingml/2011/main" val="1"/>
             </a:ext>
           </a:extLst>
         </p:spPr>
@@ -9271,14 +8905,14 @@
           </a:ln>
           <a:extLst>
             <a:ext uri="{909E8E84-426E-40dd-AFC4-6F175D3DCCD1}">
-              <a14:hiddenFill xmlns:a14="http://schemas.microsoft.com/office/drawing/2010/main" xmlns="">
+              <a14:hiddenFill xmlns="" xmlns:a14="http://schemas.microsoft.com/office/drawing/2010/main">
                 <a:solidFill>
                   <a:srgbClr val="FFFFFF"/>
                 </a:solidFill>
               </a14:hiddenFill>
             </a:ext>
             <a:ext uri="{91240B29-F687-4f45-9708-019B960494DF}">
-              <a14:hiddenLine xmlns:a14="http://schemas.microsoft.com/office/drawing/2010/main" xmlns="" w="9525">
+              <a14:hiddenLine xmlns="" xmlns:a14="http://schemas.microsoft.com/office/drawing/2010/main" w="9525">
                 <a:solidFill>
                   <a:srgbClr val="000000"/>
                 </a:solidFill>
@@ -9460,14 +9094,14 @@
           </a:ln>
           <a:extLst>
             <a:ext uri="{909E8E84-426E-40dd-AFC4-6F175D3DCCD1}">
-              <a14:hiddenFill xmlns:a14="http://schemas.microsoft.com/office/drawing/2010/main" xmlns="">
+              <a14:hiddenFill xmlns="" xmlns:a14="http://schemas.microsoft.com/office/drawing/2010/main">
                 <a:solidFill>
                   <a:srgbClr val="FFFFFF"/>
                 </a:solidFill>
               </a14:hiddenFill>
             </a:ext>
             <a:ext uri="{91240B29-F687-4f45-9708-019B960494DF}">
-              <a14:hiddenLine xmlns:a14="http://schemas.microsoft.com/office/drawing/2010/main" xmlns="" w="9525">
+              <a14:hiddenLine xmlns="" xmlns:a14="http://schemas.microsoft.com/office/drawing/2010/main" w="9525">
                 <a:solidFill>
                   <a:srgbClr val="000000"/>
                 </a:solidFill>
@@ -9649,14 +9283,14 @@
           </a:ln>
           <a:extLst>
             <a:ext uri="{909E8E84-426E-40dd-AFC4-6F175D3DCCD1}">
-              <a14:hiddenFill xmlns:a14="http://schemas.microsoft.com/office/drawing/2010/main" xmlns="">
+              <a14:hiddenFill xmlns="" xmlns:a14="http://schemas.microsoft.com/office/drawing/2010/main">
                 <a:solidFill>
                   <a:srgbClr val="FFFFFF"/>
                 </a:solidFill>
               </a14:hiddenFill>
             </a:ext>
             <a:ext uri="{91240B29-F687-4f45-9708-019B960494DF}">
-              <a14:hiddenLine xmlns:a14="http://schemas.microsoft.com/office/drawing/2010/main" xmlns="" w="9525">
+              <a14:hiddenLine xmlns="" xmlns:a14="http://schemas.microsoft.com/office/drawing/2010/main" w="9525">
                 <a:solidFill>
                   <a:srgbClr val="000000"/>
                 </a:solidFill>
@@ -9838,14 +9472,14 @@
           </a:ln>
           <a:extLst>
             <a:ext uri="{909E8E84-426E-40dd-AFC4-6F175D3DCCD1}">
-              <a14:hiddenFill xmlns:a14="http://schemas.microsoft.com/office/drawing/2010/main" xmlns="">
+              <a14:hiddenFill xmlns="" xmlns:a14="http://schemas.microsoft.com/office/drawing/2010/main">
                 <a:solidFill>
                   <a:srgbClr val="FFFFFF"/>
                 </a:solidFill>
               </a14:hiddenFill>
             </a:ext>
             <a:ext uri="{91240B29-F687-4f45-9708-019B960494DF}">
-              <a14:hiddenLine xmlns:a14="http://schemas.microsoft.com/office/drawing/2010/main" xmlns="" w="9525">
+              <a14:hiddenLine xmlns="" xmlns:a14="http://schemas.microsoft.com/office/drawing/2010/main" w="9525">
                 <a:solidFill>
                   <a:srgbClr val="000000"/>
                 </a:solidFill>
@@ -10351,14 +9985,14 @@
           </a:ln>
           <a:extLst>
             <a:ext uri="{909E8E84-426E-40dd-AFC4-6F175D3DCCD1}">
-              <a14:hiddenFill xmlns:a14="http://schemas.microsoft.com/office/drawing/2010/main" xmlns="">
+              <a14:hiddenFill xmlns="" xmlns:a14="http://schemas.microsoft.com/office/drawing/2010/main">
                 <a:solidFill>
                   <a:srgbClr val="FFFFFF"/>
                 </a:solidFill>
               </a14:hiddenFill>
             </a:ext>
             <a:ext uri="{91240B29-F687-4f45-9708-019B960494DF}">
-              <a14:hiddenLine xmlns:a14="http://schemas.microsoft.com/office/drawing/2010/main" xmlns="" w="9525">
+              <a14:hiddenLine xmlns="" xmlns:a14="http://schemas.microsoft.com/office/drawing/2010/main" w="9525">
                 <a:solidFill>
                   <a:srgbClr val="000000"/>
                 </a:solidFill>
@@ -10927,14 +10561,14 @@
           </a:ln>
           <a:extLst>
             <a:ext uri="{909E8E84-426E-40dd-AFC4-6F175D3DCCD1}">
-              <a14:hiddenFill xmlns:a14="http://schemas.microsoft.com/office/drawing/2010/main" xmlns="">
+              <a14:hiddenFill xmlns="" xmlns:a14="http://schemas.microsoft.com/office/drawing/2010/main">
                 <a:solidFill>
                   <a:srgbClr val="FFFFFF"/>
                 </a:solidFill>
               </a14:hiddenFill>
             </a:ext>
             <a:ext uri="{91240B29-F687-4f45-9708-019B960494DF}">
-              <a14:hiddenLine xmlns:a14="http://schemas.microsoft.com/office/drawing/2010/main" xmlns="" w="9525">
+              <a14:hiddenLine xmlns="" xmlns:a14="http://schemas.microsoft.com/office/drawing/2010/main" w="9525">
                 <a:solidFill>
                   <a:srgbClr val="000000"/>
                 </a:solidFill>
@@ -11172,14 +10806,14 @@
           </a:ln>
           <a:extLst>
             <a:ext uri="{909E8E84-426E-40dd-AFC4-6F175D3DCCD1}">
-              <a14:hiddenFill xmlns:a14="http://schemas.microsoft.com/office/drawing/2010/main" xmlns="">
+              <a14:hiddenFill xmlns="" xmlns:a14="http://schemas.microsoft.com/office/drawing/2010/main">
                 <a:solidFill>
                   <a:srgbClr val="FFFFFF"/>
                 </a:solidFill>
               </a14:hiddenFill>
             </a:ext>
             <a:ext uri="{91240B29-F687-4f45-9708-019B960494DF}">
-              <a14:hiddenLine xmlns:a14="http://schemas.microsoft.com/office/drawing/2010/main" xmlns="" w="9525">
+              <a14:hiddenLine xmlns="" xmlns:a14="http://schemas.microsoft.com/office/drawing/2010/main" w="9525">
                 <a:solidFill>
                   <a:srgbClr val="000000"/>
                 </a:solidFill>

--- a/assets/lectures/cshl/2019/mini/RNASeq_MiniLecture_02_01_Alignment.pptx
+++ b/assets/lectures/cshl/2019/mini/RNASeq_MiniLecture_02_01_Alignment.pptx
@@ -4511,10 +4511,10 @@
       </p:sp>
       <p:sp>
         <p:nvSpPr>
-          <p:cNvPr id="11" name="TextBox 10">
+          <p:cNvPr id="12" name="TextBox 11">
             <a:extLst>
               <a:ext uri="{FF2B5EF4-FFF2-40B4-BE49-F238E27FC236}">
-                <a16:creationId xmlns:a16="http://schemas.microsoft.com/office/drawing/2014/main" id="{2CE4FBA7-EA83-4B4B-A7C6-F0F5766917AC}"/>
+                <a16:creationId xmlns:a16="http://schemas.microsoft.com/office/drawing/2014/main" id="{806C3261-88E2-2449-9B05-D108DF9F309F}"/>
               </a:ext>
             </a:extLst>
           </p:cNvPr>
@@ -4525,8 +4525,8 @@
         </p:nvSpPr>
         <p:spPr bwMode="auto">
           <a:xfrm>
-            <a:off x="0" y="6430962"/>
-            <a:ext cx="6705600" cy="396875"/>
+            <a:off x="111760" y="6447904"/>
+            <a:ext cx="2521392" cy="369332"/>
           </a:xfrm>
           <a:prstGeom prst="rect">
             <a:avLst/>
@@ -4556,7 +4556,7 @@
           </a:extLst>
         </p:spPr>
         <p:txBody>
-          <a:bodyPr>
+          <a:bodyPr wrap="square">
             <a:spAutoFit/>
           </a:bodyPr>
           <a:lstStyle>
@@ -4672,24 +4672,24 @@
               <a:defRPr/>
             </a:pPr>
             <a:r>
-              <a:rPr lang="en-US" sz="2000" b="1" dirty="0">
+              <a:rPr lang="en-US" sz="1800" b="1" dirty="0">
                 <a:solidFill>
                   <a:schemeClr val="bg1"/>
                 </a:solidFill>
                 <a:latin typeface="Calibri" charset="0"/>
                 <a:cs typeface="Calibri" charset="0"/>
               </a:rPr>
-              <a:t>Module 2</a:t>
+              <a:t>Module 2 </a:t>
             </a:r>
           </a:p>
         </p:txBody>
       </p:sp>
       <p:sp>
         <p:nvSpPr>
-          <p:cNvPr id="12" name="TextBox 11">
+          <p:cNvPr id="14" name="TextBox 13">
             <a:extLst>
               <a:ext uri="{FF2B5EF4-FFF2-40B4-BE49-F238E27FC236}">
-                <a16:creationId xmlns:a16="http://schemas.microsoft.com/office/drawing/2014/main" id="{8EB12434-FD9E-4242-B813-5136B9D05A8A}"/>
+                <a16:creationId xmlns:a16="http://schemas.microsoft.com/office/drawing/2014/main" id="{DCC13E2E-728B-6B43-8E7F-5E043D9CB209}"/>
               </a:ext>
             </a:extLst>
           </p:cNvPr>
@@ -4698,8 +4698,8 @@
         </p:nvSpPr>
         <p:spPr>
           <a:xfrm>
-            <a:off x="9639300" y="6400800"/>
-            <a:ext cx="2362200" cy="461665"/>
+            <a:off x="9721408" y="6447904"/>
+            <a:ext cx="2362200" cy="369332"/>
           </a:xfrm>
           <a:prstGeom prst="rect">
             <a:avLst/>
@@ -4823,13 +4823,65 @@
               <a:defRPr/>
             </a:pPr>
             <a:r>
-              <a:rPr lang="en-US" b="1" dirty="0" err="1">
+              <a:rPr lang="en-US" sz="1800" b="1" dirty="0">
+                <a:solidFill>
+                  <a:schemeClr val="bg1"/>
+                </a:solidFill>
                 <a:cs typeface="Arial" charset="0"/>
               </a:rPr>
               <a:t>rnabio.org</a:t>
             </a:r>
-            <a:endParaRPr lang="en-US" dirty="0">
+            <a:endParaRPr lang="en-US" sz="1800" dirty="0">
+              <a:solidFill>
+                <a:schemeClr val="bg1"/>
+              </a:solidFill>
               <a:cs typeface="Arial" charset="0"/>
+            </a:endParaRPr>
+          </a:p>
+        </p:txBody>
+      </p:sp>
+      <p:sp>
+        <p:nvSpPr>
+          <p:cNvPr id="15" name="TextBox 14">
+            <a:extLst>
+              <a:ext uri="{FF2B5EF4-FFF2-40B4-BE49-F238E27FC236}">
+                <a16:creationId xmlns:a16="http://schemas.microsoft.com/office/drawing/2014/main" id="{0A857B76-24CA-B045-8E10-D5DB11A2E922}"/>
+              </a:ext>
+            </a:extLst>
+          </p:cNvPr>
+          <p:cNvSpPr txBox="1"/>
+          <p:nvPr userDrawn="1"/>
+        </p:nvSpPr>
+        <p:spPr>
+          <a:xfrm>
+            <a:off x="5867412" y="6447904"/>
+            <a:ext cx="457176" cy="369332"/>
+          </a:xfrm>
+          <a:prstGeom prst="rect">
+            <a:avLst/>
+          </a:prstGeom>
+          <a:noFill/>
+        </p:spPr>
+        <p:txBody>
+          <a:bodyPr wrap="none" rtlCol="0" anchor="ctr">
+            <a:spAutoFit/>
+          </a:bodyPr>
+          <a:lstStyle/>
+          <a:p>
+            <a:pPr algn="ctr"/>
+            <a:fld id="{0153C3B2-0654-1049-821D-A9450C27E9C9}" type="slidenum">
+              <a:rPr lang="en-US" sz="1800" smtClean="0">
+                <a:solidFill>
+                  <a:schemeClr val="bg1"/>
+                </a:solidFill>
+              </a:rPr>
+              <a:pPr algn="ctr"/>
+              <a:t>‹#›</a:t>
+            </a:fld>
+            <a:endParaRPr lang="en-US" sz="1800" dirty="0">
+              <a:solidFill>
+                <a:schemeClr val="bg1"/>
+              </a:solidFill>
             </a:endParaRPr>
           </a:p>
         </p:txBody>
